--- a/STEM-Conference-Scratch.pptx
+++ b/STEM-Conference-Scratch.pptx
@@ -276,7 +276,7 @@
       </p14:sectionLst>
     </p:ext>
     <p:ext uri="{EFAFB233-063F-42B5-8137-9DF3F51BA10A}">
-      <p15:sldGuideLst xmlns="" xmlns:p15="http://schemas.microsoft.com/office/powerpoint/2012/main"/>
+      <p15:sldGuideLst xmlns:p15="http://schemas.microsoft.com/office/powerpoint/2012/main" xmlns=""/>
     </p:ext>
   </p:extLst>
 </p:presentation>
@@ -364,7 +364,7 @@
           <a:p>
             <a:fld id="{5E67A317-6785-4E6D-9F9E-5534567B346A}" type="datetimeFigureOut">
               <a:rPr lang="en-US"/>
-              <a:t>7/20/2018</a:t>
+              <a:t>7/22/2018</a:t>
             </a:fld>
             <a:endParaRPr lang="en-US"/>
           </a:p>
@@ -695,8 +695,8 @@
           <a:lstStyle/>
           <a:p>
             <a:fld id="{6BD16A6E-B664-4EC5-B3B1-02B15797974C}" type="slidenum">
-              <a:rPr lang="en-US"/>
-              <a:t>7</a:t>
+              <a:rPr lang="en-US" smtClean="0"/>
+              <a:t>1</a:t>
             </a:fld>
             <a:endParaRPr lang="en-US"/>
           </a:p>
@@ -705,7 +705,7 @@
     </p:spTree>
     <p:extLst>
       <p:ext uri="{BB962C8B-B14F-4D97-AF65-F5344CB8AC3E}">
-        <p14:creationId xmlns:p14="http://schemas.microsoft.com/office/powerpoint/2010/main" val="3437107532"/>
+        <p14:creationId xmlns:p14="http://schemas.microsoft.com/office/powerpoint/2010/main" val="950979105"/>
       </p:ext>
     </p:extLst>
   </p:cSld>
@@ -759,11 +759,7 @@
           <a:bodyPr/>
           <a:lstStyle/>
           <a:p>
-            <a:r>
-              <a:rPr lang="en-US" dirty="0" smtClean="0"/>
-              <a:t>Stored in F_to_C.sb</a:t>
-            </a:r>
-            <a:endParaRPr lang="en-US" dirty="0"/>
+            <a:endParaRPr lang="en-US"/>
           </a:p>
         </p:txBody>
       </p:sp>
@@ -784,7 +780,7 @@
           <a:p>
             <a:fld id="{6BD16A6E-B664-4EC5-B3B1-02B15797974C}" type="slidenum">
               <a:rPr lang="en-US" smtClean="0"/>
-              <a:t>31</a:t>
+              <a:t>10</a:t>
             </a:fld>
             <a:endParaRPr lang="en-US"/>
           </a:p>
@@ -793,7 +789,7 @@
     </p:spTree>
     <p:extLst>
       <p:ext uri="{BB962C8B-B14F-4D97-AF65-F5344CB8AC3E}">
-        <p14:creationId xmlns:p14="http://schemas.microsoft.com/office/powerpoint/2010/main" val="1805095233"/>
+        <p14:creationId xmlns:p14="http://schemas.microsoft.com/office/powerpoint/2010/main" val="4215617722"/>
       </p:ext>
     </p:extLst>
   </p:cSld>
@@ -822,42 +818,19 @@
       </p:grpSpPr>
       <p:sp>
         <p:nvSpPr>
-          <p:cNvPr id="5121" name="Slide Image Placeholder 1"/>
-          <p:cNvSpPr>
-            <a:spLocks noGrp="1" noRot="1" noChangeAspect="1" noTextEdit="1"/>
+          <p:cNvPr id="2" name="Slide Image Placeholder 1"/>
+          <p:cNvSpPr>
+            <a:spLocks noGrp="1" noRot="1" noChangeAspect="1"/>
           </p:cNvSpPr>
           <p:nvPr>
             <p:ph type="sldImg"/>
           </p:nvPr>
         </p:nvSpPr>
-        <p:spPr bwMode="auto">
-          <a:xfrm>
-            <a:off x="685800" y="1143000"/>
-            <a:ext cx="5486400" cy="3086100"/>
-          </a:xfrm>
-          <a:noFill/>
-          <a:ln>
-            <a:solidFill>
-              <a:srgbClr val="000000"/>
-            </a:solidFill>
-            <a:miter lim="800000"/>
-            <a:headEnd/>
-            <a:tailEnd/>
-          </a:ln>
-          <a:extLst>
-            <a:ext uri="{909E8E84-426E-40DD-AFC4-6F175D3DCCD1}">
-              <a14:hiddenFill xmlns:a14="http://schemas.microsoft.com/office/drawing/2010/main">
-                <a:solidFill>
-                  <a:srgbClr val="FFFFFF"/>
-                </a:solidFill>
-              </a14:hiddenFill>
-            </a:ext>
-          </a:extLst>
-        </p:spPr>
-      </p:sp>
-      <p:sp>
-        <p:nvSpPr>
-          <p:cNvPr id="5122" name="Notes Placeholder 2"/>
+        <p:spPr/>
+      </p:sp>
+      <p:sp>
+        <p:nvSpPr>
+          <p:cNvPr id="3" name="Notes Placeholder 2"/>
           <p:cNvSpPr>
             <a:spLocks noGrp="1"/>
           </p:cNvSpPr>
@@ -865,205 +838,42 @@
             <p:ph type="body" idx="1"/>
           </p:nvPr>
         </p:nvSpPr>
-        <p:spPr bwMode="auto">
-          <a:noFill/>
-          <a:extLst>
-            <a:ext uri="{909E8E84-426E-40DD-AFC4-6F175D3DCCD1}">
-              <a14:hiddenFill xmlns:a14="http://schemas.microsoft.com/office/drawing/2010/main">
-                <a:solidFill>
-                  <a:srgbClr val="FFFFFF"/>
-                </a:solidFill>
-              </a14:hiddenFill>
-            </a:ext>
-            <a:ext uri="{91240B29-F687-4F45-9708-019B960494DF}">
-              <a14:hiddenLine xmlns:a14="http://schemas.microsoft.com/office/drawing/2010/main" w="9525">
-                <a:solidFill>
-                  <a:srgbClr val="000000"/>
-                </a:solidFill>
-                <a:miter lim="800000"/>
-                <a:headEnd/>
-                <a:tailEnd/>
-              </a14:hiddenLine>
-            </a:ext>
-          </a:extLst>
-        </p:spPr>
-        <p:txBody>
-          <a:bodyPr wrap="square" numCol="1" anchor="t" anchorCtr="0" compatLnSpc="1">
-            <a:prstTxWarp prst="textNoShape">
-              <a:avLst/>
-            </a:prstTxWarp>
-          </a:bodyPr>
-          <a:lstStyle/>
-          <a:p>
-            <a:pPr eaLnBrk="1" hangingPunct="1">
-              <a:spcBef>
-                <a:spcPct val="0"/>
-              </a:spcBef>
-            </a:pPr>
-            <a:r>
-              <a:rPr lang="en-US" altLang="en-US">
-                <a:ea typeface="ＭＳ Ｐゴシック" panose="020B0600070205080204" pitchFamily="34" charset="-128"/>
-              </a:rPr>
-              <a:t>Each trainer will introduce themselves. Name, CS connections/background, and any k-12 experience/outreach </a:t>
-            </a:r>
-          </a:p>
-        </p:txBody>
-      </p:sp>
-      <p:sp>
-        <p:nvSpPr>
-          <p:cNvPr id="5123" name="Slide Number Placeholder 3"/>
-          <p:cNvSpPr>
-            <a:spLocks noGrp="1"/>
-          </p:cNvSpPr>
-          <p:nvPr>
-            <p:ph type="sldNum" sz="quarter" idx="5"/>
-          </p:nvPr>
-        </p:nvSpPr>
-        <p:spPr bwMode="auto">
-          <a:noFill/>
-          <a:extLst>
-            <a:ext uri="{909E8E84-426E-40DD-AFC4-6F175D3DCCD1}">
-              <a14:hiddenFill xmlns:a14="http://schemas.microsoft.com/office/drawing/2010/main">
-                <a:solidFill>
-                  <a:srgbClr val="FFFFFF"/>
-                </a:solidFill>
-              </a14:hiddenFill>
-            </a:ext>
-            <a:ext uri="{91240B29-F687-4F45-9708-019B960494DF}">
-              <a14:hiddenLine xmlns:a14="http://schemas.microsoft.com/office/drawing/2010/main" w="9525">
-                <a:solidFill>
-                  <a:srgbClr val="000000"/>
-                </a:solidFill>
-                <a:miter lim="800000"/>
-                <a:headEnd/>
-                <a:tailEnd/>
-              </a14:hiddenLine>
-            </a:ext>
-          </a:extLst>
-        </p:spPr>
+        <p:spPr/>
         <p:txBody>
           <a:bodyPr/>
-          <a:lstStyle>
-            <a:lvl1pPr>
-              <a:defRPr sz="2400">
-                <a:solidFill>
-                  <a:schemeClr val="tx1"/>
-                </a:solidFill>
-                <a:latin typeface="Arial" panose="020B0604020202020204" pitchFamily="34" charset="0"/>
-                <a:ea typeface="ＭＳ Ｐゴシック" panose="020B0600070205080204" pitchFamily="34" charset="-128"/>
-              </a:defRPr>
-            </a:lvl1pPr>
-            <a:lvl2pPr marL="742950" indent="-285750">
-              <a:defRPr sz="2400">
-                <a:solidFill>
-                  <a:schemeClr val="tx1"/>
-                </a:solidFill>
-                <a:latin typeface="Arial" panose="020B0604020202020204" pitchFamily="34" charset="0"/>
-                <a:ea typeface="ＭＳ Ｐゴシック" panose="020B0600070205080204" pitchFamily="34" charset="-128"/>
-              </a:defRPr>
-            </a:lvl2pPr>
-            <a:lvl3pPr marL="1143000" indent="-228600">
-              <a:defRPr sz="2400">
-                <a:solidFill>
-                  <a:schemeClr val="tx1"/>
-                </a:solidFill>
-                <a:latin typeface="Arial" panose="020B0604020202020204" pitchFamily="34" charset="0"/>
-                <a:ea typeface="ＭＳ Ｐゴシック" panose="020B0600070205080204" pitchFamily="34" charset="-128"/>
-              </a:defRPr>
-            </a:lvl3pPr>
-            <a:lvl4pPr marL="1600200" indent="-228600">
-              <a:defRPr sz="2400">
-                <a:solidFill>
-                  <a:schemeClr val="tx1"/>
-                </a:solidFill>
-                <a:latin typeface="Arial" panose="020B0604020202020204" pitchFamily="34" charset="0"/>
-                <a:ea typeface="ＭＳ Ｐゴシック" panose="020B0600070205080204" pitchFamily="34" charset="-128"/>
-              </a:defRPr>
-            </a:lvl4pPr>
-            <a:lvl5pPr marL="2057400" indent="-228600">
-              <a:defRPr sz="2400">
-                <a:solidFill>
-                  <a:schemeClr val="tx1"/>
-                </a:solidFill>
-                <a:latin typeface="Arial" panose="020B0604020202020204" pitchFamily="34" charset="0"/>
-                <a:ea typeface="ＭＳ Ｐゴシック" panose="020B0600070205080204" pitchFamily="34" charset="-128"/>
-              </a:defRPr>
-            </a:lvl5pPr>
-            <a:lvl6pPr marL="2514600" indent="-228600" eaLnBrk="0" fontAlgn="base" hangingPunct="0">
-              <a:spcBef>
-                <a:spcPct val="0"/>
-              </a:spcBef>
-              <a:spcAft>
-                <a:spcPct val="0"/>
-              </a:spcAft>
-              <a:defRPr sz="2400">
-                <a:solidFill>
-                  <a:schemeClr val="tx1"/>
-                </a:solidFill>
-                <a:latin typeface="Arial" panose="020B0604020202020204" pitchFamily="34" charset="0"/>
-                <a:ea typeface="ＭＳ Ｐゴシック" panose="020B0600070205080204" pitchFamily="34" charset="-128"/>
-              </a:defRPr>
-            </a:lvl6pPr>
-            <a:lvl7pPr marL="2971800" indent="-228600" eaLnBrk="0" fontAlgn="base" hangingPunct="0">
-              <a:spcBef>
-                <a:spcPct val="0"/>
-              </a:spcBef>
-              <a:spcAft>
-                <a:spcPct val="0"/>
-              </a:spcAft>
-              <a:defRPr sz="2400">
-                <a:solidFill>
-                  <a:schemeClr val="tx1"/>
-                </a:solidFill>
-                <a:latin typeface="Arial" panose="020B0604020202020204" pitchFamily="34" charset="0"/>
-                <a:ea typeface="ＭＳ Ｐゴシック" panose="020B0600070205080204" pitchFamily="34" charset="-128"/>
-              </a:defRPr>
-            </a:lvl7pPr>
-            <a:lvl8pPr marL="3429000" indent="-228600" eaLnBrk="0" fontAlgn="base" hangingPunct="0">
-              <a:spcBef>
-                <a:spcPct val="0"/>
-              </a:spcBef>
-              <a:spcAft>
-                <a:spcPct val="0"/>
-              </a:spcAft>
-              <a:defRPr sz="2400">
-                <a:solidFill>
-                  <a:schemeClr val="tx1"/>
-                </a:solidFill>
-                <a:latin typeface="Arial" panose="020B0604020202020204" pitchFamily="34" charset="0"/>
-                <a:ea typeface="ＭＳ Ｐゴシック" panose="020B0600070205080204" pitchFamily="34" charset="-128"/>
-              </a:defRPr>
-            </a:lvl8pPr>
-            <a:lvl9pPr marL="3886200" indent="-228600" eaLnBrk="0" fontAlgn="base" hangingPunct="0">
-              <a:spcBef>
-                <a:spcPct val="0"/>
-              </a:spcBef>
-              <a:spcAft>
-                <a:spcPct val="0"/>
-              </a:spcAft>
-              <a:defRPr sz="2400">
-                <a:solidFill>
-                  <a:schemeClr val="tx1"/>
-                </a:solidFill>
-                <a:latin typeface="Arial" panose="020B0604020202020204" pitchFamily="34" charset="0"/>
-                <a:ea typeface="ＭＳ Ｐゴシック" panose="020B0600070205080204" pitchFamily="34" charset="-128"/>
-              </a:defRPr>
-            </a:lvl9pPr>
-          </a:lstStyle>
-          <a:p>
-            <a:fld id="{B4190F47-5CEA-403D-B232-96C2420DFDC0}" type="slidenum">
-              <a:rPr lang="en-US" altLang="en-US" sz="1200" smtClean="0"/>
-              <a:pPr/>
-              <a:t>32</a:t>
+          <a:lstStyle/>
+          <a:p>
+            <a:endParaRPr lang="en-US"/>
+          </a:p>
+        </p:txBody>
+      </p:sp>
+      <p:sp>
+        <p:nvSpPr>
+          <p:cNvPr id="4" name="Slide Number Placeholder 3"/>
+          <p:cNvSpPr>
+            <a:spLocks noGrp="1"/>
+          </p:cNvSpPr>
+          <p:nvPr>
+            <p:ph type="sldNum" sz="quarter" idx="10"/>
+          </p:nvPr>
+        </p:nvSpPr>
+        <p:spPr/>
+        <p:txBody>
+          <a:bodyPr/>
+          <a:lstStyle/>
+          <a:p>
+            <a:fld id="{6BD16A6E-B664-4EC5-B3B1-02B15797974C}" type="slidenum">
+              <a:rPr lang="en-US" smtClean="0"/>
+              <a:t>11</a:t>
             </a:fld>
-            <a:endParaRPr lang="en-US" altLang="en-US" sz="1200"/>
+            <a:endParaRPr lang="en-US"/>
           </a:p>
         </p:txBody>
       </p:sp>
     </p:spTree>
     <p:extLst>
       <p:ext uri="{BB962C8B-B14F-4D97-AF65-F5344CB8AC3E}">
-        <p14:creationId xmlns:p14="http://schemas.microsoft.com/office/powerpoint/2010/main" val="760938176"/>
+        <p14:creationId xmlns:p14="http://schemas.microsoft.com/office/powerpoint/2010/main" val="1772320264"/>
       </p:ext>
     </p:extLst>
   </p:cSld>
@@ -1117,18 +927,7 @@
           <a:bodyPr/>
           <a:lstStyle/>
           <a:p>
-            <a:r>
-              <a:rPr lang="en-US" dirty="0"/>
-              <a:t>It is important to emphasize that the comparison operator ‘==‘ is different than the assignment operator ‘=‘, as this is a common source of confusion for beginning programmers, and in python getting the </a:t>
-            </a:r>
-            <a:r>
-              <a:rPr lang="en-US"/>
-              <a:t>two flipped will often </a:t>
-            </a:r>
-            <a:r>
-              <a:rPr lang="en-US" dirty="0"/>
-              <a:t>result in strange behavior rather than an error.</a:t>
-            </a:r>
+            <a:endParaRPr lang="en-US"/>
           </a:p>
         </p:txBody>
       </p:sp>
@@ -1147,9 +946,9 @@
           <a:bodyPr/>
           <a:lstStyle/>
           <a:p>
-            <a:fld id="{98ABD185-C5A1-4B50-BF04-DECE94045A90}" type="slidenum">
+            <a:fld id="{6BD16A6E-B664-4EC5-B3B1-02B15797974C}" type="slidenum">
               <a:rPr lang="en-US" smtClean="0"/>
-              <a:t>33</a:t>
+              <a:t>12</a:t>
             </a:fld>
             <a:endParaRPr lang="en-US"/>
           </a:p>
@@ -1158,7 +957,7 @@
     </p:spTree>
     <p:extLst>
       <p:ext uri="{BB962C8B-B14F-4D97-AF65-F5344CB8AC3E}">
-        <p14:creationId xmlns:p14="http://schemas.microsoft.com/office/powerpoint/2010/main" val="266570820"/>
+        <p14:creationId xmlns:p14="http://schemas.microsoft.com/office/powerpoint/2010/main" val="2778480440"/>
       </p:ext>
     </p:extLst>
   </p:cSld>
@@ -1231,9 +1030,9 @@
           <a:bodyPr/>
           <a:lstStyle/>
           <a:p>
-            <a:fld id="{FA1FA499-97B9-4195-8A23-5150A0AFC481}" type="slidenum">
-              <a:rPr lang="en-US"/>
-              <a:t>39</a:t>
+            <a:fld id="{6BD16A6E-B664-4EC5-B3B1-02B15797974C}" type="slidenum">
+              <a:rPr lang="en-US" smtClean="0"/>
+              <a:t>13</a:t>
             </a:fld>
             <a:endParaRPr lang="en-US"/>
           </a:p>
@@ -1242,7 +1041,7 @@
     </p:spTree>
     <p:extLst>
       <p:ext uri="{BB962C8B-B14F-4D97-AF65-F5344CB8AC3E}">
-        <p14:creationId xmlns:p14="http://schemas.microsoft.com/office/powerpoint/2010/main" val="776145832"/>
+        <p14:creationId xmlns:p14="http://schemas.microsoft.com/office/powerpoint/2010/main" val="1249423623"/>
       </p:ext>
     </p:extLst>
   </p:cSld>
@@ -1296,16 +1095,7 @@
           <a:bodyPr/>
           <a:lstStyle/>
           <a:p>
-            <a:r>
-              <a:rPr lang="en-US" dirty="0"/>
-              <a:t>Mention that we do not have to add one each time to increase count. If participants don’t notice, point to the need for</a:t>
-            </a:r>
-          </a:p>
-          <a:p>
-            <a:r>
-              <a:rPr lang="en-US" dirty="0"/>
-              <a:t>colon and to indent when working with text based programming.</a:t>
-            </a:r>
+            <a:endParaRPr lang="en-US"/>
           </a:p>
         </p:txBody>
       </p:sp>
@@ -1324,9 +1114,9 @@
           <a:bodyPr/>
           <a:lstStyle/>
           <a:p>
-            <a:fld id="{FA1FA499-97B9-4195-8A23-5150A0AFC481}" type="slidenum">
-              <a:rPr lang="en-US"/>
-              <a:t>40</a:t>
+            <a:fld id="{6BD16A6E-B664-4EC5-B3B1-02B15797974C}" type="slidenum">
+              <a:rPr lang="en-US" smtClean="0"/>
+              <a:t>14</a:t>
             </a:fld>
             <a:endParaRPr lang="en-US"/>
           </a:p>
@@ -1335,7 +1125,7 @@
     </p:spTree>
     <p:extLst>
       <p:ext uri="{BB962C8B-B14F-4D97-AF65-F5344CB8AC3E}">
-        <p14:creationId xmlns:p14="http://schemas.microsoft.com/office/powerpoint/2010/main" val="3463306418"/>
+        <p14:creationId xmlns:p14="http://schemas.microsoft.com/office/powerpoint/2010/main" val="554747562"/>
       </p:ext>
     </p:extLst>
   </p:cSld>
@@ -1408,9 +1198,9 @@
           <a:bodyPr/>
           <a:lstStyle/>
           <a:p>
-            <a:fld id="{FA1FA499-97B9-4195-8A23-5150A0AFC481}" type="slidenum">
-              <a:rPr lang="en-US"/>
-              <a:t>42</a:t>
+            <a:fld id="{6BD16A6E-B664-4EC5-B3B1-02B15797974C}" type="slidenum">
+              <a:rPr lang="en-US" smtClean="0"/>
+              <a:t>15</a:t>
             </a:fld>
             <a:endParaRPr lang="en-US"/>
           </a:p>
@@ -1419,7 +1209,7 @@
     </p:spTree>
     <p:extLst>
       <p:ext uri="{BB962C8B-B14F-4D97-AF65-F5344CB8AC3E}">
-        <p14:creationId xmlns:p14="http://schemas.microsoft.com/office/powerpoint/2010/main" val="4124611774"/>
+        <p14:creationId xmlns:p14="http://schemas.microsoft.com/office/powerpoint/2010/main" val="3233857352"/>
       </p:ext>
     </p:extLst>
   </p:cSld>
@@ -1473,15 +1263,7 @@
           <a:bodyPr/>
           <a:lstStyle/>
           <a:p>
-            <a:r>
-              <a:rPr lang="en-US" dirty="0"/>
-              <a:t>Giving </a:t>
-            </a:r>
-            <a:r>
-              <a:rPr lang="en-US" baseline="0" dirty="0"/>
-              <a:t>example output often clears up confusion about the problem statement!</a:t>
-            </a:r>
-            <a:endParaRPr lang="en-US" dirty="0"/>
+            <a:endParaRPr lang="en-US"/>
           </a:p>
         </p:txBody>
       </p:sp>
@@ -1500,9 +1282,9 @@
           <a:bodyPr/>
           <a:lstStyle/>
           <a:p>
-            <a:fld id="{FA1FA499-97B9-4195-8A23-5150A0AFC481}" type="slidenum">
+            <a:fld id="{6BD16A6E-B664-4EC5-B3B1-02B15797974C}" type="slidenum">
               <a:rPr lang="en-US" smtClean="0"/>
-              <a:t>43</a:t>
+              <a:t>16</a:t>
             </a:fld>
             <a:endParaRPr lang="en-US"/>
           </a:p>
@@ -1511,7 +1293,7 @@
     </p:spTree>
     <p:extLst>
       <p:ext uri="{BB962C8B-B14F-4D97-AF65-F5344CB8AC3E}">
-        <p14:creationId xmlns:p14="http://schemas.microsoft.com/office/powerpoint/2010/main" val="2091058806"/>
+        <p14:creationId xmlns:p14="http://schemas.microsoft.com/office/powerpoint/2010/main" val="2016230693"/>
       </p:ext>
     </p:extLst>
   </p:cSld>
@@ -1565,7 +1347,23 @@
           <a:bodyPr/>
           <a:lstStyle/>
           <a:p>
-            <a:endParaRPr lang="en-US"/>
+            <a:r>
+              <a:rPr lang="en-US" dirty="0"/>
+              <a:t>Note that naming</a:t>
+            </a:r>
+            <a:r>
+              <a:rPr lang="en-US" baseline="0" dirty="0"/>
+              <a:t> conventions are language specific (snake vs camel, </a:t>
+            </a:r>
+            <a:r>
+              <a:rPr lang="en-US" baseline="0" dirty="0" err="1"/>
+              <a:t>etc</a:t>
+            </a:r>
+            <a:r>
+              <a:rPr lang="en-US" baseline="0" dirty="0"/>
+              <a:t>). </a:t>
+            </a:r>
+            <a:endParaRPr lang="en-US" dirty="0"/>
           </a:p>
         </p:txBody>
       </p:sp>
@@ -1584,9 +1382,9 @@
           <a:bodyPr/>
           <a:lstStyle/>
           <a:p>
-            <a:fld id="{FA1FA499-97B9-4195-8A23-5150A0AFC481}" type="slidenum">
-              <a:rPr lang="en-US"/>
-              <a:t>45</a:t>
+            <a:fld id="{3207149A-781B-654B-B47A-BFD23107C6F4}" type="slidenum">
+              <a:rPr lang="en-US" smtClean="0"/>
+              <a:t>17</a:t>
             </a:fld>
             <a:endParaRPr lang="en-US"/>
           </a:p>
@@ -1595,7 +1393,7 @@
     </p:spTree>
     <p:extLst>
       <p:ext uri="{BB962C8B-B14F-4D97-AF65-F5344CB8AC3E}">
-        <p14:creationId xmlns:p14="http://schemas.microsoft.com/office/powerpoint/2010/main" val="155933889"/>
+        <p14:creationId xmlns:p14="http://schemas.microsoft.com/office/powerpoint/2010/main" val="1218451884"/>
       </p:ext>
     </p:extLst>
   </p:cSld>
@@ -1649,22 +1447,7 @@
           <a:bodyPr/>
           <a:lstStyle/>
           <a:p>
-            <a:r>
-              <a:rPr lang="en-US" dirty="0"/>
-              <a:t>The first example will print 1 forever since </a:t>
-            </a:r>
-            <a:r>
-              <a:rPr lang="en-US" dirty="0" err="1"/>
-              <a:t>i</a:t>
-            </a:r>
-            <a:r>
-              <a:rPr lang="en-US" baseline="0" dirty="0"/>
-              <a:t> is not changing (being incremented) within the loop</a:t>
-            </a:r>
-            <a:r>
-              <a:rPr lang="en-US" dirty="0"/>
-              <a:t>. The second example won’t print anything at all. </a:t>
-            </a:r>
+            <a:endParaRPr lang="en-US"/>
           </a:p>
         </p:txBody>
       </p:sp>
@@ -1683,9 +1466,9 @@
           <a:bodyPr/>
           <a:lstStyle/>
           <a:p>
-            <a:fld id="{FA1FA499-97B9-4195-8A23-5150A0AFC481}" type="slidenum">
+            <a:fld id="{3207149A-781B-654B-B47A-BFD23107C6F4}" type="slidenum">
               <a:rPr lang="en-US" smtClean="0"/>
-              <a:t>46</a:t>
+              <a:t>18</a:t>
             </a:fld>
             <a:endParaRPr lang="en-US"/>
           </a:p>
@@ -1694,7 +1477,7 @@
     </p:spTree>
     <p:extLst>
       <p:ext uri="{BB962C8B-B14F-4D97-AF65-F5344CB8AC3E}">
-        <p14:creationId xmlns:p14="http://schemas.microsoft.com/office/powerpoint/2010/main" val="1238412044"/>
+        <p14:creationId xmlns:p14="http://schemas.microsoft.com/office/powerpoint/2010/main" val="4206482374"/>
       </p:ext>
     </p:extLst>
   </p:cSld>
@@ -1748,13 +1531,7 @@
           <a:bodyPr/>
           <a:lstStyle/>
           <a:p>
-            <a:r>
-              <a:rPr lang="en-US" dirty="0"/>
-              <a:t>Spend a few minutes to help participants feel comfortable with the blocks within turtle. Blocks such as, shape, move, turn, pen, and fill.</a:t>
-            </a:r>
-            <a:endParaRPr lang="en-US" dirty="0">
-              <a:latin typeface="Calibri"/>
-            </a:endParaRPr>
+            <a:endParaRPr lang="en-US"/>
           </a:p>
         </p:txBody>
       </p:sp>
@@ -1773,9 +1550,9 @@
           <a:bodyPr/>
           <a:lstStyle/>
           <a:p>
-            <a:fld id="{FA1FA499-97B9-4195-8A23-5150A0AFC481}" type="slidenum">
-              <a:rPr lang="en-US"/>
-              <a:t>47</a:t>
+            <a:fld id="{3207149A-781B-654B-B47A-BFD23107C6F4}" type="slidenum">
+              <a:rPr lang="en-US" smtClean="0"/>
+              <a:t>19</a:t>
             </a:fld>
             <a:endParaRPr lang="en-US"/>
           </a:p>
@@ -1784,7 +1561,7 @@
     </p:spTree>
     <p:extLst>
       <p:ext uri="{BB962C8B-B14F-4D97-AF65-F5344CB8AC3E}">
-        <p14:creationId xmlns:p14="http://schemas.microsoft.com/office/powerpoint/2010/main" val="1546579103"/>
+        <p14:creationId xmlns:p14="http://schemas.microsoft.com/office/powerpoint/2010/main" val="1544767439"/>
       </p:ext>
     </p:extLst>
   </p:cSld>
@@ -1838,23 +1615,7 @@
           <a:bodyPr/>
           <a:lstStyle/>
           <a:p>
-            <a:r>
-              <a:rPr lang="en-US" dirty="0"/>
-              <a:t>Note that naming</a:t>
-            </a:r>
-            <a:r>
-              <a:rPr lang="en-US" baseline="0" dirty="0"/>
-              <a:t> conventions are language specific (snake vs camel, </a:t>
-            </a:r>
-            <a:r>
-              <a:rPr lang="en-US" baseline="0" dirty="0" err="1"/>
-              <a:t>etc</a:t>
-            </a:r>
-            <a:r>
-              <a:rPr lang="en-US" baseline="0" dirty="0"/>
-              <a:t>). </a:t>
-            </a:r>
-            <a:endParaRPr lang="en-US" dirty="0"/>
+            <a:endParaRPr lang="en-US"/>
           </a:p>
         </p:txBody>
       </p:sp>
@@ -1873,9 +1634,9 @@
           <a:bodyPr/>
           <a:lstStyle/>
           <a:p>
-            <a:fld id="{3207149A-781B-654B-B47A-BFD23107C6F4}" type="slidenum">
+            <a:fld id="{6BD16A6E-B664-4EC5-B3B1-02B15797974C}" type="slidenum">
               <a:rPr lang="en-US" smtClean="0"/>
-              <a:t>17</a:t>
+              <a:t>2</a:t>
             </a:fld>
             <a:endParaRPr lang="en-US"/>
           </a:p>
@@ -1884,7 +1645,7 @@
     </p:spTree>
     <p:extLst>
       <p:ext uri="{BB962C8B-B14F-4D97-AF65-F5344CB8AC3E}">
-        <p14:creationId xmlns:p14="http://schemas.microsoft.com/office/powerpoint/2010/main" val="1218451884"/>
+        <p14:creationId xmlns:p14="http://schemas.microsoft.com/office/powerpoint/2010/main" val="3809366506"/>
       </p:ext>
     </p:extLst>
   </p:cSld>
@@ -1938,13 +1699,7 @@
           <a:bodyPr/>
           <a:lstStyle/>
           <a:p>
-            <a:r>
-              <a:rPr lang="en-US" dirty="0"/>
-              <a:t>Have participants verbalize what each block is doing. </a:t>
-            </a:r>
-            <a:endParaRPr lang="en-US" dirty="0">
-              <a:latin typeface="Calibri"/>
-            </a:endParaRPr>
+            <a:endParaRPr lang="en-US"/>
           </a:p>
         </p:txBody>
       </p:sp>
@@ -1963,9 +1718,9 @@
           <a:bodyPr/>
           <a:lstStyle/>
           <a:p>
-            <a:fld id="{FA1FA499-97B9-4195-8A23-5150A0AFC481}" type="slidenum">
-              <a:rPr lang="en-US"/>
-              <a:t>48</a:t>
+            <a:fld id="{3207149A-781B-654B-B47A-BFD23107C6F4}" type="slidenum">
+              <a:rPr lang="en-US" smtClean="0"/>
+              <a:t>20</a:t>
             </a:fld>
             <a:endParaRPr lang="en-US"/>
           </a:p>
@@ -1974,7 +1729,7 @@
     </p:spTree>
     <p:extLst>
       <p:ext uri="{BB962C8B-B14F-4D97-AF65-F5344CB8AC3E}">
-        <p14:creationId xmlns:p14="http://schemas.microsoft.com/office/powerpoint/2010/main" val="2346031523"/>
+        <p14:creationId xmlns:p14="http://schemas.microsoft.com/office/powerpoint/2010/main" val="1446833776"/>
       </p:ext>
     </p:extLst>
   </p:cSld>
@@ -2028,15 +1783,7 @@
           <a:bodyPr/>
           <a:lstStyle/>
           <a:p>
-            <a:r>
-              <a:rPr lang="en-US" dirty="0" smtClean="0"/>
-              <a:t>Arrays are</a:t>
-            </a:r>
-            <a:r>
-              <a:rPr lang="en-US" baseline="0" dirty="0" smtClean="0"/>
-              <a:t> only one data type. Lists in python can have any datatype in the same list. </a:t>
-            </a:r>
-            <a:endParaRPr lang="en-US" dirty="0"/>
+            <a:endParaRPr lang="en-US"/>
           </a:p>
         </p:txBody>
       </p:sp>
@@ -2055,9 +1802,9 @@
           <a:bodyPr/>
           <a:lstStyle/>
           <a:p>
-            <a:fld id="{29E321EA-946C-4998-A5A3-27A18892B3AC}" type="slidenum">
+            <a:fld id="{6BD16A6E-B664-4EC5-B3B1-02B15797974C}" type="slidenum">
               <a:rPr lang="en-US" smtClean="0"/>
-              <a:t>49</a:t>
+              <a:t>21</a:t>
             </a:fld>
             <a:endParaRPr lang="en-US"/>
           </a:p>
@@ -2066,7 +1813,7 @@
     </p:spTree>
     <p:extLst>
       <p:ext uri="{BB962C8B-B14F-4D97-AF65-F5344CB8AC3E}">
-        <p14:creationId xmlns:p14="http://schemas.microsoft.com/office/powerpoint/2010/main" val="1549346690"/>
+        <p14:creationId xmlns:p14="http://schemas.microsoft.com/office/powerpoint/2010/main" val="2672962816"/>
       </p:ext>
     </p:extLst>
   </p:cSld>
@@ -2120,15 +1867,7 @@
           <a:bodyPr/>
           <a:lstStyle/>
           <a:p>
-            <a:r>
-              <a:rPr lang="en-US" dirty="0"/>
-              <a:t>If</a:t>
-            </a:r>
-            <a:r>
-              <a:rPr lang="en-US" baseline="0" dirty="0"/>
-              <a:t> you want to add more items when using trinket, click on the tool icon and drag additional items within the list. </a:t>
-            </a:r>
-            <a:endParaRPr lang="en-US" dirty="0"/>
+            <a:endParaRPr lang="en-US"/>
           </a:p>
         </p:txBody>
       </p:sp>
@@ -2147,9 +1886,9 @@
           <a:bodyPr/>
           <a:lstStyle/>
           <a:p>
-            <a:fld id="{29E321EA-946C-4998-A5A3-27A18892B3AC}" type="slidenum">
+            <a:fld id="{6BD16A6E-B664-4EC5-B3B1-02B15797974C}" type="slidenum">
               <a:rPr lang="en-US" smtClean="0"/>
-              <a:t>50</a:t>
+              <a:t>22</a:t>
             </a:fld>
             <a:endParaRPr lang="en-US"/>
           </a:p>
@@ -2158,7 +1897,7 @@
     </p:spTree>
     <p:extLst>
       <p:ext uri="{BB962C8B-B14F-4D97-AF65-F5344CB8AC3E}">
-        <p14:creationId xmlns:p14="http://schemas.microsoft.com/office/powerpoint/2010/main" val="1461304790"/>
+        <p14:creationId xmlns:p14="http://schemas.microsoft.com/office/powerpoint/2010/main" val="2756275088"/>
       </p:ext>
     </p:extLst>
   </p:cSld>
@@ -2212,15 +1951,7 @@
           <a:bodyPr/>
           <a:lstStyle/>
           <a:p>
-            <a:r>
-              <a:rPr lang="en-US" dirty="0"/>
-              <a:t>Remind participants</a:t>
-            </a:r>
-            <a:r>
-              <a:rPr lang="en-US" baseline="0" dirty="0"/>
-              <a:t> that text based starts the index at 0 and block starts at 1. Also, -1 will give you the last element of the list. </a:t>
-            </a:r>
-            <a:endParaRPr lang="en-US" dirty="0"/>
+            <a:endParaRPr lang="en-US"/>
           </a:p>
         </p:txBody>
       </p:sp>
@@ -2239,9 +1970,9 @@
           <a:bodyPr/>
           <a:lstStyle/>
           <a:p>
-            <a:fld id="{29E321EA-946C-4998-A5A3-27A18892B3AC}" type="slidenum">
+            <a:fld id="{6BD16A6E-B664-4EC5-B3B1-02B15797974C}" type="slidenum">
               <a:rPr lang="en-US" smtClean="0"/>
-              <a:t>52</a:t>
+              <a:t>23</a:t>
             </a:fld>
             <a:endParaRPr lang="en-US"/>
           </a:p>
@@ -2250,7 +1981,7 @@
     </p:spTree>
     <p:extLst>
       <p:ext uri="{BB962C8B-B14F-4D97-AF65-F5344CB8AC3E}">
-        <p14:creationId xmlns:p14="http://schemas.microsoft.com/office/powerpoint/2010/main" val="1380110761"/>
+        <p14:creationId xmlns:p14="http://schemas.microsoft.com/office/powerpoint/2010/main" val="2535125498"/>
       </p:ext>
     </p:extLst>
   </p:cSld>
@@ -2304,11 +2035,7 @@
           <a:bodyPr/>
           <a:lstStyle/>
           <a:p>
-            <a:r>
-              <a:rPr lang="en-US" dirty="0" smtClean="0"/>
-              <a:t>Note that the third position in the list is index 2 in the text-based example since the indexing starts at 0. </a:t>
-            </a:r>
-            <a:endParaRPr lang="en-US" dirty="0"/>
+            <a:endParaRPr lang="en-US"/>
           </a:p>
         </p:txBody>
       </p:sp>
@@ -2327,9 +2054,9 @@
           <a:bodyPr/>
           <a:lstStyle/>
           <a:p>
-            <a:fld id="{29E321EA-946C-4998-A5A3-27A18892B3AC}" type="slidenum">
+            <a:fld id="{6BD16A6E-B664-4EC5-B3B1-02B15797974C}" type="slidenum">
               <a:rPr lang="en-US" smtClean="0"/>
-              <a:t>53</a:t>
+              <a:t>24</a:t>
             </a:fld>
             <a:endParaRPr lang="en-US"/>
           </a:p>
@@ -2338,7 +2065,7 @@
     </p:spTree>
     <p:extLst>
       <p:ext uri="{BB962C8B-B14F-4D97-AF65-F5344CB8AC3E}">
-        <p14:creationId xmlns:p14="http://schemas.microsoft.com/office/powerpoint/2010/main" val="813832692"/>
+        <p14:creationId xmlns:p14="http://schemas.microsoft.com/office/powerpoint/2010/main" val="3892208754"/>
       </p:ext>
     </p:extLst>
   </p:cSld>
@@ -2393,18 +2120,9 @@
           <a:lstStyle/>
           <a:p>
             <a:r>
-              <a:rPr lang="en-US" dirty="0" smtClean="0"/>
-              <a:t>Both case and whitespace matter! ‘Swiss’ or ‘</a:t>
-            </a:r>
-            <a:r>
-              <a:rPr lang="en-US" dirty="0" err="1" smtClean="0"/>
-              <a:t>swiss</a:t>
-            </a:r>
-            <a:r>
-              <a:rPr lang="en-US" dirty="0" smtClean="0"/>
-              <a:t>  ‘ would not work. </a:t>
-            </a:r>
-            <a:endParaRPr lang="en-US" dirty="0"/>
+              <a:rPr lang="en-US" dirty="0"/>
+              <a:t>Not all of the operators listed are directly available in scratch.</a:t>
+            </a:r>
           </a:p>
         </p:txBody>
       </p:sp>
@@ -2423,9 +2141,9 @@
           <a:bodyPr/>
           <a:lstStyle/>
           <a:p>
-            <a:fld id="{29E321EA-946C-4998-A5A3-27A18892B3AC}" type="slidenum">
+            <a:fld id="{24099F10-DAD4-4CE4-B7F1-C20EFD2F831B}" type="slidenum">
               <a:rPr lang="en-US" smtClean="0"/>
-              <a:t>54</a:t>
+              <a:t>25</a:t>
             </a:fld>
             <a:endParaRPr lang="en-US"/>
           </a:p>
@@ -2434,7 +2152,7 @@
     </p:spTree>
     <p:extLst>
       <p:ext uri="{BB962C8B-B14F-4D97-AF65-F5344CB8AC3E}">
-        <p14:creationId xmlns:p14="http://schemas.microsoft.com/office/powerpoint/2010/main" val="235530666"/>
+        <p14:creationId xmlns:p14="http://schemas.microsoft.com/office/powerpoint/2010/main" val="994363822"/>
       </p:ext>
     </p:extLst>
   </p:cSld>
@@ -2488,37 +2206,7 @@
           <a:bodyPr/>
           <a:lstStyle/>
           <a:p>
-            <a:pPr>
-              <a:spcAft>
-                <a:spcPts val="1200"/>
-              </a:spcAft>
-            </a:pPr>
-            <a:r>
-              <a:rPr lang="en-US" sz="2400" dirty="0"/>
-              <a:t>To find the last value in the list, use -1</a:t>
-            </a:r>
-          </a:p>
-          <a:p>
-            <a:pPr lvl="1">
-              <a:spcAft>
-                <a:spcPts val="1200"/>
-              </a:spcAft>
-            </a:pPr>
-            <a:r>
-              <a:rPr lang="en-US" dirty="0"/>
-              <a:t>Print(list name[-1]) will print the last element in the </a:t>
-            </a:r>
-            <a:r>
-              <a:rPr lang="en-US" dirty="0" err="1"/>
-              <a:t>lsit</a:t>
-            </a:r>
-            <a:r>
-              <a:rPr lang="en-US" dirty="0"/>
-              <a:t> </a:t>
-            </a:r>
-          </a:p>
-          <a:p>
-            <a:endParaRPr lang="en-US" dirty="0"/>
+            <a:endParaRPr lang="en-US"/>
           </a:p>
         </p:txBody>
       </p:sp>
@@ -2537,9 +2225,9 @@
           <a:bodyPr/>
           <a:lstStyle/>
           <a:p>
-            <a:fld id="{29E321EA-946C-4998-A5A3-27A18892B3AC}" type="slidenum">
+            <a:fld id="{6BD16A6E-B664-4EC5-B3B1-02B15797974C}" type="slidenum">
               <a:rPr lang="en-US" smtClean="0"/>
-              <a:t>55</a:t>
+              <a:t>26</a:t>
             </a:fld>
             <a:endParaRPr lang="en-US"/>
           </a:p>
@@ -2548,7 +2236,7 @@
     </p:spTree>
     <p:extLst>
       <p:ext uri="{BB962C8B-B14F-4D97-AF65-F5344CB8AC3E}">
-        <p14:creationId xmlns:p14="http://schemas.microsoft.com/office/powerpoint/2010/main" val="1767839341"/>
+        <p14:creationId xmlns:p14="http://schemas.microsoft.com/office/powerpoint/2010/main" val="3763740942"/>
       </p:ext>
     </p:extLst>
   </p:cSld>
@@ -2602,22 +2290,6 @@
           <a:bodyPr/>
           <a:lstStyle/>
           <a:p>
-            <a:r>
-              <a:rPr lang="en-US" dirty="0" smtClean="0"/>
-              <a:t>Extension: modify the program to take two parameters,</a:t>
-            </a:r>
-            <a:r>
-              <a:rPr lang="en-US" baseline="0" dirty="0" smtClean="0"/>
-              <a:t> the first would be number up to and the second would be the desired multiples (2, 3, 4, </a:t>
-            </a:r>
-            <a:r>
-              <a:rPr lang="en-US" baseline="0" dirty="0" err="1" smtClean="0"/>
-              <a:t>etc</a:t>
-            </a:r>
-            <a:r>
-              <a:rPr lang="en-US" baseline="0" smtClean="0"/>
-              <a:t>). </a:t>
-            </a:r>
             <a:endParaRPr lang="en-US"/>
           </a:p>
         </p:txBody>
@@ -2637,9 +2309,9 @@
           <a:bodyPr/>
           <a:lstStyle/>
           <a:p>
-            <a:fld id="{29E321EA-946C-4998-A5A3-27A18892B3AC}" type="slidenum">
+            <a:fld id="{6BD16A6E-B664-4EC5-B3B1-02B15797974C}" type="slidenum">
               <a:rPr lang="en-US" smtClean="0"/>
-              <a:t>56</a:t>
+              <a:t>27</a:t>
             </a:fld>
             <a:endParaRPr lang="en-US"/>
           </a:p>
@@ -2648,7 +2320,7 @@
     </p:spTree>
     <p:extLst>
       <p:ext uri="{BB962C8B-B14F-4D97-AF65-F5344CB8AC3E}">
-        <p14:creationId xmlns:p14="http://schemas.microsoft.com/office/powerpoint/2010/main" val="1503182216"/>
+        <p14:creationId xmlns:p14="http://schemas.microsoft.com/office/powerpoint/2010/main" val="3439764370"/>
       </p:ext>
     </p:extLst>
   </p:cSld>
@@ -2677,38 +2349,19 @@
       </p:grpSpPr>
       <p:sp>
         <p:nvSpPr>
-          <p:cNvPr id="5121" name="Slide Image Placeholder 1"/>
-          <p:cNvSpPr>
-            <a:spLocks noGrp="1" noRot="1" noChangeAspect="1" noTextEdit="1"/>
+          <p:cNvPr id="2" name="Slide Image Placeholder 1"/>
+          <p:cNvSpPr>
+            <a:spLocks noGrp="1" noRot="1" noChangeAspect="1"/>
           </p:cNvSpPr>
           <p:nvPr>
             <p:ph type="sldImg"/>
           </p:nvPr>
         </p:nvSpPr>
-        <p:spPr bwMode="auto">
-          <a:noFill/>
-          <a:ln>
-            <a:solidFill>
-              <a:srgbClr val="000000"/>
-            </a:solidFill>
-            <a:miter lim="800000"/>
-            <a:headEnd/>
-            <a:tailEnd/>
-          </a:ln>
-          <a:extLst>
-            <a:ext uri="{909E8E84-426E-40DD-AFC4-6F175D3DCCD1}">
-              <a14:hiddenFill xmlns:a14="http://schemas.microsoft.com/office/drawing/2010/main">
-                <a:solidFill>
-                  <a:srgbClr val="FFFFFF"/>
-                </a:solidFill>
-              </a14:hiddenFill>
-            </a:ext>
-          </a:extLst>
-        </p:spPr>
-      </p:sp>
-      <p:sp>
-        <p:nvSpPr>
-          <p:cNvPr id="5122" name="Notes Placeholder 2"/>
+        <p:spPr/>
+      </p:sp>
+      <p:sp>
+        <p:nvSpPr>
+          <p:cNvPr id="3" name="Notes Placeholder 2"/>
           <p:cNvSpPr>
             <a:spLocks noGrp="1"/>
           </p:cNvSpPr>
@@ -2716,205 +2369,132 @@
             <p:ph type="body" idx="1"/>
           </p:nvPr>
         </p:nvSpPr>
-        <p:spPr bwMode="auto">
-          <a:noFill/>
-          <a:extLst>
-            <a:ext uri="{909E8E84-426E-40DD-AFC4-6F175D3DCCD1}">
-              <a14:hiddenFill xmlns:a14="http://schemas.microsoft.com/office/drawing/2010/main">
-                <a:solidFill>
-                  <a:srgbClr val="FFFFFF"/>
-                </a:solidFill>
-              </a14:hiddenFill>
-            </a:ext>
-            <a:ext uri="{91240B29-F687-4F45-9708-019B960494DF}">
-              <a14:hiddenLine xmlns:a14="http://schemas.microsoft.com/office/drawing/2010/main" w="9525">
-                <a:solidFill>
-                  <a:srgbClr val="000000"/>
-                </a:solidFill>
-                <a:miter lim="800000"/>
-                <a:headEnd/>
-                <a:tailEnd/>
-              </a14:hiddenLine>
-            </a:ext>
-          </a:extLst>
-        </p:spPr>
-        <p:txBody>
-          <a:bodyPr wrap="square" numCol="1" anchor="t" anchorCtr="0" compatLnSpc="1">
-            <a:prstTxWarp prst="textNoShape">
-              <a:avLst/>
-            </a:prstTxWarp>
-          </a:bodyPr>
-          <a:lstStyle/>
-          <a:p>
-            <a:pPr eaLnBrk="1" hangingPunct="1">
-              <a:spcBef>
-                <a:spcPct val="0"/>
-              </a:spcBef>
-            </a:pPr>
-            <a:r>
-              <a:rPr lang="en-US" altLang="en-US">
-                <a:ea typeface="ＭＳ Ｐゴシック" panose="020B0600070205080204" pitchFamily="34" charset="-128"/>
-              </a:rPr>
-              <a:t>Each trainer will introduce themselves. Name, CS connections/background, and any k-12 experience/outreach </a:t>
-            </a:r>
-          </a:p>
-        </p:txBody>
-      </p:sp>
-      <p:sp>
-        <p:nvSpPr>
-          <p:cNvPr id="5123" name="Slide Number Placeholder 3"/>
-          <p:cNvSpPr>
-            <a:spLocks noGrp="1"/>
-          </p:cNvSpPr>
-          <p:nvPr>
-            <p:ph type="sldNum" sz="quarter" idx="5"/>
-          </p:nvPr>
-        </p:nvSpPr>
-        <p:spPr bwMode="auto">
-          <a:noFill/>
-          <a:extLst>
-            <a:ext uri="{909E8E84-426E-40DD-AFC4-6F175D3DCCD1}">
-              <a14:hiddenFill xmlns:a14="http://schemas.microsoft.com/office/drawing/2010/main">
-                <a:solidFill>
-                  <a:srgbClr val="FFFFFF"/>
-                </a:solidFill>
-              </a14:hiddenFill>
-            </a:ext>
-            <a:ext uri="{91240B29-F687-4F45-9708-019B960494DF}">
-              <a14:hiddenLine xmlns:a14="http://schemas.microsoft.com/office/drawing/2010/main" w="9525">
-                <a:solidFill>
-                  <a:srgbClr val="000000"/>
-                </a:solidFill>
-                <a:miter lim="800000"/>
-                <a:headEnd/>
-                <a:tailEnd/>
-              </a14:hiddenLine>
-            </a:ext>
-          </a:extLst>
-        </p:spPr>
+        <p:spPr/>
         <p:txBody>
           <a:bodyPr/>
-          <a:lstStyle>
-            <a:lvl1pPr>
-              <a:defRPr sz="2400">
-                <a:solidFill>
-                  <a:schemeClr val="tx1"/>
-                </a:solidFill>
-                <a:latin typeface="Arial" panose="020B0604020202020204" pitchFamily="34" charset="0"/>
-                <a:ea typeface="ＭＳ Ｐゴシック" panose="020B0600070205080204" pitchFamily="34" charset="-128"/>
-              </a:defRPr>
-            </a:lvl1pPr>
-            <a:lvl2pPr marL="742950" indent="-285750">
-              <a:defRPr sz="2400">
-                <a:solidFill>
-                  <a:schemeClr val="tx1"/>
-                </a:solidFill>
-                <a:latin typeface="Arial" panose="020B0604020202020204" pitchFamily="34" charset="0"/>
-                <a:ea typeface="ＭＳ Ｐゴシック" panose="020B0600070205080204" pitchFamily="34" charset="-128"/>
-              </a:defRPr>
-            </a:lvl2pPr>
-            <a:lvl3pPr marL="1143000" indent="-228600">
-              <a:defRPr sz="2400">
-                <a:solidFill>
-                  <a:schemeClr val="tx1"/>
-                </a:solidFill>
-                <a:latin typeface="Arial" panose="020B0604020202020204" pitchFamily="34" charset="0"/>
-                <a:ea typeface="ＭＳ Ｐゴシック" panose="020B0600070205080204" pitchFamily="34" charset="-128"/>
-              </a:defRPr>
-            </a:lvl3pPr>
-            <a:lvl4pPr marL="1600200" indent="-228600">
-              <a:defRPr sz="2400">
-                <a:solidFill>
-                  <a:schemeClr val="tx1"/>
-                </a:solidFill>
-                <a:latin typeface="Arial" panose="020B0604020202020204" pitchFamily="34" charset="0"/>
-                <a:ea typeface="ＭＳ Ｐゴシック" panose="020B0600070205080204" pitchFamily="34" charset="-128"/>
-              </a:defRPr>
-            </a:lvl4pPr>
-            <a:lvl5pPr marL="2057400" indent="-228600">
-              <a:defRPr sz="2400">
-                <a:solidFill>
-                  <a:schemeClr val="tx1"/>
-                </a:solidFill>
-                <a:latin typeface="Arial" panose="020B0604020202020204" pitchFamily="34" charset="0"/>
-                <a:ea typeface="ＭＳ Ｐゴシック" panose="020B0600070205080204" pitchFamily="34" charset="-128"/>
-              </a:defRPr>
-            </a:lvl5pPr>
-            <a:lvl6pPr marL="2514600" indent="-228600" eaLnBrk="0" fontAlgn="base" hangingPunct="0">
-              <a:spcBef>
-                <a:spcPct val="0"/>
-              </a:spcBef>
-              <a:spcAft>
-                <a:spcPct val="0"/>
-              </a:spcAft>
-              <a:defRPr sz="2400">
-                <a:solidFill>
-                  <a:schemeClr val="tx1"/>
-                </a:solidFill>
-                <a:latin typeface="Arial" panose="020B0604020202020204" pitchFamily="34" charset="0"/>
-                <a:ea typeface="ＭＳ Ｐゴシック" panose="020B0600070205080204" pitchFamily="34" charset="-128"/>
-              </a:defRPr>
-            </a:lvl6pPr>
-            <a:lvl7pPr marL="2971800" indent="-228600" eaLnBrk="0" fontAlgn="base" hangingPunct="0">
-              <a:spcBef>
-                <a:spcPct val="0"/>
-              </a:spcBef>
-              <a:spcAft>
-                <a:spcPct val="0"/>
-              </a:spcAft>
-              <a:defRPr sz="2400">
-                <a:solidFill>
-                  <a:schemeClr val="tx1"/>
-                </a:solidFill>
-                <a:latin typeface="Arial" panose="020B0604020202020204" pitchFamily="34" charset="0"/>
-                <a:ea typeface="ＭＳ Ｐゴシック" panose="020B0600070205080204" pitchFamily="34" charset="-128"/>
-              </a:defRPr>
-            </a:lvl7pPr>
-            <a:lvl8pPr marL="3429000" indent="-228600" eaLnBrk="0" fontAlgn="base" hangingPunct="0">
-              <a:spcBef>
-                <a:spcPct val="0"/>
-              </a:spcBef>
-              <a:spcAft>
-                <a:spcPct val="0"/>
-              </a:spcAft>
-              <a:defRPr sz="2400">
-                <a:solidFill>
-                  <a:schemeClr val="tx1"/>
-                </a:solidFill>
-                <a:latin typeface="Arial" panose="020B0604020202020204" pitchFamily="34" charset="0"/>
-                <a:ea typeface="ＭＳ Ｐゴシック" panose="020B0600070205080204" pitchFamily="34" charset="-128"/>
-              </a:defRPr>
-            </a:lvl8pPr>
-            <a:lvl9pPr marL="3886200" indent="-228600" eaLnBrk="0" fontAlgn="base" hangingPunct="0">
-              <a:spcBef>
-                <a:spcPct val="0"/>
-              </a:spcBef>
-              <a:spcAft>
-                <a:spcPct val="0"/>
-              </a:spcAft>
-              <a:defRPr sz="2400">
-                <a:solidFill>
-                  <a:schemeClr val="tx1"/>
-                </a:solidFill>
-                <a:latin typeface="Arial" panose="020B0604020202020204" pitchFamily="34" charset="0"/>
-                <a:ea typeface="ＭＳ Ｐゴシック" panose="020B0600070205080204" pitchFamily="34" charset="-128"/>
-              </a:defRPr>
-            </a:lvl9pPr>
-          </a:lstStyle>
-          <a:p>
-            <a:fld id="{7FEB73E7-410A-4690-BE8C-9DAF26908CC7}" type="slidenum">
-              <a:rPr lang="en-US" altLang="en-US" sz="1200" smtClean="0"/>
-              <a:pPr/>
-              <a:t>57</a:t>
+          <a:lstStyle/>
+          <a:p>
+            <a:r>
+              <a:rPr lang="en-US" dirty="0"/>
+              <a:t>Image from: http://www.clipartbest.com/clipart-RcAKk57cL</a:t>
+            </a:r>
+          </a:p>
+        </p:txBody>
+      </p:sp>
+      <p:sp>
+        <p:nvSpPr>
+          <p:cNvPr id="4" name="Slide Number Placeholder 3"/>
+          <p:cNvSpPr>
+            <a:spLocks noGrp="1"/>
+          </p:cNvSpPr>
+          <p:nvPr>
+            <p:ph type="sldNum" sz="quarter" idx="10"/>
+          </p:nvPr>
+        </p:nvSpPr>
+        <p:spPr/>
+        <p:txBody>
+          <a:bodyPr/>
+          <a:lstStyle/>
+          <a:p>
+            <a:fld id="{24099F10-DAD4-4CE4-B7F1-C20EFD2F831B}" type="slidenum">
+              <a:rPr lang="en-US" smtClean="0"/>
+              <a:t>28</a:t>
             </a:fld>
-            <a:endParaRPr lang="en-US" altLang="en-US" sz="1200"/>
+            <a:endParaRPr lang="en-US"/>
           </a:p>
         </p:txBody>
       </p:sp>
     </p:spTree>
     <p:extLst>
       <p:ext uri="{BB962C8B-B14F-4D97-AF65-F5344CB8AC3E}">
-        <p14:creationId xmlns:p14="http://schemas.microsoft.com/office/powerpoint/2010/main" val="1379080066"/>
+        <p14:creationId xmlns:p14="http://schemas.microsoft.com/office/powerpoint/2010/main" val="2152791924"/>
+      </p:ext>
+    </p:extLst>
+  </p:cSld>
+  <p:clrMapOvr>
+    <a:masterClrMapping/>
+  </p:clrMapOvr>
+</p:notes>
+</file>
+
+<file path=ppt/notesSlides/notesSlide29.xml><?xml version="1.0" encoding="utf-8"?>
+<p:notes xmlns:a="http://schemas.openxmlformats.org/drawingml/2006/main" xmlns:r="http://schemas.openxmlformats.org/officeDocument/2006/relationships" xmlns:p="http://schemas.openxmlformats.org/presentationml/2006/main">
+  <p:cSld>
+    <p:spTree>
+      <p:nvGrpSpPr>
+        <p:cNvPr id="1" name=""/>
+        <p:cNvGrpSpPr/>
+        <p:nvPr/>
+      </p:nvGrpSpPr>
+      <p:grpSpPr>
+        <a:xfrm>
+          <a:off x="0" y="0"/>
+          <a:ext cx="0" cy="0"/>
+          <a:chOff x="0" y="0"/>
+          <a:chExt cx="0" cy="0"/>
+        </a:xfrm>
+      </p:grpSpPr>
+      <p:sp>
+        <p:nvSpPr>
+          <p:cNvPr id="2" name="Slide Image Placeholder 1"/>
+          <p:cNvSpPr>
+            <a:spLocks noGrp="1" noRot="1" noChangeAspect="1"/>
+          </p:cNvSpPr>
+          <p:nvPr>
+            <p:ph type="sldImg"/>
+          </p:nvPr>
+        </p:nvSpPr>
+        <p:spPr/>
+      </p:sp>
+      <p:sp>
+        <p:nvSpPr>
+          <p:cNvPr id="3" name="Notes Placeholder 2"/>
+          <p:cNvSpPr>
+            <a:spLocks noGrp="1"/>
+          </p:cNvSpPr>
+          <p:nvPr>
+            <p:ph type="body" idx="1"/>
+          </p:nvPr>
+        </p:nvSpPr>
+        <p:spPr/>
+        <p:txBody>
+          <a:bodyPr/>
+          <a:lstStyle/>
+          <a:p>
+            <a:r>
+              <a:rPr lang="en-US" dirty="0"/>
+              <a:t>Image from: http://www.clipartbest.com/clipart-4T9LKEBXc</a:t>
+            </a:r>
+          </a:p>
+        </p:txBody>
+      </p:sp>
+      <p:sp>
+        <p:nvSpPr>
+          <p:cNvPr id="4" name="Slide Number Placeholder 3"/>
+          <p:cNvSpPr>
+            <a:spLocks noGrp="1"/>
+          </p:cNvSpPr>
+          <p:nvPr>
+            <p:ph type="sldNum" sz="quarter" idx="10"/>
+          </p:nvPr>
+        </p:nvSpPr>
+        <p:spPr/>
+        <p:txBody>
+          <a:bodyPr/>
+          <a:lstStyle/>
+          <a:p>
+            <a:fld id="{24099F10-DAD4-4CE4-B7F1-C20EFD2F831B}" type="slidenum">
+              <a:rPr lang="en-US" smtClean="0"/>
+              <a:t>29</a:t>
+            </a:fld>
+            <a:endParaRPr lang="en-US"/>
+          </a:p>
+        </p:txBody>
+      </p:sp>
+    </p:spTree>
+    <p:extLst>
+      <p:ext uri="{BB962C8B-B14F-4D97-AF65-F5344CB8AC3E}">
+        <p14:creationId xmlns:p14="http://schemas.microsoft.com/office/powerpoint/2010/main" val="3980776865"/>
       </p:ext>
     </p:extLst>
   </p:cSld>
@@ -2987,9 +2567,9 @@
           <a:bodyPr/>
           <a:lstStyle/>
           <a:p>
-            <a:fld id="{3207149A-781B-654B-B47A-BFD23107C6F4}" type="slidenum">
+            <a:fld id="{6BD16A6E-B664-4EC5-B3B1-02B15797974C}" type="slidenum">
               <a:rPr lang="en-US" smtClean="0"/>
-              <a:t>18</a:t>
+              <a:t>3</a:t>
             </a:fld>
             <a:endParaRPr lang="en-US"/>
           </a:p>
@@ -2998,7 +2578,1048 @@
     </p:spTree>
     <p:extLst>
       <p:ext uri="{BB962C8B-B14F-4D97-AF65-F5344CB8AC3E}">
-        <p14:creationId xmlns:p14="http://schemas.microsoft.com/office/powerpoint/2010/main" val="4206482374"/>
+        <p14:creationId xmlns:p14="http://schemas.microsoft.com/office/powerpoint/2010/main" val="799291280"/>
+      </p:ext>
+    </p:extLst>
+  </p:cSld>
+  <p:clrMapOvr>
+    <a:masterClrMapping/>
+  </p:clrMapOvr>
+</p:notes>
+</file>
+
+<file path=ppt/notesSlides/notesSlide30.xml><?xml version="1.0" encoding="utf-8"?>
+<p:notes xmlns:a="http://schemas.openxmlformats.org/drawingml/2006/main" xmlns:r="http://schemas.openxmlformats.org/officeDocument/2006/relationships" xmlns:p="http://schemas.openxmlformats.org/presentationml/2006/main">
+  <p:cSld>
+    <p:spTree>
+      <p:nvGrpSpPr>
+        <p:cNvPr id="1" name=""/>
+        <p:cNvGrpSpPr/>
+        <p:nvPr/>
+      </p:nvGrpSpPr>
+      <p:grpSpPr>
+        <a:xfrm>
+          <a:off x="0" y="0"/>
+          <a:ext cx="0" cy="0"/>
+          <a:chOff x="0" y="0"/>
+          <a:chExt cx="0" cy="0"/>
+        </a:xfrm>
+      </p:grpSpPr>
+      <p:sp>
+        <p:nvSpPr>
+          <p:cNvPr id="2" name="Slide Image Placeholder 1"/>
+          <p:cNvSpPr>
+            <a:spLocks noGrp="1" noRot="1" noChangeAspect="1"/>
+          </p:cNvSpPr>
+          <p:nvPr>
+            <p:ph type="sldImg"/>
+          </p:nvPr>
+        </p:nvSpPr>
+        <p:spPr/>
+      </p:sp>
+      <p:sp>
+        <p:nvSpPr>
+          <p:cNvPr id="3" name="Notes Placeholder 2"/>
+          <p:cNvSpPr>
+            <a:spLocks noGrp="1"/>
+          </p:cNvSpPr>
+          <p:nvPr>
+            <p:ph type="body" idx="1"/>
+          </p:nvPr>
+        </p:nvSpPr>
+        <p:spPr/>
+        <p:txBody>
+          <a:bodyPr/>
+          <a:lstStyle/>
+          <a:p>
+            <a:endParaRPr lang="en-US" dirty="0"/>
+          </a:p>
+        </p:txBody>
+      </p:sp>
+      <p:sp>
+        <p:nvSpPr>
+          <p:cNvPr id="4" name="Slide Number Placeholder 3"/>
+          <p:cNvSpPr>
+            <a:spLocks noGrp="1"/>
+          </p:cNvSpPr>
+          <p:nvPr>
+            <p:ph type="sldNum" sz="quarter" idx="10"/>
+          </p:nvPr>
+        </p:nvSpPr>
+        <p:spPr/>
+        <p:txBody>
+          <a:bodyPr/>
+          <a:lstStyle/>
+          <a:p>
+            <a:fld id="{24099F10-DAD4-4CE4-B7F1-C20EFD2F831B}" type="slidenum">
+              <a:rPr lang="en-US" smtClean="0"/>
+              <a:t>30</a:t>
+            </a:fld>
+            <a:endParaRPr lang="en-US"/>
+          </a:p>
+        </p:txBody>
+      </p:sp>
+    </p:spTree>
+    <p:extLst>
+      <p:ext uri="{BB962C8B-B14F-4D97-AF65-F5344CB8AC3E}">
+        <p14:creationId xmlns:p14="http://schemas.microsoft.com/office/powerpoint/2010/main" val="2854202740"/>
+      </p:ext>
+    </p:extLst>
+  </p:cSld>
+  <p:clrMapOvr>
+    <a:masterClrMapping/>
+  </p:clrMapOvr>
+</p:notes>
+</file>
+
+<file path=ppt/notesSlides/notesSlide31.xml><?xml version="1.0" encoding="utf-8"?>
+<p:notes xmlns:a="http://schemas.openxmlformats.org/drawingml/2006/main" xmlns:r="http://schemas.openxmlformats.org/officeDocument/2006/relationships" xmlns:p="http://schemas.openxmlformats.org/presentationml/2006/main">
+  <p:cSld>
+    <p:spTree>
+      <p:nvGrpSpPr>
+        <p:cNvPr id="1" name=""/>
+        <p:cNvGrpSpPr/>
+        <p:nvPr/>
+      </p:nvGrpSpPr>
+      <p:grpSpPr>
+        <a:xfrm>
+          <a:off x="0" y="0"/>
+          <a:ext cx="0" cy="0"/>
+          <a:chOff x="0" y="0"/>
+          <a:chExt cx="0" cy="0"/>
+        </a:xfrm>
+      </p:grpSpPr>
+      <p:sp>
+        <p:nvSpPr>
+          <p:cNvPr id="2" name="Slide Image Placeholder 1"/>
+          <p:cNvSpPr>
+            <a:spLocks noGrp="1" noRot="1" noChangeAspect="1"/>
+          </p:cNvSpPr>
+          <p:nvPr>
+            <p:ph type="sldImg"/>
+          </p:nvPr>
+        </p:nvSpPr>
+        <p:spPr/>
+      </p:sp>
+      <p:sp>
+        <p:nvSpPr>
+          <p:cNvPr id="3" name="Notes Placeholder 2"/>
+          <p:cNvSpPr>
+            <a:spLocks noGrp="1"/>
+          </p:cNvSpPr>
+          <p:nvPr>
+            <p:ph type="body" idx="1"/>
+          </p:nvPr>
+        </p:nvSpPr>
+        <p:spPr/>
+        <p:txBody>
+          <a:bodyPr/>
+          <a:lstStyle/>
+          <a:p>
+            <a:r>
+              <a:rPr lang="en-US" dirty="0" smtClean="0"/>
+              <a:t>Stored in F_to_C.sb</a:t>
+            </a:r>
+            <a:endParaRPr lang="en-US" dirty="0"/>
+          </a:p>
+        </p:txBody>
+      </p:sp>
+      <p:sp>
+        <p:nvSpPr>
+          <p:cNvPr id="4" name="Slide Number Placeholder 3"/>
+          <p:cNvSpPr>
+            <a:spLocks noGrp="1"/>
+          </p:cNvSpPr>
+          <p:nvPr>
+            <p:ph type="sldNum" sz="quarter" idx="10"/>
+          </p:nvPr>
+        </p:nvSpPr>
+        <p:spPr/>
+        <p:txBody>
+          <a:bodyPr/>
+          <a:lstStyle/>
+          <a:p>
+            <a:fld id="{6BD16A6E-B664-4EC5-B3B1-02B15797974C}" type="slidenum">
+              <a:rPr lang="en-US" smtClean="0"/>
+              <a:t>31</a:t>
+            </a:fld>
+            <a:endParaRPr lang="en-US"/>
+          </a:p>
+        </p:txBody>
+      </p:sp>
+    </p:spTree>
+    <p:extLst>
+      <p:ext uri="{BB962C8B-B14F-4D97-AF65-F5344CB8AC3E}">
+        <p14:creationId xmlns:p14="http://schemas.microsoft.com/office/powerpoint/2010/main" val="1805095233"/>
+      </p:ext>
+    </p:extLst>
+  </p:cSld>
+  <p:clrMapOvr>
+    <a:masterClrMapping/>
+  </p:clrMapOvr>
+</p:notes>
+</file>
+
+<file path=ppt/notesSlides/notesSlide32.xml><?xml version="1.0" encoding="utf-8"?>
+<p:notes xmlns:a="http://schemas.openxmlformats.org/drawingml/2006/main" xmlns:r="http://schemas.openxmlformats.org/officeDocument/2006/relationships" xmlns:p="http://schemas.openxmlformats.org/presentationml/2006/main">
+  <p:cSld>
+    <p:spTree>
+      <p:nvGrpSpPr>
+        <p:cNvPr id="1" name=""/>
+        <p:cNvGrpSpPr/>
+        <p:nvPr/>
+      </p:nvGrpSpPr>
+      <p:grpSpPr>
+        <a:xfrm>
+          <a:off x="0" y="0"/>
+          <a:ext cx="0" cy="0"/>
+          <a:chOff x="0" y="0"/>
+          <a:chExt cx="0" cy="0"/>
+        </a:xfrm>
+      </p:grpSpPr>
+      <p:sp>
+        <p:nvSpPr>
+          <p:cNvPr id="5121" name="Slide Image Placeholder 1"/>
+          <p:cNvSpPr>
+            <a:spLocks noGrp="1" noRot="1" noChangeAspect="1" noTextEdit="1"/>
+          </p:cNvSpPr>
+          <p:nvPr>
+            <p:ph type="sldImg"/>
+          </p:nvPr>
+        </p:nvSpPr>
+        <p:spPr bwMode="auto">
+          <a:xfrm>
+            <a:off x="685800" y="1143000"/>
+            <a:ext cx="5486400" cy="3086100"/>
+          </a:xfrm>
+          <a:noFill/>
+          <a:ln>
+            <a:solidFill>
+              <a:srgbClr val="000000"/>
+            </a:solidFill>
+            <a:miter lim="800000"/>
+            <a:headEnd/>
+            <a:tailEnd/>
+          </a:ln>
+          <a:extLst>
+            <a:ext uri="{909E8E84-426E-40DD-AFC4-6F175D3DCCD1}">
+              <a14:hiddenFill xmlns:a14="http://schemas.microsoft.com/office/drawing/2010/main">
+                <a:solidFill>
+                  <a:srgbClr val="FFFFFF"/>
+                </a:solidFill>
+              </a14:hiddenFill>
+            </a:ext>
+          </a:extLst>
+        </p:spPr>
+      </p:sp>
+      <p:sp>
+        <p:nvSpPr>
+          <p:cNvPr id="5122" name="Notes Placeholder 2"/>
+          <p:cNvSpPr>
+            <a:spLocks noGrp="1"/>
+          </p:cNvSpPr>
+          <p:nvPr>
+            <p:ph type="body" idx="1"/>
+          </p:nvPr>
+        </p:nvSpPr>
+        <p:spPr bwMode="auto">
+          <a:noFill/>
+          <a:extLst>
+            <a:ext uri="{909E8E84-426E-40DD-AFC4-6F175D3DCCD1}">
+              <a14:hiddenFill xmlns:a14="http://schemas.microsoft.com/office/drawing/2010/main">
+                <a:solidFill>
+                  <a:srgbClr val="FFFFFF"/>
+                </a:solidFill>
+              </a14:hiddenFill>
+            </a:ext>
+            <a:ext uri="{91240B29-F687-4F45-9708-019B960494DF}">
+              <a14:hiddenLine xmlns:a14="http://schemas.microsoft.com/office/drawing/2010/main" w="9525">
+                <a:solidFill>
+                  <a:srgbClr val="000000"/>
+                </a:solidFill>
+                <a:miter lim="800000"/>
+                <a:headEnd/>
+                <a:tailEnd/>
+              </a14:hiddenLine>
+            </a:ext>
+          </a:extLst>
+        </p:spPr>
+        <p:txBody>
+          <a:bodyPr wrap="square" numCol="1" anchor="t" anchorCtr="0" compatLnSpc="1">
+            <a:prstTxWarp prst="textNoShape">
+              <a:avLst/>
+            </a:prstTxWarp>
+          </a:bodyPr>
+          <a:lstStyle/>
+          <a:p>
+            <a:pPr eaLnBrk="1" hangingPunct="1">
+              <a:spcBef>
+                <a:spcPct val="0"/>
+              </a:spcBef>
+            </a:pPr>
+            <a:r>
+              <a:rPr lang="en-US" altLang="en-US">
+                <a:ea typeface="ＭＳ Ｐゴシック" panose="020B0600070205080204" pitchFamily="34" charset="-128"/>
+              </a:rPr>
+              <a:t>Each trainer will introduce themselves. Name, CS connections/background, and any k-12 experience/outreach </a:t>
+            </a:r>
+          </a:p>
+        </p:txBody>
+      </p:sp>
+      <p:sp>
+        <p:nvSpPr>
+          <p:cNvPr id="5123" name="Slide Number Placeholder 3"/>
+          <p:cNvSpPr>
+            <a:spLocks noGrp="1"/>
+          </p:cNvSpPr>
+          <p:nvPr>
+            <p:ph type="sldNum" sz="quarter" idx="5"/>
+          </p:nvPr>
+        </p:nvSpPr>
+        <p:spPr bwMode="auto">
+          <a:noFill/>
+          <a:extLst>
+            <a:ext uri="{909E8E84-426E-40DD-AFC4-6F175D3DCCD1}">
+              <a14:hiddenFill xmlns:a14="http://schemas.microsoft.com/office/drawing/2010/main">
+                <a:solidFill>
+                  <a:srgbClr val="FFFFFF"/>
+                </a:solidFill>
+              </a14:hiddenFill>
+            </a:ext>
+            <a:ext uri="{91240B29-F687-4F45-9708-019B960494DF}">
+              <a14:hiddenLine xmlns:a14="http://schemas.microsoft.com/office/drawing/2010/main" w="9525">
+                <a:solidFill>
+                  <a:srgbClr val="000000"/>
+                </a:solidFill>
+                <a:miter lim="800000"/>
+                <a:headEnd/>
+                <a:tailEnd/>
+              </a14:hiddenLine>
+            </a:ext>
+          </a:extLst>
+        </p:spPr>
+        <p:txBody>
+          <a:bodyPr/>
+          <a:lstStyle>
+            <a:lvl1pPr>
+              <a:defRPr sz="2400">
+                <a:solidFill>
+                  <a:schemeClr val="tx1"/>
+                </a:solidFill>
+                <a:latin typeface="Arial" panose="020B0604020202020204" pitchFamily="34" charset="0"/>
+                <a:ea typeface="ＭＳ Ｐゴシック" panose="020B0600070205080204" pitchFamily="34" charset="-128"/>
+              </a:defRPr>
+            </a:lvl1pPr>
+            <a:lvl2pPr marL="742950" indent="-285750">
+              <a:defRPr sz="2400">
+                <a:solidFill>
+                  <a:schemeClr val="tx1"/>
+                </a:solidFill>
+                <a:latin typeface="Arial" panose="020B0604020202020204" pitchFamily="34" charset="0"/>
+                <a:ea typeface="ＭＳ Ｐゴシック" panose="020B0600070205080204" pitchFamily="34" charset="-128"/>
+              </a:defRPr>
+            </a:lvl2pPr>
+            <a:lvl3pPr marL="1143000" indent="-228600">
+              <a:defRPr sz="2400">
+                <a:solidFill>
+                  <a:schemeClr val="tx1"/>
+                </a:solidFill>
+                <a:latin typeface="Arial" panose="020B0604020202020204" pitchFamily="34" charset="0"/>
+                <a:ea typeface="ＭＳ Ｐゴシック" panose="020B0600070205080204" pitchFamily="34" charset="-128"/>
+              </a:defRPr>
+            </a:lvl3pPr>
+            <a:lvl4pPr marL="1600200" indent="-228600">
+              <a:defRPr sz="2400">
+                <a:solidFill>
+                  <a:schemeClr val="tx1"/>
+                </a:solidFill>
+                <a:latin typeface="Arial" panose="020B0604020202020204" pitchFamily="34" charset="0"/>
+                <a:ea typeface="ＭＳ Ｐゴシック" panose="020B0600070205080204" pitchFamily="34" charset="-128"/>
+              </a:defRPr>
+            </a:lvl4pPr>
+            <a:lvl5pPr marL="2057400" indent="-228600">
+              <a:defRPr sz="2400">
+                <a:solidFill>
+                  <a:schemeClr val="tx1"/>
+                </a:solidFill>
+                <a:latin typeface="Arial" panose="020B0604020202020204" pitchFamily="34" charset="0"/>
+                <a:ea typeface="ＭＳ Ｐゴシック" panose="020B0600070205080204" pitchFamily="34" charset="-128"/>
+              </a:defRPr>
+            </a:lvl5pPr>
+            <a:lvl6pPr marL="2514600" indent="-228600" eaLnBrk="0" fontAlgn="base" hangingPunct="0">
+              <a:spcBef>
+                <a:spcPct val="0"/>
+              </a:spcBef>
+              <a:spcAft>
+                <a:spcPct val="0"/>
+              </a:spcAft>
+              <a:defRPr sz="2400">
+                <a:solidFill>
+                  <a:schemeClr val="tx1"/>
+                </a:solidFill>
+                <a:latin typeface="Arial" panose="020B0604020202020204" pitchFamily="34" charset="0"/>
+                <a:ea typeface="ＭＳ Ｐゴシック" panose="020B0600070205080204" pitchFamily="34" charset="-128"/>
+              </a:defRPr>
+            </a:lvl6pPr>
+            <a:lvl7pPr marL="2971800" indent="-228600" eaLnBrk="0" fontAlgn="base" hangingPunct="0">
+              <a:spcBef>
+                <a:spcPct val="0"/>
+              </a:spcBef>
+              <a:spcAft>
+                <a:spcPct val="0"/>
+              </a:spcAft>
+              <a:defRPr sz="2400">
+                <a:solidFill>
+                  <a:schemeClr val="tx1"/>
+                </a:solidFill>
+                <a:latin typeface="Arial" panose="020B0604020202020204" pitchFamily="34" charset="0"/>
+                <a:ea typeface="ＭＳ Ｐゴシック" panose="020B0600070205080204" pitchFamily="34" charset="-128"/>
+              </a:defRPr>
+            </a:lvl7pPr>
+            <a:lvl8pPr marL="3429000" indent="-228600" eaLnBrk="0" fontAlgn="base" hangingPunct="0">
+              <a:spcBef>
+                <a:spcPct val="0"/>
+              </a:spcBef>
+              <a:spcAft>
+                <a:spcPct val="0"/>
+              </a:spcAft>
+              <a:defRPr sz="2400">
+                <a:solidFill>
+                  <a:schemeClr val="tx1"/>
+                </a:solidFill>
+                <a:latin typeface="Arial" panose="020B0604020202020204" pitchFamily="34" charset="0"/>
+                <a:ea typeface="ＭＳ Ｐゴシック" panose="020B0600070205080204" pitchFamily="34" charset="-128"/>
+              </a:defRPr>
+            </a:lvl8pPr>
+            <a:lvl9pPr marL="3886200" indent="-228600" eaLnBrk="0" fontAlgn="base" hangingPunct="0">
+              <a:spcBef>
+                <a:spcPct val="0"/>
+              </a:spcBef>
+              <a:spcAft>
+                <a:spcPct val="0"/>
+              </a:spcAft>
+              <a:defRPr sz="2400">
+                <a:solidFill>
+                  <a:schemeClr val="tx1"/>
+                </a:solidFill>
+                <a:latin typeface="Arial" panose="020B0604020202020204" pitchFamily="34" charset="0"/>
+                <a:ea typeface="ＭＳ Ｐゴシック" panose="020B0600070205080204" pitchFamily="34" charset="-128"/>
+              </a:defRPr>
+            </a:lvl9pPr>
+          </a:lstStyle>
+          <a:p>
+            <a:fld id="{B4190F47-5CEA-403D-B232-96C2420DFDC0}" type="slidenum">
+              <a:rPr lang="en-US" altLang="en-US" sz="1200" smtClean="0"/>
+              <a:pPr/>
+              <a:t>32</a:t>
+            </a:fld>
+            <a:endParaRPr lang="en-US" altLang="en-US" sz="1200"/>
+          </a:p>
+        </p:txBody>
+      </p:sp>
+    </p:spTree>
+    <p:extLst>
+      <p:ext uri="{BB962C8B-B14F-4D97-AF65-F5344CB8AC3E}">
+        <p14:creationId xmlns:p14="http://schemas.microsoft.com/office/powerpoint/2010/main" val="760938176"/>
+      </p:ext>
+    </p:extLst>
+  </p:cSld>
+  <p:clrMapOvr>
+    <a:masterClrMapping/>
+  </p:clrMapOvr>
+</p:notes>
+</file>
+
+<file path=ppt/notesSlides/notesSlide33.xml><?xml version="1.0" encoding="utf-8"?>
+<p:notes xmlns:a="http://schemas.openxmlformats.org/drawingml/2006/main" xmlns:r="http://schemas.openxmlformats.org/officeDocument/2006/relationships" xmlns:p="http://schemas.openxmlformats.org/presentationml/2006/main">
+  <p:cSld>
+    <p:spTree>
+      <p:nvGrpSpPr>
+        <p:cNvPr id="1" name=""/>
+        <p:cNvGrpSpPr/>
+        <p:nvPr/>
+      </p:nvGrpSpPr>
+      <p:grpSpPr>
+        <a:xfrm>
+          <a:off x="0" y="0"/>
+          <a:ext cx="0" cy="0"/>
+          <a:chOff x="0" y="0"/>
+          <a:chExt cx="0" cy="0"/>
+        </a:xfrm>
+      </p:grpSpPr>
+      <p:sp>
+        <p:nvSpPr>
+          <p:cNvPr id="2" name="Slide Image Placeholder 1"/>
+          <p:cNvSpPr>
+            <a:spLocks noGrp="1" noRot="1" noChangeAspect="1"/>
+          </p:cNvSpPr>
+          <p:nvPr>
+            <p:ph type="sldImg"/>
+          </p:nvPr>
+        </p:nvSpPr>
+        <p:spPr/>
+      </p:sp>
+      <p:sp>
+        <p:nvSpPr>
+          <p:cNvPr id="3" name="Notes Placeholder 2"/>
+          <p:cNvSpPr>
+            <a:spLocks noGrp="1"/>
+          </p:cNvSpPr>
+          <p:nvPr>
+            <p:ph type="body" idx="1"/>
+          </p:nvPr>
+        </p:nvSpPr>
+        <p:spPr/>
+        <p:txBody>
+          <a:bodyPr/>
+          <a:lstStyle/>
+          <a:p>
+            <a:r>
+              <a:rPr lang="en-US" dirty="0"/>
+              <a:t>It is important to emphasize that the comparison operator ‘==‘ is different than the assignment operator ‘=‘, as this is a common source of confusion for beginning programmers, and in python getting the </a:t>
+            </a:r>
+            <a:r>
+              <a:rPr lang="en-US"/>
+              <a:t>two flipped will often </a:t>
+            </a:r>
+            <a:r>
+              <a:rPr lang="en-US" dirty="0"/>
+              <a:t>result in strange behavior rather than an error.</a:t>
+            </a:r>
+          </a:p>
+        </p:txBody>
+      </p:sp>
+      <p:sp>
+        <p:nvSpPr>
+          <p:cNvPr id="4" name="Slide Number Placeholder 3"/>
+          <p:cNvSpPr>
+            <a:spLocks noGrp="1"/>
+          </p:cNvSpPr>
+          <p:nvPr>
+            <p:ph type="sldNum" sz="quarter" idx="10"/>
+          </p:nvPr>
+        </p:nvSpPr>
+        <p:spPr/>
+        <p:txBody>
+          <a:bodyPr/>
+          <a:lstStyle/>
+          <a:p>
+            <a:fld id="{98ABD185-C5A1-4B50-BF04-DECE94045A90}" type="slidenum">
+              <a:rPr lang="en-US" smtClean="0"/>
+              <a:t>33</a:t>
+            </a:fld>
+            <a:endParaRPr lang="en-US"/>
+          </a:p>
+        </p:txBody>
+      </p:sp>
+    </p:spTree>
+    <p:extLst>
+      <p:ext uri="{BB962C8B-B14F-4D97-AF65-F5344CB8AC3E}">
+        <p14:creationId xmlns:p14="http://schemas.microsoft.com/office/powerpoint/2010/main" val="266570820"/>
+      </p:ext>
+    </p:extLst>
+  </p:cSld>
+  <p:clrMapOvr>
+    <a:masterClrMapping/>
+  </p:clrMapOvr>
+</p:notes>
+</file>
+
+<file path=ppt/notesSlides/notesSlide34.xml><?xml version="1.0" encoding="utf-8"?>
+<p:notes xmlns:a="http://schemas.openxmlformats.org/drawingml/2006/main" xmlns:r="http://schemas.openxmlformats.org/officeDocument/2006/relationships" xmlns:p="http://schemas.openxmlformats.org/presentationml/2006/main">
+  <p:cSld>
+    <p:spTree>
+      <p:nvGrpSpPr>
+        <p:cNvPr id="1" name=""/>
+        <p:cNvGrpSpPr/>
+        <p:nvPr/>
+      </p:nvGrpSpPr>
+      <p:grpSpPr>
+        <a:xfrm>
+          <a:off x="0" y="0"/>
+          <a:ext cx="0" cy="0"/>
+          <a:chOff x="0" y="0"/>
+          <a:chExt cx="0" cy="0"/>
+        </a:xfrm>
+      </p:grpSpPr>
+      <p:sp>
+        <p:nvSpPr>
+          <p:cNvPr id="2" name="Slide Image Placeholder 1"/>
+          <p:cNvSpPr>
+            <a:spLocks noGrp="1" noRot="1" noChangeAspect="1"/>
+          </p:cNvSpPr>
+          <p:nvPr>
+            <p:ph type="sldImg"/>
+          </p:nvPr>
+        </p:nvSpPr>
+        <p:spPr/>
+      </p:sp>
+      <p:sp>
+        <p:nvSpPr>
+          <p:cNvPr id="3" name="Notes Placeholder 2"/>
+          <p:cNvSpPr>
+            <a:spLocks noGrp="1"/>
+          </p:cNvSpPr>
+          <p:nvPr>
+            <p:ph type="body" idx="1"/>
+          </p:nvPr>
+        </p:nvSpPr>
+        <p:spPr/>
+        <p:txBody>
+          <a:bodyPr/>
+          <a:lstStyle/>
+          <a:p>
+            <a:endParaRPr lang="en-US"/>
+          </a:p>
+        </p:txBody>
+      </p:sp>
+      <p:sp>
+        <p:nvSpPr>
+          <p:cNvPr id="4" name="Slide Number Placeholder 3"/>
+          <p:cNvSpPr>
+            <a:spLocks noGrp="1"/>
+          </p:cNvSpPr>
+          <p:nvPr>
+            <p:ph type="sldNum" sz="quarter" idx="10"/>
+          </p:nvPr>
+        </p:nvSpPr>
+        <p:spPr/>
+        <p:txBody>
+          <a:bodyPr/>
+          <a:lstStyle/>
+          <a:p>
+            <a:fld id="{6BD16A6E-B664-4EC5-B3B1-02B15797974C}" type="slidenum">
+              <a:rPr lang="en-US" smtClean="0"/>
+              <a:t>34</a:t>
+            </a:fld>
+            <a:endParaRPr lang="en-US"/>
+          </a:p>
+        </p:txBody>
+      </p:sp>
+    </p:spTree>
+    <p:extLst>
+      <p:ext uri="{BB962C8B-B14F-4D97-AF65-F5344CB8AC3E}">
+        <p14:creationId xmlns:p14="http://schemas.microsoft.com/office/powerpoint/2010/main" val="2734940376"/>
+      </p:ext>
+    </p:extLst>
+  </p:cSld>
+  <p:clrMapOvr>
+    <a:masterClrMapping/>
+  </p:clrMapOvr>
+</p:notes>
+</file>
+
+<file path=ppt/notesSlides/notesSlide35.xml><?xml version="1.0" encoding="utf-8"?>
+<p:notes xmlns:a="http://schemas.openxmlformats.org/drawingml/2006/main" xmlns:r="http://schemas.openxmlformats.org/officeDocument/2006/relationships" xmlns:p="http://schemas.openxmlformats.org/presentationml/2006/main">
+  <p:cSld>
+    <p:spTree>
+      <p:nvGrpSpPr>
+        <p:cNvPr id="1" name=""/>
+        <p:cNvGrpSpPr/>
+        <p:nvPr/>
+      </p:nvGrpSpPr>
+      <p:grpSpPr>
+        <a:xfrm>
+          <a:off x="0" y="0"/>
+          <a:ext cx="0" cy="0"/>
+          <a:chOff x="0" y="0"/>
+          <a:chExt cx="0" cy="0"/>
+        </a:xfrm>
+      </p:grpSpPr>
+      <p:sp>
+        <p:nvSpPr>
+          <p:cNvPr id="2" name="Slide Image Placeholder 1"/>
+          <p:cNvSpPr>
+            <a:spLocks noGrp="1" noRot="1" noChangeAspect="1"/>
+          </p:cNvSpPr>
+          <p:nvPr>
+            <p:ph type="sldImg"/>
+          </p:nvPr>
+        </p:nvSpPr>
+        <p:spPr/>
+      </p:sp>
+      <p:sp>
+        <p:nvSpPr>
+          <p:cNvPr id="3" name="Notes Placeholder 2"/>
+          <p:cNvSpPr>
+            <a:spLocks noGrp="1"/>
+          </p:cNvSpPr>
+          <p:nvPr>
+            <p:ph type="body" idx="1"/>
+          </p:nvPr>
+        </p:nvSpPr>
+        <p:spPr/>
+        <p:txBody>
+          <a:bodyPr/>
+          <a:lstStyle/>
+          <a:p>
+            <a:endParaRPr lang="en-US"/>
+          </a:p>
+        </p:txBody>
+      </p:sp>
+      <p:sp>
+        <p:nvSpPr>
+          <p:cNvPr id="4" name="Slide Number Placeholder 3"/>
+          <p:cNvSpPr>
+            <a:spLocks noGrp="1"/>
+          </p:cNvSpPr>
+          <p:nvPr>
+            <p:ph type="sldNum" sz="quarter" idx="10"/>
+          </p:nvPr>
+        </p:nvSpPr>
+        <p:spPr/>
+        <p:txBody>
+          <a:bodyPr/>
+          <a:lstStyle/>
+          <a:p>
+            <a:fld id="{6BD16A6E-B664-4EC5-B3B1-02B15797974C}" type="slidenum">
+              <a:rPr lang="en-US" smtClean="0"/>
+              <a:t>35</a:t>
+            </a:fld>
+            <a:endParaRPr lang="en-US"/>
+          </a:p>
+        </p:txBody>
+      </p:sp>
+    </p:spTree>
+    <p:extLst>
+      <p:ext uri="{BB962C8B-B14F-4D97-AF65-F5344CB8AC3E}">
+        <p14:creationId xmlns:p14="http://schemas.microsoft.com/office/powerpoint/2010/main" val="2105822828"/>
+      </p:ext>
+    </p:extLst>
+  </p:cSld>
+  <p:clrMapOvr>
+    <a:masterClrMapping/>
+  </p:clrMapOvr>
+</p:notes>
+</file>
+
+<file path=ppt/notesSlides/notesSlide36.xml><?xml version="1.0" encoding="utf-8"?>
+<p:notes xmlns:a="http://schemas.openxmlformats.org/drawingml/2006/main" xmlns:r="http://schemas.openxmlformats.org/officeDocument/2006/relationships" xmlns:p="http://schemas.openxmlformats.org/presentationml/2006/main">
+  <p:cSld>
+    <p:spTree>
+      <p:nvGrpSpPr>
+        <p:cNvPr id="1" name=""/>
+        <p:cNvGrpSpPr/>
+        <p:nvPr/>
+      </p:nvGrpSpPr>
+      <p:grpSpPr>
+        <a:xfrm>
+          <a:off x="0" y="0"/>
+          <a:ext cx="0" cy="0"/>
+          <a:chOff x="0" y="0"/>
+          <a:chExt cx="0" cy="0"/>
+        </a:xfrm>
+      </p:grpSpPr>
+      <p:sp>
+        <p:nvSpPr>
+          <p:cNvPr id="2" name="Slide Image Placeholder 1"/>
+          <p:cNvSpPr>
+            <a:spLocks noGrp="1" noRot="1" noChangeAspect="1"/>
+          </p:cNvSpPr>
+          <p:nvPr>
+            <p:ph type="sldImg"/>
+          </p:nvPr>
+        </p:nvSpPr>
+        <p:spPr/>
+      </p:sp>
+      <p:sp>
+        <p:nvSpPr>
+          <p:cNvPr id="3" name="Notes Placeholder 2"/>
+          <p:cNvSpPr>
+            <a:spLocks noGrp="1"/>
+          </p:cNvSpPr>
+          <p:nvPr>
+            <p:ph type="body" idx="1"/>
+          </p:nvPr>
+        </p:nvSpPr>
+        <p:spPr/>
+        <p:txBody>
+          <a:bodyPr/>
+          <a:lstStyle/>
+          <a:p>
+            <a:endParaRPr lang="en-US"/>
+          </a:p>
+        </p:txBody>
+      </p:sp>
+      <p:sp>
+        <p:nvSpPr>
+          <p:cNvPr id="4" name="Slide Number Placeholder 3"/>
+          <p:cNvSpPr>
+            <a:spLocks noGrp="1"/>
+          </p:cNvSpPr>
+          <p:nvPr>
+            <p:ph type="sldNum" sz="quarter" idx="10"/>
+          </p:nvPr>
+        </p:nvSpPr>
+        <p:spPr/>
+        <p:txBody>
+          <a:bodyPr/>
+          <a:lstStyle/>
+          <a:p>
+            <a:fld id="{6BD16A6E-B664-4EC5-B3B1-02B15797974C}" type="slidenum">
+              <a:rPr lang="en-US" smtClean="0"/>
+              <a:t>36</a:t>
+            </a:fld>
+            <a:endParaRPr lang="en-US"/>
+          </a:p>
+        </p:txBody>
+      </p:sp>
+    </p:spTree>
+    <p:extLst>
+      <p:ext uri="{BB962C8B-B14F-4D97-AF65-F5344CB8AC3E}">
+        <p14:creationId xmlns:p14="http://schemas.microsoft.com/office/powerpoint/2010/main" val="334481903"/>
+      </p:ext>
+    </p:extLst>
+  </p:cSld>
+  <p:clrMapOvr>
+    <a:masterClrMapping/>
+  </p:clrMapOvr>
+</p:notes>
+</file>
+
+<file path=ppt/notesSlides/notesSlide37.xml><?xml version="1.0" encoding="utf-8"?>
+<p:notes xmlns:a="http://schemas.openxmlformats.org/drawingml/2006/main" xmlns:r="http://schemas.openxmlformats.org/officeDocument/2006/relationships" xmlns:p="http://schemas.openxmlformats.org/presentationml/2006/main">
+  <p:cSld>
+    <p:spTree>
+      <p:nvGrpSpPr>
+        <p:cNvPr id="1" name=""/>
+        <p:cNvGrpSpPr/>
+        <p:nvPr/>
+      </p:nvGrpSpPr>
+      <p:grpSpPr>
+        <a:xfrm>
+          <a:off x="0" y="0"/>
+          <a:ext cx="0" cy="0"/>
+          <a:chOff x="0" y="0"/>
+          <a:chExt cx="0" cy="0"/>
+        </a:xfrm>
+      </p:grpSpPr>
+      <p:sp>
+        <p:nvSpPr>
+          <p:cNvPr id="2" name="Slide Image Placeholder 1"/>
+          <p:cNvSpPr>
+            <a:spLocks noGrp="1" noRot="1" noChangeAspect="1"/>
+          </p:cNvSpPr>
+          <p:nvPr>
+            <p:ph type="sldImg"/>
+          </p:nvPr>
+        </p:nvSpPr>
+        <p:spPr/>
+      </p:sp>
+      <p:sp>
+        <p:nvSpPr>
+          <p:cNvPr id="3" name="Notes Placeholder 2"/>
+          <p:cNvSpPr>
+            <a:spLocks noGrp="1"/>
+          </p:cNvSpPr>
+          <p:nvPr>
+            <p:ph type="body" idx="1"/>
+          </p:nvPr>
+        </p:nvSpPr>
+        <p:spPr/>
+        <p:txBody>
+          <a:bodyPr/>
+          <a:lstStyle/>
+          <a:p>
+            <a:endParaRPr lang="en-US"/>
+          </a:p>
+        </p:txBody>
+      </p:sp>
+      <p:sp>
+        <p:nvSpPr>
+          <p:cNvPr id="4" name="Slide Number Placeholder 3"/>
+          <p:cNvSpPr>
+            <a:spLocks noGrp="1"/>
+          </p:cNvSpPr>
+          <p:nvPr>
+            <p:ph type="sldNum" sz="quarter" idx="10"/>
+          </p:nvPr>
+        </p:nvSpPr>
+        <p:spPr/>
+        <p:txBody>
+          <a:bodyPr/>
+          <a:lstStyle/>
+          <a:p>
+            <a:fld id="{6BD16A6E-B664-4EC5-B3B1-02B15797974C}" type="slidenum">
+              <a:rPr lang="en-US" smtClean="0"/>
+              <a:t>37</a:t>
+            </a:fld>
+            <a:endParaRPr lang="en-US"/>
+          </a:p>
+        </p:txBody>
+      </p:sp>
+    </p:spTree>
+    <p:extLst>
+      <p:ext uri="{BB962C8B-B14F-4D97-AF65-F5344CB8AC3E}">
+        <p14:creationId xmlns:p14="http://schemas.microsoft.com/office/powerpoint/2010/main" val="3266853268"/>
+      </p:ext>
+    </p:extLst>
+  </p:cSld>
+  <p:clrMapOvr>
+    <a:masterClrMapping/>
+  </p:clrMapOvr>
+</p:notes>
+</file>
+
+<file path=ppt/notesSlides/notesSlide38.xml><?xml version="1.0" encoding="utf-8"?>
+<p:notes xmlns:a="http://schemas.openxmlformats.org/drawingml/2006/main" xmlns:r="http://schemas.openxmlformats.org/officeDocument/2006/relationships" xmlns:p="http://schemas.openxmlformats.org/presentationml/2006/main">
+  <p:cSld>
+    <p:spTree>
+      <p:nvGrpSpPr>
+        <p:cNvPr id="1" name=""/>
+        <p:cNvGrpSpPr/>
+        <p:nvPr/>
+      </p:nvGrpSpPr>
+      <p:grpSpPr>
+        <a:xfrm>
+          <a:off x="0" y="0"/>
+          <a:ext cx="0" cy="0"/>
+          <a:chOff x="0" y="0"/>
+          <a:chExt cx="0" cy="0"/>
+        </a:xfrm>
+      </p:grpSpPr>
+      <p:sp>
+        <p:nvSpPr>
+          <p:cNvPr id="2" name="Slide Image Placeholder 1"/>
+          <p:cNvSpPr>
+            <a:spLocks noGrp="1" noRot="1" noChangeAspect="1"/>
+          </p:cNvSpPr>
+          <p:nvPr>
+            <p:ph type="sldImg"/>
+          </p:nvPr>
+        </p:nvSpPr>
+        <p:spPr/>
+      </p:sp>
+      <p:sp>
+        <p:nvSpPr>
+          <p:cNvPr id="3" name="Notes Placeholder 2"/>
+          <p:cNvSpPr>
+            <a:spLocks noGrp="1"/>
+          </p:cNvSpPr>
+          <p:nvPr>
+            <p:ph type="body" idx="1"/>
+          </p:nvPr>
+        </p:nvSpPr>
+        <p:spPr/>
+        <p:txBody>
+          <a:bodyPr/>
+          <a:lstStyle/>
+          <a:p>
+            <a:endParaRPr lang="en-US"/>
+          </a:p>
+        </p:txBody>
+      </p:sp>
+      <p:sp>
+        <p:nvSpPr>
+          <p:cNvPr id="4" name="Slide Number Placeholder 3"/>
+          <p:cNvSpPr>
+            <a:spLocks noGrp="1"/>
+          </p:cNvSpPr>
+          <p:nvPr>
+            <p:ph type="sldNum" sz="quarter" idx="10"/>
+          </p:nvPr>
+        </p:nvSpPr>
+        <p:spPr/>
+        <p:txBody>
+          <a:bodyPr/>
+          <a:lstStyle/>
+          <a:p>
+            <a:fld id="{6BD16A6E-B664-4EC5-B3B1-02B15797974C}" type="slidenum">
+              <a:rPr lang="en-US" smtClean="0"/>
+              <a:t>38</a:t>
+            </a:fld>
+            <a:endParaRPr lang="en-US"/>
+          </a:p>
+        </p:txBody>
+      </p:sp>
+    </p:spTree>
+    <p:extLst>
+      <p:ext uri="{BB962C8B-B14F-4D97-AF65-F5344CB8AC3E}">
+        <p14:creationId xmlns:p14="http://schemas.microsoft.com/office/powerpoint/2010/main" val="2829936296"/>
+      </p:ext>
+    </p:extLst>
+  </p:cSld>
+  <p:clrMapOvr>
+    <a:masterClrMapping/>
+  </p:clrMapOvr>
+</p:notes>
+</file>
+
+<file path=ppt/notesSlides/notesSlide39.xml><?xml version="1.0" encoding="utf-8"?>
+<p:notes xmlns:a="http://schemas.openxmlformats.org/drawingml/2006/main" xmlns:r="http://schemas.openxmlformats.org/officeDocument/2006/relationships" xmlns:p="http://schemas.openxmlformats.org/presentationml/2006/main">
+  <p:cSld>
+    <p:spTree>
+      <p:nvGrpSpPr>
+        <p:cNvPr id="1" name=""/>
+        <p:cNvGrpSpPr/>
+        <p:nvPr/>
+      </p:nvGrpSpPr>
+      <p:grpSpPr>
+        <a:xfrm>
+          <a:off x="0" y="0"/>
+          <a:ext cx="0" cy="0"/>
+          <a:chOff x="0" y="0"/>
+          <a:chExt cx="0" cy="0"/>
+        </a:xfrm>
+      </p:grpSpPr>
+      <p:sp>
+        <p:nvSpPr>
+          <p:cNvPr id="2" name="Slide Image Placeholder 1"/>
+          <p:cNvSpPr>
+            <a:spLocks noGrp="1" noRot="1" noChangeAspect="1"/>
+          </p:cNvSpPr>
+          <p:nvPr>
+            <p:ph type="sldImg"/>
+          </p:nvPr>
+        </p:nvSpPr>
+        <p:spPr/>
+      </p:sp>
+      <p:sp>
+        <p:nvSpPr>
+          <p:cNvPr id="3" name="Notes Placeholder 2"/>
+          <p:cNvSpPr>
+            <a:spLocks noGrp="1"/>
+          </p:cNvSpPr>
+          <p:nvPr>
+            <p:ph type="body" idx="1"/>
+          </p:nvPr>
+        </p:nvSpPr>
+        <p:spPr/>
+        <p:txBody>
+          <a:bodyPr/>
+          <a:lstStyle/>
+          <a:p>
+            <a:endParaRPr lang="en-US"/>
+          </a:p>
+        </p:txBody>
+      </p:sp>
+      <p:sp>
+        <p:nvSpPr>
+          <p:cNvPr id="4" name="Slide Number Placeholder 3"/>
+          <p:cNvSpPr>
+            <a:spLocks noGrp="1"/>
+          </p:cNvSpPr>
+          <p:nvPr>
+            <p:ph type="sldNum" sz="quarter" idx="10"/>
+          </p:nvPr>
+        </p:nvSpPr>
+        <p:spPr/>
+        <p:txBody>
+          <a:bodyPr/>
+          <a:lstStyle/>
+          <a:p>
+            <a:fld id="{FA1FA499-97B9-4195-8A23-5150A0AFC481}" type="slidenum">
+              <a:rPr lang="en-US"/>
+              <a:t>39</a:t>
+            </a:fld>
+            <a:endParaRPr lang="en-US"/>
+          </a:p>
+        </p:txBody>
+      </p:sp>
+    </p:spTree>
+    <p:extLst>
+      <p:ext uri="{BB962C8B-B14F-4D97-AF65-F5344CB8AC3E}">
+        <p14:creationId xmlns:p14="http://schemas.microsoft.com/office/powerpoint/2010/main" val="776145832"/>
       </p:ext>
     </p:extLst>
   </p:cSld>
@@ -3071,9 +3692,9 @@
           <a:bodyPr/>
           <a:lstStyle/>
           <a:p>
-            <a:fld id="{3207149A-781B-654B-B47A-BFD23107C6F4}" type="slidenum">
+            <a:fld id="{6BD16A6E-B664-4EC5-B3B1-02B15797974C}" type="slidenum">
               <a:rPr lang="en-US" smtClean="0"/>
-              <a:t>19</a:t>
+              <a:t>4</a:t>
             </a:fld>
             <a:endParaRPr lang="en-US"/>
           </a:p>
@@ -3082,7 +3703,899 @@
     </p:spTree>
     <p:extLst>
       <p:ext uri="{BB962C8B-B14F-4D97-AF65-F5344CB8AC3E}">
-        <p14:creationId xmlns:p14="http://schemas.microsoft.com/office/powerpoint/2010/main" val="1544767439"/>
+        <p14:creationId xmlns:p14="http://schemas.microsoft.com/office/powerpoint/2010/main" val="1845411584"/>
+      </p:ext>
+    </p:extLst>
+  </p:cSld>
+  <p:clrMapOvr>
+    <a:masterClrMapping/>
+  </p:clrMapOvr>
+</p:notes>
+</file>
+
+<file path=ppt/notesSlides/notesSlide40.xml><?xml version="1.0" encoding="utf-8"?>
+<p:notes xmlns:a="http://schemas.openxmlformats.org/drawingml/2006/main" xmlns:r="http://schemas.openxmlformats.org/officeDocument/2006/relationships" xmlns:p="http://schemas.openxmlformats.org/presentationml/2006/main">
+  <p:cSld>
+    <p:spTree>
+      <p:nvGrpSpPr>
+        <p:cNvPr id="1" name=""/>
+        <p:cNvGrpSpPr/>
+        <p:nvPr/>
+      </p:nvGrpSpPr>
+      <p:grpSpPr>
+        <a:xfrm>
+          <a:off x="0" y="0"/>
+          <a:ext cx="0" cy="0"/>
+          <a:chOff x="0" y="0"/>
+          <a:chExt cx="0" cy="0"/>
+        </a:xfrm>
+      </p:grpSpPr>
+      <p:sp>
+        <p:nvSpPr>
+          <p:cNvPr id="2" name="Slide Image Placeholder 1"/>
+          <p:cNvSpPr>
+            <a:spLocks noGrp="1" noRot="1" noChangeAspect="1"/>
+          </p:cNvSpPr>
+          <p:nvPr>
+            <p:ph type="sldImg"/>
+          </p:nvPr>
+        </p:nvSpPr>
+        <p:spPr/>
+      </p:sp>
+      <p:sp>
+        <p:nvSpPr>
+          <p:cNvPr id="3" name="Notes Placeholder 2"/>
+          <p:cNvSpPr>
+            <a:spLocks noGrp="1"/>
+          </p:cNvSpPr>
+          <p:nvPr>
+            <p:ph type="body" idx="1"/>
+          </p:nvPr>
+        </p:nvSpPr>
+        <p:spPr/>
+        <p:txBody>
+          <a:bodyPr/>
+          <a:lstStyle/>
+          <a:p>
+            <a:r>
+              <a:rPr lang="en-US" dirty="0"/>
+              <a:t>Mention that we do not have to add one each time to increase count. If participants don’t notice, point to the need for</a:t>
+            </a:r>
+          </a:p>
+          <a:p>
+            <a:r>
+              <a:rPr lang="en-US" dirty="0"/>
+              <a:t>colon and to indent when working with text based programming.</a:t>
+            </a:r>
+          </a:p>
+        </p:txBody>
+      </p:sp>
+      <p:sp>
+        <p:nvSpPr>
+          <p:cNvPr id="4" name="Slide Number Placeholder 3"/>
+          <p:cNvSpPr>
+            <a:spLocks noGrp="1"/>
+          </p:cNvSpPr>
+          <p:nvPr>
+            <p:ph type="sldNum" sz="quarter" idx="10"/>
+          </p:nvPr>
+        </p:nvSpPr>
+        <p:spPr/>
+        <p:txBody>
+          <a:bodyPr/>
+          <a:lstStyle/>
+          <a:p>
+            <a:fld id="{FA1FA499-97B9-4195-8A23-5150A0AFC481}" type="slidenum">
+              <a:rPr lang="en-US"/>
+              <a:t>40</a:t>
+            </a:fld>
+            <a:endParaRPr lang="en-US"/>
+          </a:p>
+        </p:txBody>
+      </p:sp>
+    </p:spTree>
+    <p:extLst>
+      <p:ext uri="{BB962C8B-B14F-4D97-AF65-F5344CB8AC3E}">
+        <p14:creationId xmlns:p14="http://schemas.microsoft.com/office/powerpoint/2010/main" val="3463306418"/>
+      </p:ext>
+    </p:extLst>
+  </p:cSld>
+  <p:clrMapOvr>
+    <a:masterClrMapping/>
+  </p:clrMapOvr>
+</p:notes>
+</file>
+
+<file path=ppt/notesSlides/notesSlide41.xml><?xml version="1.0" encoding="utf-8"?>
+<p:notes xmlns:a="http://schemas.openxmlformats.org/drawingml/2006/main" xmlns:r="http://schemas.openxmlformats.org/officeDocument/2006/relationships" xmlns:p="http://schemas.openxmlformats.org/presentationml/2006/main">
+  <p:cSld>
+    <p:spTree>
+      <p:nvGrpSpPr>
+        <p:cNvPr id="1" name=""/>
+        <p:cNvGrpSpPr/>
+        <p:nvPr/>
+      </p:nvGrpSpPr>
+      <p:grpSpPr>
+        <a:xfrm>
+          <a:off x="0" y="0"/>
+          <a:ext cx="0" cy="0"/>
+          <a:chOff x="0" y="0"/>
+          <a:chExt cx="0" cy="0"/>
+        </a:xfrm>
+      </p:grpSpPr>
+      <p:sp>
+        <p:nvSpPr>
+          <p:cNvPr id="2" name="Slide Image Placeholder 1"/>
+          <p:cNvSpPr>
+            <a:spLocks noGrp="1" noRot="1" noChangeAspect="1"/>
+          </p:cNvSpPr>
+          <p:nvPr>
+            <p:ph type="sldImg"/>
+          </p:nvPr>
+        </p:nvSpPr>
+        <p:spPr/>
+      </p:sp>
+      <p:sp>
+        <p:nvSpPr>
+          <p:cNvPr id="3" name="Notes Placeholder 2"/>
+          <p:cNvSpPr>
+            <a:spLocks noGrp="1"/>
+          </p:cNvSpPr>
+          <p:nvPr>
+            <p:ph type="body" idx="1"/>
+          </p:nvPr>
+        </p:nvSpPr>
+        <p:spPr/>
+        <p:txBody>
+          <a:bodyPr/>
+          <a:lstStyle/>
+          <a:p>
+            <a:endParaRPr lang="en-US"/>
+          </a:p>
+        </p:txBody>
+      </p:sp>
+      <p:sp>
+        <p:nvSpPr>
+          <p:cNvPr id="4" name="Slide Number Placeholder 3"/>
+          <p:cNvSpPr>
+            <a:spLocks noGrp="1"/>
+          </p:cNvSpPr>
+          <p:nvPr>
+            <p:ph type="sldNum" sz="quarter" idx="10"/>
+          </p:nvPr>
+        </p:nvSpPr>
+        <p:spPr/>
+        <p:txBody>
+          <a:bodyPr/>
+          <a:lstStyle/>
+          <a:p>
+            <a:fld id="{6BD16A6E-B664-4EC5-B3B1-02B15797974C}" type="slidenum">
+              <a:rPr lang="en-US" smtClean="0"/>
+              <a:t>41</a:t>
+            </a:fld>
+            <a:endParaRPr lang="en-US"/>
+          </a:p>
+        </p:txBody>
+      </p:sp>
+    </p:spTree>
+    <p:extLst>
+      <p:ext uri="{BB962C8B-B14F-4D97-AF65-F5344CB8AC3E}">
+        <p14:creationId xmlns:p14="http://schemas.microsoft.com/office/powerpoint/2010/main" val="2060576539"/>
+      </p:ext>
+    </p:extLst>
+  </p:cSld>
+  <p:clrMapOvr>
+    <a:masterClrMapping/>
+  </p:clrMapOvr>
+</p:notes>
+</file>
+
+<file path=ppt/notesSlides/notesSlide42.xml><?xml version="1.0" encoding="utf-8"?>
+<p:notes xmlns:a="http://schemas.openxmlformats.org/drawingml/2006/main" xmlns:r="http://schemas.openxmlformats.org/officeDocument/2006/relationships" xmlns:p="http://schemas.openxmlformats.org/presentationml/2006/main">
+  <p:cSld>
+    <p:spTree>
+      <p:nvGrpSpPr>
+        <p:cNvPr id="1" name=""/>
+        <p:cNvGrpSpPr/>
+        <p:nvPr/>
+      </p:nvGrpSpPr>
+      <p:grpSpPr>
+        <a:xfrm>
+          <a:off x="0" y="0"/>
+          <a:ext cx="0" cy="0"/>
+          <a:chOff x="0" y="0"/>
+          <a:chExt cx="0" cy="0"/>
+        </a:xfrm>
+      </p:grpSpPr>
+      <p:sp>
+        <p:nvSpPr>
+          <p:cNvPr id="2" name="Slide Image Placeholder 1"/>
+          <p:cNvSpPr>
+            <a:spLocks noGrp="1" noRot="1" noChangeAspect="1"/>
+          </p:cNvSpPr>
+          <p:nvPr>
+            <p:ph type="sldImg"/>
+          </p:nvPr>
+        </p:nvSpPr>
+        <p:spPr/>
+      </p:sp>
+      <p:sp>
+        <p:nvSpPr>
+          <p:cNvPr id="3" name="Notes Placeholder 2"/>
+          <p:cNvSpPr>
+            <a:spLocks noGrp="1"/>
+          </p:cNvSpPr>
+          <p:nvPr>
+            <p:ph type="body" idx="1"/>
+          </p:nvPr>
+        </p:nvSpPr>
+        <p:spPr/>
+        <p:txBody>
+          <a:bodyPr/>
+          <a:lstStyle/>
+          <a:p>
+            <a:endParaRPr lang="en-US"/>
+          </a:p>
+        </p:txBody>
+      </p:sp>
+      <p:sp>
+        <p:nvSpPr>
+          <p:cNvPr id="4" name="Slide Number Placeholder 3"/>
+          <p:cNvSpPr>
+            <a:spLocks noGrp="1"/>
+          </p:cNvSpPr>
+          <p:nvPr>
+            <p:ph type="sldNum" sz="quarter" idx="10"/>
+          </p:nvPr>
+        </p:nvSpPr>
+        <p:spPr/>
+        <p:txBody>
+          <a:bodyPr/>
+          <a:lstStyle/>
+          <a:p>
+            <a:fld id="{FA1FA499-97B9-4195-8A23-5150A0AFC481}" type="slidenum">
+              <a:rPr lang="en-US"/>
+              <a:t>42</a:t>
+            </a:fld>
+            <a:endParaRPr lang="en-US"/>
+          </a:p>
+        </p:txBody>
+      </p:sp>
+    </p:spTree>
+    <p:extLst>
+      <p:ext uri="{BB962C8B-B14F-4D97-AF65-F5344CB8AC3E}">
+        <p14:creationId xmlns:p14="http://schemas.microsoft.com/office/powerpoint/2010/main" val="4124611774"/>
+      </p:ext>
+    </p:extLst>
+  </p:cSld>
+  <p:clrMapOvr>
+    <a:masterClrMapping/>
+  </p:clrMapOvr>
+</p:notes>
+</file>
+
+<file path=ppt/notesSlides/notesSlide43.xml><?xml version="1.0" encoding="utf-8"?>
+<p:notes xmlns:a="http://schemas.openxmlformats.org/drawingml/2006/main" xmlns:r="http://schemas.openxmlformats.org/officeDocument/2006/relationships" xmlns:p="http://schemas.openxmlformats.org/presentationml/2006/main">
+  <p:cSld>
+    <p:spTree>
+      <p:nvGrpSpPr>
+        <p:cNvPr id="1" name=""/>
+        <p:cNvGrpSpPr/>
+        <p:nvPr/>
+      </p:nvGrpSpPr>
+      <p:grpSpPr>
+        <a:xfrm>
+          <a:off x="0" y="0"/>
+          <a:ext cx="0" cy="0"/>
+          <a:chOff x="0" y="0"/>
+          <a:chExt cx="0" cy="0"/>
+        </a:xfrm>
+      </p:grpSpPr>
+      <p:sp>
+        <p:nvSpPr>
+          <p:cNvPr id="2" name="Slide Image Placeholder 1"/>
+          <p:cNvSpPr>
+            <a:spLocks noGrp="1" noRot="1" noChangeAspect="1"/>
+          </p:cNvSpPr>
+          <p:nvPr>
+            <p:ph type="sldImg"/>
+          </p:nvPr>
+        </p:nvSpPr>
+        <p:spPr/>
+      </p:sp>
+      <p:sp>
+        <p:nvSpPr>
+          <p:cNvPr id="3" name="Notes Placeholder 2"/>
+          <p:cNvSpPr>
+            <a:spLocks noGrp="1"/>
+          </p:cNvSpPr>
+          <p:nvPr>
+            <p:ph type="body" idx="1"/>
+          </p:nvPr>
+        </p:nvSpPr>
+        <p:spPr/>
+        <p:txBody>
+          <a:bodyPr/>
+          <a:lstStyle/>
+          <a:p>
+            <a:r>
+              <a:rPr lang="en-US" dirty="0"/>
+              <a:t>Giving </a:t>
+            </a:r>
+            <a:r>
+              <a:rPr lang="en-US" baseline="0" dirty="0"/>
+              <a:t>example output often clears up confusion about the problem statement!</a:t>
+            </a:r>
+            <a:endParaRPr lang="en-US" dirty="0"/>
+          </a:p>
+        </p:txBody>
+      </p:sp>
+      <p:sp>
+        <p:nvSpPr>
+          <p:cNvPr id="4" name="Slide Number Placeholder 3"/>
+          <p:cNvSpPr>
+            <a:spLocks noGrp="1"/>
+          </p:cNvSpPr>
+          <p:nvPr>
+            <p:ph type="sldNum" sz="quarter" idx="10"/>
+          </p:nvPr>
+        </p:nvSpPr>
+        <p:spPr/>
+        <p:txBody>
+          <a:bodyPr/>
+          <a:lstStyle/>
+          <a:p>
+            <a:fld id="{FA1FA499-97B9-4195-8A23-5150A0AFC481}" type="slidenum">
+              <a:rPr lang="en-US" smtClean="0"/>
+              <a:t>43</a:t>
+            </a:fld>
+            <a:endParaRPr lang="en-US"/>
+          </a:p>
+        </p:txBody>
+      </p:sp>
+    </p:spTree>
+    <p:extLst>
+      <p:ext uri="{BB962C8B-B14F-4D97-AF65-F5344CB8AC3E}">
+        <p14:creationId xmlns:p14="http://schemas.microsoft.com/office/powerpoint/2010/main" val="2091058806"/>
+      </p:ext>
+    </p:extLst>
+  </p:cSld>
+  <p:clrMapOvr>
+    <a:masterClrMapping/>
+  </p:clrMapOvr>
+</p:notes>
+</file>
+
+<file path=ppt/notesSlides/notesSlide44.xml><?xml version="1.0" encoding="utf-8"?>
+<p:notes xmlns:a="http://schemas.openxmlformats.org/drawingml/2006/main" xmlns:r="http://schemas.openxmlformats.org/officeDocument/2006/relationships" xmlns:p="http://schemas.openxmlformats.org/presentationml/2006/main">
+  <p:cSld>
+    <p:spTree>
+      <p:nvGrpSpPr>
+        <p:cNvPr id="1" name=""/>
+        <p:cNvGrpSpPr/>
+        <p:nvPr/>
+      </p:nvGrpSpPr>
+      <p:grpSpPr>
+        <a:xfrm>
+          <a:off x="0" y="0"/>
+          <a:ext cx="0" cy="0"/>
+          <a:chOff x="0" y="0"/>
+          <a:chExt cx="0" cy="0"/>
+        </a:xfrm>
+      </p:grpSpPr>
+      <p:sp>
+        <p:nvSpPr>
+          <p:cNvPr id="2" name="Slide Image Placeholder 1"/>
+          <p:cNvSpPr>
+            <a:spLocks noGrp="1" noRot="1" noChangeAspect="1"/>
+          </p:cNvSpPr>
+          <p:nvPr>
+            <p:ph type="sldImg"/>
+          </p:nvPr>
+        </p:nvSpPr>
+        <p:spPr/>
+      </p:sp>
+      <p:sp>
+        <p:nvSpPr>
+          <p:cNvPr id="3" name="Notes Placeholder 2"/>
+          <p:cNvSpPr>
+            <a:spLocks noGrp="1"/>
+          </p:cNvSpPr>
+          <p:nvPr>
+            <p:ph type="body" idx="1"/>
+          </p:nvPr>
+        </p:nvSpPr>
+        <p:spPr/>
+        <p:txBody>
+          <a:bodyPr/>
+          <a:lstStyle/>
+          <a:p>
+            <a:endParaRPr lang="en-US"/>
+          </a:p>
+        </p:txBody>
+      </p:sp>
+      <p:sp>
+        <p:nvSpPr>
+          <p:cNvPr id="4" name="Slide Number Placeholder 3"/>
+          <p:cNvSpPr>
+            <a:spLocks noGrp="1"/>
+          </p:cNvSpPr>
+          <p:nvPr>
+            <p:ph type="sldNum" sz="quarter" idx="10"/>
+          </p:nvPr>
+        </p:nvSpPr>
+        <p:spPr/>
+        <p:txBody>
+          <a:bodyPr/>
+          <a:lstStyle/>
+          <a:p>
+            <a:fld id="{6BD16A6E-B664-4EC5-B3B1-02B15797974C}" type="slidenum">
+              <a:rPr lang="en-US" smtClean="0"/>
+              <a:t>44</a:t>
+            </a:fld>
+            <a:endParaRPr lang="en-US"/>
+          </a:p>
+        </p:txBody>
+      </p:sp>
+    </p:spTree>
+    <p:extLst>
+      <p:ext uri="{BB962C8B-B14F-4D97-AF65-F5344CB8AC3E}">
+        <p14:creationId xmlns:p14="http://schemas.microsoft.com/office/powerpoint/2010/main" val="346330590"/>
+      </p:ext>
+    </p:extLst>
+  </p:cSld>
+  <p:clrMapOvr>
+    <a:masterClrMapping/>
+  </p:clrMapOvr>
+</p:notes>
+</file>
+
+<file path=ppt/notesSlides/notesSlide45.xml><?xml version="1.0" encoding="utf-8"?>
+<p:notes xmlns:a="http://schemas.openxmlformats.org/drawingml/2006/main" xmlns:r="http://schemas.openxmlformats.org/officeDocument/2006/relationships" xmlns:p="http://schemas.openxmlformats.org/presentationml/2006/main">
+  <p:cSld>
+    <p:spTree>
+      <p:nvGrpSpPr>
+        <p:cNvPr id="1" name=""/>
+        <p:cNvGrpSpPr/>
+        <p:nvPr/>
+      </p:nvGrpSpPr>
+      <p:grpSpPr>
+        <a:xfrm>
+          <a:off x="0" y="0"/>
+          <a:ext cx="0" cy="0"/>
+          <a:chOff x="0" y="0"/>
+          <a:chExt cx="0" cy="0"/>
+        </a:xfrm>
+      </p:grpSpPr>
+      <p:sp>
+        <p:nvSpPr>
+          <p:cNvPr id="2" name="Slide Image Placeholder 1"/>
+          <p:cNvSpPr>
+            <a:spLocks noGrp="1" noRot="1" noChangeAspect="1"/>
+          </p:cNvSpPr>
+          <p:nvPr>
+            <p:ph type="sldImg"/>
+          </p:nvPr>
+        </p:nvSpPr>
+        <p:spPr/>
+      </p:sp>
+      <p:sp>
+        <p:nvSpPr>
+          <p:cNvPr id="3" name="Notes Placeholder 2"/>
+          <p:cNvSpPr>
+            <a:spLocks noGrp="1"/>
+          </p:cNvSpPr>
+          <p:nvPr>
+            <p:ph type="body" idx="1"/>
+          </p:nvPr>
+        </p:nvSpPr>
+        <p:spPr/>
+        <p:txBody>
+          <a:bodyPr/>
+          <a:lstStyle/>
+          <a:p>
+            <a:endParaRPr lang="en-US"/>
+          </a:p>
+        </p:txBody>
+      </p:sp>
+      <p:sp>
+        <p:nvSpPr>
+          <p:cNvPr id="4" name="Slide Number Placeholder 3"/>
+          <p:cNvSpPr>
+            <a:spLocks noGrp="1"/>
+          </p:cNvSpPr>
+          <p:nvPr>
+            <p:ph type="sldNum" sz="quarter" idx="10"/>
+          </p:nvPr>
+        </p:nvSpPr>
+        <p:spPr/>
+        <p:txBody>
+          <a:bodyPr/>
+          <a:lstStyle/>
+          <a:p>
+            <a:fld id="{FA1FA499-97B9-4195-8A23-5150A0AFC481}" type="slidenum">
+              <a:rPr lang="en-US"/>
+              <a:t>45</a:t>
+            </a:fld>
+            <a:endParaRPr lang="en-US"/>
+          </a:p>
+        </p:txBody>
+      </p:sp>
+    </p:spTree>
+    <p:extLst>
+      <p:ext uri="{BB962C8B-B14F-4D97-AF65-F5344CB8AC3E}">
+        <p14:creationId xmlns:p14="http://schemas.microsoft.com/office/powerpoint/2010/main" val="155933889"/>
+      </p:ext>
+    </p:extLst>
+  </p:cSld>
+  <p:clrMapOvr>
+    <a:masterClrMapping/>
+  </p:clrMapOvr>
+</p:notes>
+</file>
+
+<file path=ppt/notesSlides/notesSlide46.xml><?xml version="1.0" encoding="utf-8"?>
+<p:notes xmlns:a="http://schemas.openxmlformats.org/drawingml/2006/main" xmlns:r="http://schemas.openxmlformats.org/officeDocument/2006/relationships" xmlns:p="http://schemas.openxmlformats.org/presentationml/2006/main">
+  <p:cSld>
+    <p:spTree>
+      <p:nvGrpSpPr>
+        <p:cNvPr id="1" name=""/>
+        <p:cNvGrpSpPr/>
+        <p:nvPr/>
+      </p:nvGrpSpPr>
+      <p:grpSpPr>
+        <a:xfrm>
+          <a:off x="0" y="0"/>
+          <a:ext cx="0" cy="0"/>
+          <a:chOff x="0" y="0"/>
+          <a:chExt cx="0" cy="0"/>
+        </a:xfrm>
+      </p:grpSpPr>
+      <p:sp>
+        <p:nvSpPr>
+          <p:cNvPr id="2" name="Slide Image Placeholder 1"/>
+          <p:cNvSpPr>
+            <a:spLocks noGrp="1" noRot="1" noChangeAspect="1"/>
+          </p:cNvSpPr>
+          <p:nvPr>
+            <p:ph type="sldImg"/>
+          </p:nvPr>
+        </p:nvSpPr>
+        <p:spPr/>
+      </p:sp>
+      <p:sp>
+        <p:nvSpPr>
+          <p:cNvPr id="3" name="Notes Placeholder 2"/>
+          <p:cNvSpPr>
+            <a:spLocks noGrp="1"/>
+          </p:cNvSpPr>
+          <p:nvPr>
+            <p:ph type="body" idx="1"/>
+          </p:nvPr>
+        </p:nvSpPr>
+        <p:spPr/>
+        <p:txBody>
+          <a:bodyPr/>
+          <a:lstStyle/>
+          <a:p>
+            <a:r>
+              <a:rPr lang="en-US" dirty="0"/>
+              <a:t>The first example will print 1 forever since </a:t>
+            </a:r>
+            <a:r>
+              <a:rPr lang="en-US" dirty="0" err="1"/>
+              <a:t>i</a:t>
+            </a:r>
+            <a:r>
+              <a:rPr lang="en-US" baseline="0" dirty="0"/>
+              <a:t> is not changing (being incremented) within the loop</a:t>
+            </a:r>
+            <a:r>
+              <a:rPr lang="en-US" dirty="0"/>
+              <a:t>. The second example won’t print anything at all. </a:t>
+            </a:r>
+          </a:p>
+        </p:txBody>
+      </p:sp>
+      <p:sp>
+        <p:nvSpPr>
+          <p:cNvPr id="4" name="Slide Number Placeholder 3"/>
+          <p:cNvSpPr>
+            <a:spLocks noGrp="1"/>
+          </p:cNvSpPr>
+          <p:nvPr>
+            <p:ph type="sldNum" sz="quarter" idx="10"/>
+          </p:nvPr>
+        </p:nvSpPr>
+        <p:spPr/>
+        <p:txBody>
+          <a:bodyPr/>
+          <a:lstStyle/>
+          <a:p>
+            <a:fld id="{FA1FA499-97B9-4195-8A23-5150A0AFC481}" type="slidenum">
+              <a:rPr lang="en-US" smtClean="0"/>
+              <a:t>46</a:t>
+            </a:fld>
+            <a:endParaRPr lang="en-US"/>
+          </a:p>
+        </p:txBody>
+      </p:sp>
+    </p:spTree>
+    <p:extLst>
+      <p:ext uri="{BB962C8B-B14F-4D97-AF65-F5344CB8AC3E}">
+        <p14:creationId xmlns:p14="http://schemas.microsoft.com/office/powerpoint/2010/main" val="1238412044"/>
+      </p:ext>
+    </p:extLst>
+  </p:cSld>
+  <p:clrMapOvr>
+    <a:masterClrMapping/>
+  </p:clrMapOvr>
+</p:notes>
+</file>
+
+<file path=ppt/notesSlides/notesSlide47.xml><?xml version="1.0" encoding="utf-8"?>
+<p:notes xmlns:a="http://schemas.openxmlformats.org/drawingml/2006/main" xmlns:r="http://schemas.openxmlformats.org/officeDocument/2006/relationships" xmlns:p="http://schemas.openxmlformats.org/presentationml/2006/main">
+  <p:cSld>
+    <p:spTree>
+      <p:nvGrpSpPr>
+        <p:cNvPr id="1" name=""/>
+        <p:cNvGrpSpPr/>
+        <p:nvPr/>
+      </p:nvGrpSpPr>
+      <p:grpSpPr>
+        <a:xfrm>
+          <a:off x="0" y="0"/>
+          <a:ext cx="0" cy="0"/>
+          <a:chOff x="0" y="0"/>
+          <a:chExt cx="0" cy="0"/>
+        </a:xfrm>
+      </p:grpSpPr>
+      <p:sp>
+        <p:nvSpPr>
+          <p:cNvPr id="2" name="Slide Image Placeholder 1"/>
+          <p:cNvSpPr>
+            <a:spLocks noGrp="1" noRot="1" noChangeAspect="1"/>
+          </p:cNvSpPr>
+          <p:nvPr>
+            <p:ph type="sldImg"/>
+          </p:nvPr>
+        </p:nvSpPr>
+        <p:spPr/>
+      </p:sp>
+      <p:sp>
+        <p:nvSpPr>
+          <p:cNvPr id="3" name="Notes Placeholder 2"/>
+          <p:cNvSpPr>
+            <a:spLocks noGrp="1"/>
+          </p:cNvSpPr>
+          <p:nvPr>
+            <p:ph type="body" idx="1"/>
+          </p:nvPr>
+        </p:nvSpPr>
+        <p:spPr/>
+        <p:txBody>
+          <a:bodyPr/>
+          <a:lstStyle/>
+          <a:p>
+            <a:r>
+              <a:rPr lang="en-US" dirty="0"/>
+              <a:t>Spend a few minutes to help participants feel comfortable with the blocks within turtle. Blocks such as, shape, move, turn, pen, and fill.</a:t>
+            </a:r>
+            <a:endParaRPr lang="en-US" dirty="0">
+              <a:latin typeface="Calibri"/>
+            </a:endParaRPr>
+          </a:p>
+        </p:txBody>
+      </p:sp>
+      <p:sp>
+        <p:nvSpPr>
+          <p:cNvPr id="4" name="Slide Number Placeholder 3"/>
+          <p:cNvSpPr>
+            <a:spLocks noGrp="1"/>
+          </p:cNvSpPr>
+          <p:nvPr>
+            <p:ph type="sldNum" sz="quarter" idx="10"/>
+          </p:nvPr>
+        </p:nvSpPr>
+        <p:spPr/>
+        <p:txBody>
+          <a:bodyPr/>
+          <a:lstStyle/>
+          <a:p>
+            <a:fld id="{FA1FA499-97B9-4195-8A23-5150A0AFC481}" type="slidenum">
+              <a:rPr lang="en-US"/>
+              <a:t>47</a:t>
+            </a:fld>
+            <a:endParaRPr lang="en-US"/>
+          </a:p>
+        </p:txBody>
+      </p:sp>
+    </p:spTree>
+    <p:extLst>
+      <p:ext uri="{BB962C8B-B14F-4D97-AF65-F5344CB8AC3E}">
+        <p14:creationId xmlns:p14="http://schemas.microsoft.com/office/powerpoint/2010/main" val="1546579103"/>
+      </p:ext>
+    </p:extLst>
+  </p:cSld>
+  <p:clrMapOvr>
+    <a:masterClrMapping/>
+  </p:clrMapOvr>
+</p:notes>
+</file>
+
+<file path=ppt/notesSlides/notesSlide48.xml><?xml version="1.0" encoding="utf-8"?>
+<p:notes xmlns:a="http://schemas.openxmlformats.org/drawingml/2006/main" xmlns:r="http://schemas.openxmlformats.org/officeDocument/2006/relationships" xmlns:p="http://schemas.openxmlformats.org/presentationml/2006/main">
+  <p:cSld>
+    <p:spTree>
+      <p:nvGrpSpPr>
+        <p:cNvPr id="1" name=""/>
+        <p:cNvGrpSpPr/>
+        <p:nvPr/>
+      </p:nvGrpSpPr>
+      <p:grpSpPr>
+        <a:xfrm>
+          <a:off x="0" y="0"/>
+          <a:ext cx="0" cy="0"/>
+          <a:chOff x="0" y="0"/>
+          <a:chExt cx="0" cy="0"/>
+        </a:xfrm>
+      </p:grpSpPr>
+      <p:sp>
+        <p:nvSpPr>
+          <p:cNvPr id="2" name="Slide Image Placeholder 1"/>
+          <p:cNvSpPr>
+            <a:spLocks noGrp="1" noRot="1" noChangeAspect="1"/>
+          </p:cNvSpPr>
+          <p:nvPr>
+            <p:ph type="sldImg"/>
+          </p:nvPr>
+        </p:nvSpPr>
+        <p:spPr/>
+      </p:sp>
+      <p:sp>
+        <p:nvSpPr>
+          <p:cNvPr id="3" name="Notes Placeholder 2"/>
+          <p:cNvSpPr>
+            <a:spLocks noGrp="1"/>
+          </p:cNvSpPr>
+          <p:nvPr>
+            <p:ph type="body" idx="1"/>
+          </p:nvPr>
+        </p:nvSpPr>
+        <p:spPr/>
+        <p:txBody>
+          <a:bodyPr/>
+          <a:lstStyle/>
+          <a:p>
+            <a:r>
+              <a:rPr lang="en-US" dirty="0"/>
+              <a:t>Have participants verbalize what each block is doing. </a:t>
+            </a:r>
+            <a:endParaRPr lang="en-US" dirty="0">
+              <a:latin typeface="Calibri"/>
+            </a:endParaRPr>
+          </a:p>
+        </p:txBody>
+      </p:sp>
+      <p:sp>
+        <p:nvSpPr>
+          <p:cNvPr id="4" name="Slide Number Placeholder 3"/>
+          <p:cNvSpPr>
+            <a:spLocks noGrp="1"/>
+          </p:cNvSpPr>
+          <p:nvPr>
+            <p:ph type="sldNum" sz="quarter" idx="10"/>
+          </p:nvPr>
+        </p:nvSpPr>
+        <p:spPr/>
+        <p:txBody>
+          <a:bodyPr/>
+          <a:lstStyle/>
+          <a:p>
+            <a:fld id="{FA1FA499-97B9-4195-8A23-5150A0AFC481}" type="slidenum">
+              <a:rPr lang="en-US"/>
+              <a:t>48</a:t>
+            </a:fld>
+            <a:endParaRPr lang="en-US"/>
+          </a:p>
+        </p:txBody>
+      </p:sp>
+    </p:spTree>
+    <p:extLst>
+      <p:ext uri="{BB962C8B-B14F-4D97-AF65-F5344CB8AC3E}">
+        <p14:creationId xmlns:p14="http://schemas.microsoft.com/office/powerpoint/2010/main" val="2346031523"/>
+      </p:ext>
+    </p:extLst>
+  </p:cSld>
+  <p:clrMapOvr>
+    <a:masterClrMapping/>
+  </p:clrMapOvr>
+</p:notes>
+</file>
+
+<file path=ppt/notesSlides/notesSlide49.xml><?xml version="1.0" encoding="utf-8"?>
+<p:notes xmlns:a="http://schemas.openxmlformats.org/drawingml/2006/main" xmlns:r="http://schemas.openxmlformats.org/officeDocument/2006/relationships" xmlns:p="http://schemas.openxmlformats.org/presentationml/2006/main">
+  <p:cSld>
+    <p:spTree>
+      <p:nvGrpSpPr>
+        <p:cNvPr id="1" name=""/>
+        <p:cNvGrpSpPr/>
+        <p:nvPr/>
+      </p:nvGrpSpPr>
+      <p:grpSpPr>
+        <a:xfrm>
+          <a:off x="0" y="0"/>
+          <a:ext cx="0" cy="0"/>
+          <a:chOff x="0" y="0"/>
+          <a:chExt cx="0" cy="0"/>
+        </a:xfrm>
+      </p:grpSpPr>
+      <p:sp>
+        <p:nvSpPr>
+          <p:cNvPr id="2" name="Slide Image Placeholder 1"/>
+          <p:cNvSpPr>
+            <a:spLocks noGrp="1" noRot="1" noChangeAspect="1"/>
+          </p:cNvSpPr>
+          <p:nvPr>
+            <p:ph type="sldImg"/>
+          </p:nvPr>
+        </p:nvSpPr>
+        <p:spPr/>
+      </p:sp>
+      <p:sp>
+        <p:nvSpPr>
+          <p:cNvPr id="3" name="Notes Placeholder 2"/>
+          <p:cNvSpPr>
+            <a:spLocks noGrp="1"/>
+          </p:cNvSpPr>
+          <p:nvPr>
+            <p:ph type="body" idx="1"/>
+          </p:nvPr>
+        </p:nvSpPr>
+        <p:spPr/>
+        <p:txBody>
+          <a:bodyPr/>
+          <a:lstStyle/>
+          <a:p>
+            <a:r>
+              <a:rPr lang="en-US" dirty="0" smtClean="0"/>
+              <a:t>Arrays are</a:t>
+            </a:r>
+            <a:r>
+              <a:rPr lang="en-US" baseline="0" dirty="0" smtClean="0"/>
+              <a:t> only one data type. Lists in python can have any datatype in the same list. </a:t>
+            </a:r>
+            <a:endParaRPr lang="en-US" dirty="0"/>
+          </a:p>
+        </p:txBody>
+      </p:sp>
+      <p:sp>
+        <p:nvSpPr>
+          <p:cNvPr id="4" name="Slide Number Placeholder 3"/>
+          <p:cNvSpPr>
+            <a:spLocks noGrp="1"/>
+          </p:cNvSpPr>
+          <p:nvPr>
+            <p:ph type="sldNum" sz="quarter" idx="10"/>
+          </p:nvPr>
+        </p:nvSpPr>
+        <p:spPr/>
+        <p:txBody>
+          <a:bodyPr/>
+          <a:lstStyle/>
+          <a:p>
+            <a:fld id="{29E321EA-946C-4998-A5A3-27A18892B3AC}" type="slidenum">
+              <a:rPr lang="en-US" smtClean="0"/>
+              <a:t>49</a:t>
+            </a:fld>
+            <a:endParaRPr lang="en-US"/>
+          </a:p>
+        </p:txBody>
+      </p:sp>
+    </p:spTree>
+    <p:extLst>
+      <p:ext uri="{BB962C8B-B14F-4D97-AF65-F5344CB8AC3E}">
+        <p14:creationId xmlns:p14="http://schemas.microsoft.com/office/powerpoint/2010/main" val="1549346690"/>
       </p:ext>
     </p:extLst>
   </p:cSld>
@@ -3155,9 +4668,9 @@
           <a:bodyPr/>
           <a:lstStyle/>
           <a:p>
-            <a:fld id="{3207149A-781B-654B-B47A-BFD23107C6F4}" type="slidenum">
+            <a:fld id="{6BD16A6E-B664-4EC5-B3B1-02B15797974C}" type="slidenum">
               <a:rPr lang="en-US" smtClean="0"/>
-              <a:t>20</a:t>
+              <a:t>5</a:t>
             </a:fld>
             <a:endParaRPr lang="en-US"/>
           </a:p>
@@ -3166,7 +4679,1107 @@
     </p:spTree>
     <p:extLst>
       <p:ext uri="{BB962C8B-B14F-4D97-AF65-F5344CB8AC3E}">
-        <p14:creationId xmlns:p14="http://schemas.microsoft.com/office/powerpoint/2010/main" val="1446833776"/>
+        <p14:creationId xmlns:p14="http://schemas.microsoft.com/office/powerpoint/2010/main" val="2030050113"/>
+      </p:ext>
+    </p:extLst>
+  </p:cSld>
+  <p:clrMapOvr>
+    <a:masterClrMapping/>
+  </p:clrMapOvr>
+</p:notes>
+</file>
+
+<file path=ppt/notesSlides/notesSlide50.xml><?xml version="1.0" encoding="utf-8"?>
+<p:notes xmlns:a="http://schemas.openxmlformats.org/drawingml/2006/main" xmlns:r="http://schemas.openxmlformats.org/officeDocument/2006/relationships" xmlns:p="http://schemas.openxmlformats.org/presentationml/2006/main">
+  <p:cSld>
+    <p:spTree>
+      <p:nvGrpSpPr>
+        <p:cNvPr id="1" name=""/>
+        <p:cNvGrpSpPr/>
+        <p:nvPr/>
+      </p:nvGrpSpPr>
+      <p:grpSpPr>
+        <a:xfrm>
+          <a:off x="0" y="0"/>
+          <a:ext cx="0" cy="0"/>
+          <a:chOff x="0" y="0"/>
+          <a:chExt cx="0" cy="0"/>
+        </a:xfrm>
+      </p:grpSpPr>
+      <p:sp>
+        <p:nvSpPr>
+          <p:cNvPr id="2" name="Slide Image Placeholder 1"/>
+          <p:cNvSpPr>
+            <a:spLocks noGrp="1" noRot="1" noChangeAspect="1"/>
+          </p:cNvSpPr>
+          <p:nvPr>
+            <p:ph type="sldImg"/>
+          </p:nvPr>
+        </p:nvSpPr>
+        <p:spPr/>
+      </p:sp>
+      <p:sp>
+        <p:nvSpPr>
+          <p:cNvPr id="3" name="Notes Placeholder 2"/>
+          <p:cNvSpPr>
+            <a:spLocks noGrp="1"/>
+          </p:cNvSpPr>
+          <p:nvPr>
+            <p:ph type="body" idx="1"/>
+          </p:nvPr>
+        </p:nvSpPr>
+        <p:spPr/>
+        <p:txBody>
+          <a:bodyPr/>
+          <a:lstStyle/>
+          <a:p>
+            <a:r>
+              <a:rPr lang="en-US" dirty="0"/>
+              <a:t>If</a:t>
+            </a:r>
+            <a:r>
+              <a:rPr lang="en-US" baseline="0" dirty="0"/>
+              <a:t> you want to add more items when using trinket, click on the tool icon and drag additional items within the list. </a:t>
+            </a:r>
+            <a:endParaRPr lang="en-US" dirty="0"/>
+          </a:p>
+        </p:txBody>
+      </p:sp>
+      <p:sp>
+        <p:nvSpPr>
+          <p:cNvPr id="4" name="Slide Number Placeholder 3"/>
+          <p:cNvSpPr>
+            <a:spLocks noGrp="1"/>
+          </p:cNvSpPr>
+          <p:nvPr>
+            <p:ph type="sldNum" sz="quarter" idx="10"/>
+          </p:nvPr>
+        </p:nvSpPr>
+        <p:spPr/>
+        <p:txBody>
+          <a:bodyPr/>
+          <a:lstStyle/>
+          <a:p>
+            <a:fld id="{29E321EA-946C-4998-A5A3-27A18892B3AC}" type="slidenum">
+              <a:rPr lang="en-US" smtClean="0"/>
+              <a:t>50</a:t>
+            </a:fld>
+            <a:endParaRPr lang="en-US"/>
+          </a:p>
+        </p:txBody>
+      </p:sp>
+    </p:spTree>
+    <p:extLst>
+      <p:ext uri="{BB962C8B-B14F-4D97-AF65-F5344CB8AC3E}">
+        <p14:creationId xmlns:p14="http://schemas.microsoft.com/office/powerpoint/2010/main" val="1461304790"/>
+      </p:ext>
+    </p:extLst>
+  </p:cSld>
+  <p:clrMapOvr>
+    <a:masterClrMapping/>
+  </p:clrMapOvr>
+</p:notes>
+</file>
+
+<file path=ppt/notesSlides/notesSlide51.xml><?xml version="1.0" encoding="utf-8"?>
+<p:notes xmlns:a="http://schemas.openxmlformats.org/drawingml/2006/main" xmlns:r="http://schemas.openxmlformats.org/officeDocument/2006/relationships" xmlns:p="http://schemas.openxmlformats.org/presentationml/2006/main">
+  <p:cSld>
+    <p:spTree>
+      <p:nvGrpSpPr>
+        <p:cNvPr id="1" name=""/>
+        <p:cNvGrpSpPr/>
+        <p:nvPr/>
+      </p:nvGrpSpPr>
+      <p:grpSpPr>
+        <a:xfrm>
+          <a:off x="0" y="0"/>
+          <a:ext cx="0" cy="0"/>
+          <a:chOff x="0" y="0"/>
+          <a:chExt cx="0" cy="0"/>
+        </a:xfrm>
+      </p:grpSpPr>
+      <p:sp>
+        <p:nvSpPr>
+          <p:cNvPr id="2" name="Slide Image Placeholder 1"/>
+          <p:cNvSpPr>
+            <a:spLocks noGrp="1" noRot="1" noChangeAspect="1"/>
+          </p:cNvSpPr>
+          <p:nvPr>
+            <p:ph type="sldImg"/>
+          </p:nvPr>
+        </p:nvSpPr>
+        <p:spPr/>
+      </p:sp>
+      <p:sp>
+        <p:nvSpPr>
+          <p:cNvPr id="3" name="Notes Placeholder 2"/>
+          <p:cNvSpPr>
+            <a:spLocks noGrp="1"/>
+          </p:cNvSpPr>
+          <p:nvPr>
+            <p:ph type="body" idx="1"/>
+          </p:nvPr>
+        </p:nvSpPr>
+        <p:spPr/>
+        <p:txBody>
+          <a:bodyPr/>
+          <a:lstStyle/>
+          <a:p>
+            <a:endParaRPr lang="en-US"/>
+          </a:p>
+        </p:txBody>
+      </p:sp>
+      <p:sp>
+        <p:nvSpPr>
+          <p:cNvPr id="4" name="Slide Number Placeholder 3"/>
+          <p:cNvSpPr>
+            <a:spLocks noGrp="1"/>
+          </p:cNvSpPr>
+          <p:nvPr>
+            <p:ph type="sldNum" sz="quarter" idx="10"/>
+          </p:nvPr>
+        </p:nvSpPr>
+        <p:spPr/>
+        <p:txBody>
+          <a:bodyPr/>
+          <a:lstStyle/>
+          <a:p>
+            <a:fld id="{6BD16A6E-B664-4EC5-B3B1-02B15797974C}" type="slidenum">
+              <a:rPr lang="en-US" smtClean="0"/>
+              <a:t>51</a:t>
+            </a:fld>
+            <a:endParaRPr lang="en-US"/>
+          </a:p>
+        </p:txBody>
+      </p:sp>
+    </p:spTree>
+    <p:extLst>
+      <p:ext uri="{BB962C8B-B14F-4D97-AF65-F5344CB8AC3E}">
+        <p14:creationId xmlns:p14="http://schemas.microsoft.com/office/powerpoint/2010/main" val="1573462684"/>
+      </p:ext>
+    </p:extLst>
+  </p:cSld>
+  <p:clrMapOvr>
+    <a:masterClrMapping/>
+  </p:clrMapOvr>
+</p:notes>
+</file>
+
+<file path=ppt/notesSlides/notesSlide52.xml><?xml version="1.0" encoding="utf-8"?>
+<p:notes xmlns:a="http://schemas.openxmlformats.org/drawingml/2006/main" xmlns:r="http://schemas.openxmlformats.org/officeDocument/2006/relationships" xmlns:p="http://schemas.openxmlformats.org/presentationml/2006/main">
+  <p:cSld>
+    <p:spTree>
+      <p:nvGrpSpPr>
+        <p:cNvPr id="1" name=""/>
+        <p:cNvGrpSpPr/>
+        <p:nvPr/>
+      </p:nvGrpSpPr>
+      <p:grpSpPr>
+        <a:xfrm>
+          <a:off x="0" y="0"/>
+          <a:ext cx="0" cy="0"/>
+          <a:chOff x="0" y="0"/>
+          <a:chExt cx="0" cy="0"/>
+        </a:xfrm>
+      </p:grpSpPr>
+      <p:sp>
+        <p:nvSpPr>
+          <p:cNvPr id="2" name="Slide Image Placeholder 1"/>
+          <p:cNvSpPr>
+            <a:spLocks noGrp="1" noRot="1" noChangeAspect="1"/>
+          </p:cNvSpPr>
+          <p:nvPr>
+            <p:ph type="sldImg"/>
+          </p:nvPr>
+        </p:nvSpPr>
+        <p:spPr/>
+      </p:sp>
+      <p:sp>
+        <p:nvSpPr>
+          <p:cNvPr id="3" name="Notes Placeholder 2"/>
+          <p:cNvSpPr>
+            <a:spLocks noGrp="1"/>
+          </p:cNvSpPr>
+          <p:nvPr>
+            <p:ph type="body" idx="1"/>
+          </p:nvPr>
+        </p:nvSpPr>
+        <p:spPr/>
+        <p:txBody>
+          <a:bodyPr/>
+          <a:lstStyle/>
+          <a:p>
+            <a:r>
+              <a:rPr lang="en-US" dirty="0"/>
+              <a:t>Remind participants</a:t>
+            </a:r>
+            <a:r>
+              <a:rPr lang="en-US" baseline="0" dirty="0"/>
+              <a:t> that text based starts the index at 0 and block starts at 1. Also, -1 will give you the last element of the list. </a:t>
+            </a:r>
+            <a:endParaRPr lang="en-US" dirty="0"/>
+          </a:p>
+        </p:txBody>
+      </p:sp>
+      <p:sp>
+        <p:nvSpPr>
+          <p:cNvPr id="4" name="Slide Number Placeholder 3"/>
+          <p:cNvSpPr>
+            <a:spLocks noGrp="1"/>
+          </p:cNvSpPr>
+          <p:nvPr>
+            <p:ph type="sldNum" sz="quarter" idx="10"/>
+          </p:nvPr>
+        </p:nvSpPr>
+        <p:spPr/>
+        <p:txBody>
+          <a:bodyPr/>
+          <a:lstStyle/>
+          <a:p>
+            <a:fld id="{29E321EA-946C-4998-A5A3-27A18892B3AC}" type="slidenum">
+              <a:rPr lang="en-US" smtClean="0"/>
+              <a:t>52</a:t>
+            </a:fld>
+            <a:endParaRPr lang="en-US"/>
+          </a:p>
+        </p:txBody>
+      </p:sp>
+    </p:spTree>
+    <p:extLst>
+      <p:ext uri="{BB962C8B-B14F-4D97-AF65-F5344CB8AC3E}">
+        <p14:creationId xmlns:p14="http://schemas.microsoft.com/office/powerpoint/2010/main" val="1380110761"/>
+      </p:ext>
+    </p:extLst>
+  </p:cSld>
+  <p:clrMapOvr>
+    <a:masterClrMapping/>
+  </p:clrMapOvr>
+</p:notes>
+</file>
+
+<file path=ppt/notesSlides/notesSlide53.xml><?xml version="1.0" encoding="utf-8"?>
+<p:notes xmlns:a="http://schemas.openxmlformats.org/drawingml/2006/main" xmlns:r="http://schemas.openxmlformats.org/officeDocument/2006/relationships" xmlns:p="http://schemas.openxmlformats.org/presentationml/2006/main">
+  <p:cSld>
+    <p:spTree>
+      <p:nvGrpSpPr>
+        <p:cNvPr id="1" name=""/>
+        <p:cNvGrpSpPr/>
+        <p:nvPr/>
+      </p:nvGrpSpPr>
+      <p:grpSpPr>
+        <a:xfrm>
+          <a:off x="0" y="0"/>
+          <a:ext cx="0" cy="0"/>
+          <a:chOff x="0" y="0"/>
+          <a:chExt cx="0" cy="0"/>
+        </a:xfrm>
+      </p:grpSpPr>
+      <p:sp>
+        <p:nvSpPr>
+          <p:cNvPr id="2" name="Slide Image Placeholder 1"/>
+          <p:cNvSpPr>
+            <a:spLocks noGrp="1" noRot="1" noChangeAspect="1"/>
+          </p:cNvSpPr>
+          <p:nvPr>
+            <p:ph type="sldImg"/>
+          </p:nvPr>
+        </p:nvSpPr>
+        <p:spPr/>
+      </p:sp>
+      <p:sp>
+        <p:nvSpPr>
+          <p:cNvPr id="3" name="Notes Placeholder 2"/>
+          <p:cNvSpPr>
+            <a:spLocks noGrp="1"/>
+          </p:cNvSpPr>
+          <p:nvPr>
+            <p:ph type="body" idx="1"/>
+          </p:nvPr>
+        </p:nvSpPr>
+        <p:spPr/>
+        <p:txBody>
+          <a:bodyPr/>
+          <a:lstStyle/>
+          <a:p>
+            <a:r>
+              <a:rPr lang="en-US" dirty="0" smtClean="0"/>
+              <a:t>Note that the third position in the list is index 2 in the text-based example since the indexing starts at 0. </a:t>
+            </a:r>
+            <a:endParaRPr lang="en-US" dirty="0"/>
+          </a:p>
+        </p:txBody>
+      </p:sp>
+      <p:sp>
+        <p:nvSpPr>
+          <p:cNvPr id="4" name="Slide Number Placeholder 3"/>
+          <p:cNvSpPr>
+            <a:spLocks noGrp="1"/>
+          </p:cNvSpPr>
+          <p:nvPr>
+            <p:ph type="sldNum" sz="quarter" idx="10"/>
+          </p:nvPr>
+        </p:nvSpPr>
+        <p:spPr/>
+        <p:txBody>
+          <a:bodyPr/>
+          <a:lstStyle/>
+          <a:p>
+            <a:fld id="{29E321EA-946C-4998-A5A3-27A18892B3AC}" type="slidenum">
+              <a:rPr lang="en-US" smtClean="0"/>
+              <a:t>53</a:t>
+            </a:fld>
+            <a:endParaRPr lang="en-US"/>
+          </a:p>
+        </p:txBody>
+      </p:sp>
+    </p:spTree>
+    <p:extLst>
+      <p:ext uri="{BB962C8B-B14F-4D97-AF65-F5344CB8AC3E}">
+        <p14:creationId xmlns:p14="http://schemas.microsoft.com/office/powerpoint/2010/main" val="813832692"/>
+      </p:ext>
+    </p:extLst>
+  </p:cSld>
+  <p:clrMapOvr>
+    <a:masterClrMapping/>
+  </p:clrMapOvr>
+</p:notes>
+</file>
+
+<file path=ppt/notesSlides/notesSlide54.xml><?xml version="1.0" encoding="utf-8"?>
+<p:notes xmlns:a="http://schemas.openxmlformats.org/drawingml/2006/main" xmlns:r="http://schemas.openxmlformats.org/officeDocument/2006/relationships" xmlns:p="http://schemas.openxmlformats.org/presentationml/2006/main">
+  <p:cSld>
+    <p:spTree>
+      <p:nvGrpSpPr>
+        <p:cNvPr id="1" name=""/>
+        <p:cNvGrpSpPr/>
+        <p:nvPr/>
+      </p:nvGrpSpPr>
+      <p:grpSpPr>
+        <a:xfrm>
+          <a:off x="0" y="0"/>
+          <a:ext cx="0" cy="0"/>
+          <a:chOff x="0" y="0"/>
+          <a:chExt cx="0" cy="0"/>
+        </a:xfrm>
+      </p:grpSpPr>
+      <p:sp>
+        <p:nvSpPr>
+          <p:cNvPr id="2" name="Slide Image Placeholder 1"/>
+          <p:cNvSpPr>
+            <a:spLocks noGrp="1" noRot="1" noChangeAspect="1"/>
+          </p:cNvSpPr>
+          <p:nvPr>
+            <p:ph type="sldImg"/>
+          </p:nvPr>
+        </p:nvSpPr>
+        <p:spPr/>
+      </p:sp>
+      <p:sp>
+        <p:nvSpPr>
+          <p:cNvPr id="3" name="Notes Placeholder 2"/>
+          <p:cNvSpPr>
+            <a:spLocks noGrp="1"/>
+          </p:cNvSpPr>
+          <p:nvPr>
+            <p:ph type="body" idx="1"/>
+          </p:nvPr>
+        </p:nvSpPr>
+        <p:spPr/>
+        <p:txBody>
+          <a:bodyPr/>
+          <a:lstStyle/>
+          <a:p>
+            <a:r>
+              <a:rPr lang="en-US" dirty="0" smtClean="0"/>
+              <a:t>Both case and whitespace matter! ‘Swiss’ or ‘</a:t>
+            </a:r>
+            <a:r>
+              <a:rPr lang="en-US" dirty="0" err="1" smtClean="0"/>
+              <a:t>swiss</a:t>
+            </a:r>
+            <a:r>
+              <a:rPr lang="en-US" dirty="0" smtClean="0"/>
+              <a:t>  ‘ would not work. </a:t>
+            </a:r>
+            <a:endParaRPr lang="en-US" dirty="0"/>
+          </a:p>
+        </p:txBody>
+      </p:sp>
+      <p:sp>
+        <p:nvSpPr>
+          <p:cNvPr id="4" name="Slide Number Placeholder 3"/>
+          <p:cNvSpPr>
+            <a:spLocks noGrp="1"/>
+          </p:cNvSpPr>
+          <p:nvPr>
+            <p:ph type="sldNum" sz="quarter" idx="10"/>
+          </p:nvPr>
+        </p:nvSpPr>
+        <p:spPr/>
+        <p:txBody>
+          <a:bodyPr/>
+          <a:lstStyle/>
+          <a:p>
+            <a:fld id="{29E321EA-946C-4998-A5A3-27A18892B3AC}" type="slidenum">
+              <a:rPr lang="en-US" smtClean="0"/>
+              <a:t>54</a:t>
+            </a:fld>
+            <a:endParaRPr lang="en-US"/>
+          </a:p>
+        </p:txBody>
+      </p:sp>
+    </p:spTree>
+    <p:extLst>
+      <p:ext uri="{BB962C8B-B14F-4D97-AF65-F5344CB8AC3E}">
+        <p14:creationId xmlns:p14="http://schemas.microsoft.com/office/powerpoint/2010/main" val="235530666"/>
+      </p:ext>
+    </p:extLst>
+  </p:cSld>
+  <p:clrMapOvr>
+    <a:masterClrMapping/>
+  </p:clrMapOvr>
+</p:notes>
+</file>
+
+<file path=ppt/notesSlides/notesSlide55.xml><?xml version="1.0" encoding="utf-8"?>
+<p:notes xmlns:a="http://schemas.openxmlformats.org/drawingml/2006/main" xmlns:r="http://schemas.openxmlformats.org/officeDocument/2006/relationships" xmlns:p="http://schemas.openxmlformats.org/presentationml/2006/main">
+  <p:cSld>
+    <p:spTree>
+      <p:nvGrpSpPr>
+        <p:cNvPr id="1" name=""/>
+        <p:cNvGrpSpPr/>
+        <p:nvPr/>
+      </p:nvGrpSpPr>
+      <p:grpSpPr>
+        <a:xfrm>
+          <a:off x="0" y="0"/>
+          <a:ext cx="0" cy="0"/>
+          <a:chOff x="0" y="0"/>
+          <a:chExt cx="0" cy="0"/>
+        </a:xfrm>
+      </p:grpSpPr>
+      <p:sp>
+        <p:nvSpPr>
+          <p:cNvPr id="2" name="Slide Image Placeholder 1"/>
+          <p:cNvSpPr>
+            <a:spLocks noGrp="1" noRot="1" noChangeAspect="1"/>
+          </p:cNvSpPr>
+          <p:nvPr>
+            <p:ph type="sldImg"/>
+          </p:nvPr>
+        </p:nvSpPr>
+        <p:spPr/>
+      </p:sp>
+      <p:sp>
+        <p:nvSpPr>
+          <p:cNvPr id="3" name="Notes Placeholder 2"/>
+          <p:cNvSpPr>
+            <a:spLocks noGrp="1"/>
+          </p:cNvSpPr>
+          <p:nvPr>
+            <p:ph type="body" idx="1"/>
+          </p:nvPr>
+        </p:nvSpPr>
+        <p:spPr/>
+        <p:txBody>
+          <a:bodyPr/>
+          <a:lstStyle/>
+          <a:p>
+            <a:pPr>
+              <a:spcAft>
+                <a:spcPts val="1200"/>
+              </a:spcAft>
+            </a:pPr>
+            <a:r>
+              <a:rPr lang="en-US" sz="2400" dirty="0"/>
+              <a:t>To find the last value in the list, use -1</a:t>
+            </a:r>
+          </a:p>
+          <a:p>
+            <a:pPr lvl="1">
+              <a:spcAft>
+                <a:spcPts val="1200"/>
+              </a:spcAft>
+            </a:pPr>
+            <a:r>
+              <a:rPr lang="en-US" dirty="0"/>
+              <a:t>Print(list name[-1]) will print the last element in the </a:t>
+            </a:r>
+            <a:r>
+              <a:rPr lang="en-US" dirty="0" err="1"/>
+              <a:t>lsit</a:t>
+            </a:r>
+            <a:r>
+              <a:rPr lang="en-US" dirty="0"/>
+              <a:t> </a:t>
+            </a:r>
+          </a:p>
+          <a:p>
+            <a:endParaRPr lang="en-US" dirty="0"/>
+          </a:p>
+        </p:txBody>
+      </p:sp>
+      <p:sp>
+        <p:nvSpPr>
+          <p:cNvPr id="4" name="Slide Number Placeholder 3"/>
+          <p:cNvSpPr>
+            <a:spLocks noGrp="1"/>
+          </p:cNvSpPr>
+          <p:nvPr>
+            <p:ph type="sldNum" sz="quarter" idx="10"/>
+          </p:nvPr>
+        </p:nvSpPr>
+        <p:spPr/>
+        <p:txBody>
+          <a:bodyPr/>
+          <a:lstStyle/>
+          <a:p>
+            <a:fld id="{29E321EA-946C-4998-A5A3-27A18892B3AC}" type="slidenum">
+              <a:rPr lang="en-US" smtClean="0"/>
+              <a:t>55</a:t>
+            </a:fld>
+            <a:endParaRPr lang="en-US"/>
+          </a:p>
+        </p:txBody>
+      </p:sp>
+    </p:spTree>
+    <p:extLst>
+      <p:ext uri="{BB962C8B-B14F-4D97-AF65-F5344CB8AC3E}">
+        <p14:creationId xmlns:p14="http://schemas.microsoft.com/office/powerpoint/2010/main" val="1767839341"/>
+      </p:ext>
+    </p:extLst>
+  </p:cSld>
+  <p:clrMapOvr>
+    <a:masterClrMapping/>
+  </p:clrMapOvr>
+</p:notes>
+</file>
+
+<file path=ppt/notesSlides/notesSlide56.xml><?xml version="1.0" encoding="utf-8"?>
+<p:notes xmlns:a="http://schemas.openxmlformats.org/drawingml/2006/main" xmlns:r="http://schemas.openxmlformats.org/officeDocument/2006/relationships" xmlns:p="http://schemas.openxmlformats.org/presentationml/2006/main">
+  <p:cSld>
+    <p:spTree>
+      <p:nvGrpSpPr>
+        <p:cNvPr id="1" name=""/>
+        <p:cNvGrpSpPr/>
+        <p:nvPr/>
+      </p:nvGrpSpPr>
+      <p:grpSpPr>
+        <a:xfrm>
+          <a:off x="0" y="0"/>
+          <a:ext cx="0" cy="0"/>
+          <a:chOff x="0" y="0"/>
+          <a:chExt cx="0" cy="0"/>
+        </a:xfrm>
+      </p:grpSpPr>
+      <p:sp>
+        <p:nvSpPr>
+          <p:cNvPr id="2" name="Slide Image Placeholder 1"/>
+          <p:cNvSpPr>
+            <a:spLocks noGrp="1" noRot="1" noChangeAspect="1"/>
+          </p:cNvSpPr>
+          <p:nvPr>
+            <p:ph type="sldImg"/>
+          </p:nvPr>
+        </p:nvSpPr>
+        <p:spPr/>
+      </p:sp>
+      <p:sp>
+        <p:nvSpPr>
+          <p:cNvPr id="3" name="Notes Placeholder 2"/>
+          <p:cNvSpPr>
+            <a:spLocks noGrp="1"/>
+          </p:cNvSpPr>
+          <p:nvPr>
+            <p:ph type="body" idx="1"/>
+          </p:nvPr>
+        </p:nvSpPr>
+        <p:spPr/>
+        <p:txBody>
+          <a:bodyPr/>
+          <a:lstStyle/>
+          <a:p>
+            <a:r>
+              <a:rPr lang="en-US" dirty="0" smtClean="0"/>
+              <a:t>Extension: modify the program to take two parameters,</a:t>
+            </a:r>
+            <a:r>
+              <a:rPr lang="en-US" baseline="0" dirty="0" smtClean="0"/>
+              <a:t> the first would be number up to and the second would be the desired multiples (2, 3, 4, </a:t>
+            </a:r>
+            <a:r>
+              <a:rPr lang="en-US" baseline="0" dirty="0" err="1" smtClean="0"/>
+              <a:t>etc</a:t>
+            </a:r>
+            <a:r>
+              <a:rPr lang="en-US" baseline="0" smtClean="0"/>
+              <a:t>). </a:t>
+            </a:r>
+            <a:endParaRPr lang="en-US"/>
+          </a:p>
+        </p:txBody>
+      </p:sp>
+      <p:sp>
+        <p:nvSpPr>
+          <p:cNvPr id="4" name="Slide Number Placeholder 3"/>
+          <p:cNvSpPr>
+            <a:spLocks noGrp="1"/>
+          </p:cNvSpPr>
+          <p:nvPr>
+            <p:ph type="sldNum" sz="quarter" idx="10"/>
+          </p:nvPr>
+        </p:nvSpPr>
+        <p:spPr/>
+        <p:txBody>
+          <a:bodyPr/>
+          <a:lstStyle/>
+          <a:p>
+            <a:fld id="{29E321EA-946C-4998-A5A3-27A18892B3AC}" type="slidenum">
+              <a:rPr lang="en-US" smtClean="0"/>
+              <a:t>56</a:t>
+            </a:fld>
+            <a:endParaRPr lang="en-US"/>
+          </a:p>
+        </p:txBody>
+      </p:sp>
+    </p:spTree>
+    <p:extLst>
+      <p:ext uri="{BB962C8B-B14F-4D97-AF65-F5344CB8AC3E}">
+        <p14:creationId xmlns:p14="http://schemas.microsoft.com/office/powerpoint/2010/main" val="1503182216"/>
+      </p:ext>
+    </p:extLst>
+  </p:cSld>
+  <p:clrMapOvr>
+    <a:masterClrMapping/>
+  </p:clrMapOvr>
+</p:notes>
+</file>
+
+<file path=ppt/notesSlides/notesSlide57.xml><?xml version="1.0" encoding="utf-8"?>
+<p:notes xmlns:a="http://schemas.openxmlformats.org/drawingml/2006/main" xmlns:r="http://schemas.openxmlformats.org/officeDocument/2006/relationships" xmlns:p="http://schemas.openxmlformats.org/presentationml/2006/main">
+  <p:cSld>
+    <p:spTree>
+      <p:nvGrpSpPr>
+        <p:cNvPr id="1" name=""/>
+        <p:cNvGrpSpPr/>
+        <p:nvPr/>
+      </p:nvGrpSpPr>
+      <p:grpSpPr>
+        <a:xfrm>
+          <a:off x="0" y="0"/>
+          <a:ext cx="0" cy="0"/>
+          <a:chOff x="0" y="0"/>
+          <a:chExt cx="0" cy="0"/>
+        </a:xfrm>
+      </p:grpSpPr>
+      <p:sp>
+        <p:nvSpPr>
+          <p:cNvPr id="5121" name="Slide Image Placeholder 1"/>
+          <p:cNvSpPr>
+            <a:spLocks noGrp="1" noRot="1" noChangeAspect="1" noTextEdit="1"/>
+          </p:cNvSpPr>
+          <p:nvPr>
+            <p:ph type="sldImg"/>
+          </p:nvPr>
+        </p:nvSpPr>
+        <p:spPr bwMode="auto">
+          <a:noFill/>
+          <a:ln>
+            <a:solidFill>
+              <a:srgbClr val="000000"/>
+            </a:solidFill>
+            <a:miter lim="800000"/>
+            <a:headEnd/>
+            <a:tailEnd/>
+          </a:ln>
+          <a:extLst>
+            <a:ext uri="{909E8E84-426E-40DD-AFC4-6F175D3DCCD1}">
+              <a14:hiddenFill xmlns:a14="http://schemas.microsoft.com/office/drawing/2010/main">
+                <a:solidFill>
+                  <a:srgbClr val="FFFFFF"/>
+                </a:solidFill>
+              </a14:hiddenFill>
+            </a:ext>
+          </a:extLst>
+        </p:spPr>
+      </p:sp>
+      <p:sp>
+        <p:nvSpPr>
+          <p:cNvPr id="5122" name="Notes Placeholder 2"/>
+          <p:cNvSpPr>
+            <a:spLocks noGrp="1"/>
+          </p:cNvSpPr>
+          <p:nvPr>
+            <p:ph type="body" idx="1"/>
+          </p:nvPr>
+        </p:nvSpPr>
+        <p:spPr bwMode="auto">
+          <a:noFill/>
+          <a:extLst>
+            <a:ext uri="{909E8E84-426E-40DD-AFC4-6F175D3DCCD1}">
+              <a14:hiddenFill xmlns:a14="http://schemas.microsoft.com/office/drawing/2010/main">
+                <a:solidFill>
+                  <a:srgbClr val="FFFFFF"/>
+                </a:solidFill>
+              </a14:hiddenFill>
+            </a:ext>
+            <a:ext uri="{91240B29-F687-4F45-9708-019B960494DF}">
+              <a14:hiddenLine xmlns:a14="http://schemas.microsoft.com/office/drawing/2010/main" w="9525">
+                <a:solidFill>
+                  <a:srgbClr val="000000"/>
+                </a:solidFill>
+                <a:miter lim="800000"/>
+                <a:headEnd/>
+                <a:tailEnd/>
+              </a14:hiddenLine>
+            </a:ext>
+          </a:extLst>
+        </p:spPr>
+        <p:txBody>
+          <a:bodyPr wrap="square" numCol="1" anchor="t" anchorCtr="0" compatLnSpc="1">
+            <a:prstTxWarp prst="textNoShape">
+              <a:avLst/>
+            </a:prstTxWarp>
+          </a:bodyPr>
+          <a:lstStyle/>
+          <a:p>
+            <a:pPr eaLnBrk="1" hangingPunct="1">
+              <a:spcBef>
+                <a:spcPct val="0"/>
+              </a:spcBef>
+            </a:pPr>
+            <a:r>
+              <a:rPr lang="en-US" altLang="en-US">
+                <a:ea typeface="ＭＳ Ｐゴシック" panose="020B0600070205080204" pitchFamily="34" charset="-128"/>
+              </a:rPr>
+              <a:t>Each trainer will introduce themselves. Name, CS connections/background, and any k-12 experience/outreach </a:t>
+            </a:r>
+          </a:p>
+        </p:txBody>
+      </p:sp>
+      <p:sp>
+        <p:nvSpPr>
+          <p:cNvPr id="5123" name="Slide Number Placeholder 3"/>
+          <p:cNvSpPr>
+            <a:spLocks noGrp="1"/>
+          </p:cNvSpPr>
+          <p:nvPr>
+            <p:ph type="sldNum" sz="quarter" idx="5"/>
+          </p:nvPr>
+        </p:nvSpPr>
+        <p:spPr bwMode="auto">
+          <a:noFill/>
+          <a:extLst>
+            <a:ext uri="{909E8E84-426E-40DD-AFC4-6F175D3DCCD1}">
+              <a14:hiddenFill xmlns:a14="http://schemas.microsoft.com/office/drawing/2010/main">
+                <a:solidFill>
+                  <a:srgbClr val="FFFFFF"/>
+                </a:solidFill>
+              </a14:hiddenFill>
+            </a:ext>
+            <a:ext uri="{91240B29-F687-4F45-9708-019B960494DF}">
+              <a14:hiddenLine xmlns:a14="http://schemas.microsoft.com/office/drawing/2010/main" w="9525">
+                <a:solidFill>
+                  <a:srgbClr val="000000"/>
+                </a:solidFill>
+                <a:miter lim="800000"/>
+                <a:headEnd/>
+                <a:tailEnd/>
+              </a14:hiddenLine>
+            </a:ext>
+          </a:extLst>
+        </p:spPr>
+        <p:txBody>
+          <a:bodyPr/>
+          <a:lstStyle>
+            <a:lvl1pPr>
+              <a:defRPr sz="2400">
+                <a:solidFill>
+                  <a:schemeClr val="tx1"/>
+                </a:solidFill>
+                <a:latin typeface="Arial" panose="020B0604020202020204" pitchFamily="34" charset="0"/>
+                <a:ea typeface="ＭＳ Ｐゴシック" panose="020B0600070205080204" pitchFamily="34" charset="-128"/>
+              </a:defRPr>
+            </a:lvl1pPr>
+            <a:lvl2pPr marL="742950" indent="-285750">
+              <a:defRPr sz="2400">
+                <a:solidFill>
+                  <a:schemeClr val="tx1"/>
+                </a:solidFill>
+                <a:latin typeface="Arial" panose="020B0604020202020204" pitchFamily="34" charset="0"/>
+                <a:ea typeface="ＭＳ Ｐゴシック" panose="020B0600070205080204" pitchFamily="34" charset="-128"/>
+              </a:defRPr>
+            </a:lvl2pPr>
+            <a:lvl3pPr marL="1143000" indent="-228600">
+              <a:defRPr sz="2400">
+                <a:solidFill>
+                  <a:schemeClr val="tx1"/>
+                </a:solidFill>
+                <a:latin typeface="Arial" panose="020B0604020202020204" pitchFamily="34" charset="0"/>
+                <a:ea typeface="ＭＳ Ｐゴシック" panose="020B0600070205080204" pitchFamily="34" charset="-128"/>
+              </a:defRPr>
+            </a:lvl3pPr>
+            <a:lvl4pPr marL="1600200" indent="-228600">
+              <a:defRPr sz="2400">
+                <a:solidFill>
+                  <a:schemeClr val="tx1"/>
+                </a:solidFill>
+                <a:latin typeface="Arial" panose="020B0604020202020204" pitchFamily="34" charset="0"/>
+                <a:ea typeface="ＭＳ Ｐゴシック" panose="020B0600070205080204" pitchFamily="34" charset="-128"/>
+              </a:defRPr>
+            </a:lvl4pPr>
+            <a:lvl5pPr marL="2057400" indent="-228600">
+              <a:defRPr sz="2400">
+                <a:solidFill>
+                  <a:schemeClr val="tx1"/>
+                </a:solidFill>
+                <a:latin typeface="Arial" panose="020B0604020202020204" pitchFamily="34" charset="0"/>
+                <a:ea typeface="ＭＳ Ｐゴシック" panose="020B0600070205080204" pitchFamily="34" charset="-128"/>
+              </a:defRPr>
+            </a:lvl5pPr>
+            <a:lvl6pPr marL="2514600" indent="-228600" eaLnBrk="0" fontAlgn="base" hangingPunct="0">
+              <a:spcBef>
+                <a:spcPct val="0"/>
+              </a:spcBef>
+              <a:spcAft>
+                <a:spcPct val="0"/>
+              </a:spcAft>
+              <a:defRPr sz="2400">
+                <a:solidFill>
+                  <a:schemeClr val="tx1"/>
+                </a:solidFill>
+                <a:latin typeface="Arial" panose="020B0604020202020204" pitchFamily="34" charset="0"/>
+                <a:ea typeface="ＭＳ Ｐゴシック" panose="020B0600070205080204" pitchFamily="34" charset="-128"/>
+              </a:defRPr>
+            </a:lvl6pPr>
+            <a:lvl7pPr marL="2971800" indent="-228600" eaLnBrk="0" fontAlgn="base" hangingPunct="0">
+              <a:spcBef>
+                <a:spcPct val="0"/>
+              </a:spcBef>
+              <a:spcAft>
+                <a:spcPct val="0"/>
+              </a:spcAft>
+              <a:defRPr sz="2400">
+                <a:solidFill>
+                  <a:schemeClr val="tx1"/>
+                </a:solidFill>
+                <a:latin typeface="Arial" panose="020B0604020202020204" pitchFamily="34" charset="0"/>
+                <a:ea typeface="ＭＳ Ｐゴシック" panose="020B0600070205080204" pitchFamily="34" charset="-128"/>
+              </a:defRPr>
+            </a:lvl7pPr>
+            <a:lvl8pPr marL="3429000" indent="-228600" eaLnBrk="0" fontAlgn="base" hangingPunct="0">
+              <a:spcBef>
+                <a:spcPct val="0"/>
+              </a:spcBef>
+              <a:spcAft>
+                <a:spcPct val="0"/>
+              </a:spcAft>
+              <a:defRPr sz="2400">
+                <a:solidFill>
+                  <a:schemeClr val="tx1"/>
+                </a:solidFill>
+                <a:latin typeface="Arial" panose="020B0604020202020204" pitchFamily="34" charset="0"/>
+                <a:ea typeface="ＭＳ Ｐゴシック" panose="020B0600070205080204" pitchFamily="34" charset="-128"/>
+              </a:defRPr>
+            </a:lvl8pPr>
+            <a:lvl9pPr marL="3886200" indent="-228600" eaLnBrk="0" fontAlgn="base" hangingPunct="0">
+              <a:spcBef>
+                <a:spcPct val="0"/>
+              </a:spcBef>
+              <a:spcAft>
+                <a:spcPct val="0"/>
+              </a:spcAft>
+              <a:defRPr sz="2400">
+                <a:solidFill>
+                  <a:schemeClr val="tx1"/>
+                </a:solidFill>
+                <a:latin typeface="Arial" panose="020B0604020202020204" pitchFamily="34" charset="0"/>
+                <a:ea typeface="ＭＳ Ｐゴシック" panose="020B0600070205080204" pitchFamily="34" charset="-128"/>
+              </a:defRPr>
+            </a:lvl9pPr>
+          </a:lstStyle>
+          <a:p>
+            <a:fld id="{7FEB73E7-410A-4690-BE8C-9DAF26908CC7}" type="slidenum">
+              <a:rPr lang="en-US" altLang="en-US" sz="1200" smtClean="0"/>
+              <a:pPr/>
+              <a:t>57</a:t>
+            </a:fld>
+            <a:endParaRPr lang="en-US" altLang="en-US" sz="1200"/>
+          </a:p>
+        </p:txBody>
+      </p:sp>
+    </p:spTree>
+    <p:extLst>
+      <p:ext uri="{BB962C8B-B14F-4D97-AF65-F5344CB8AC3E}">
+        <p14:creationId xmlns:p14="http://schemas.microsoft.com/office/powerpoint/2010/main" val="1379080066"/>
+      </p:ext>
+    </p:extLst>
+  </p:cSld>
+  <p:clrMapOvr>
+    <a:masterClrMapping/>
+  </p:clrMapOvr>
+</p:notes>
+</file>
+
+<file path=ppt/notesSlides/notesSlide58.xml><?xml version="1.0" encoding="utf-8"?>
+<p:notes xmlns:a="http://schemas.openxmlformats.org/drawingml/2006/main" xmlns:r="http://schemas.openxmlformats.org/officeDocument/2006/relationships" xmlns:p="http://schemas.openxmlformats.org/presentationml/2006/main">
+  <p:cSld>
+    <p:spTree>
+      <p:nvGrpSpPr>
+        <p:cNvPr id="1" name=""/>
+        <p:cNvGrpSpPr/>
+        <p:nvPr/>
+      </p:nvGrpSpPr>
+      <p:grpSpPr>
+        <a:xfrm>
+          <a:off x="0" y="0"/>
+          <a:ext cx="0" cy="0"/>
+          <a:chOff x="0" y="0"/>
+          <a:chExt cx="0" cy="0"/>
+        </a:xfrm>
+      </p:grpSpPr>
+      <p:sp>
+        <p:nvSpPr>
+          <p:cNvPr id="2" name="Slide Image Placeholder 1"/>
+          <p:cNvSpPr>
+            <a:spLocks noGrp="1" noRot="1" noChangeAspect="1"/>
+          </p:cNvSpPr>
+          <p:nvPr>
+            <p:ph type="sldImg"/>
+          </p:nvPr>
+        </p:nvSpPr>
+        <p:spPr/>
+      </p:sp>
+      <p:sp>
+        <p:nvSpPr>
+          <p:cNvPr id="3" name="Notes Placeholder 2"/>
+          <p:cNvSpPr>
+            <a:spLocks noGrp="1"/>
+          </p:cNvSpPr>
+          <p:nvPr>
+            <p:ph type="body" idx="1"/>
+          </p:nvPr>
+        </p:nvSpPr>
+        <p:spPr/>
+        <p:txBody>
+          <a:bodyPr/>
+          <a:lstStyle/>
+          <a:p>
+            <a:endParaRPr lang="en-US"/>
+          </a:p>
+        </p:txBody>
+      </p:sp>
+      <p:sp>
+        <p:nvSpPr>
+          <p:cNvPr id="4" name="Slide Number Placeholder 3"/>
+          <p:cNvSpPr>
+            <a:spLocks noGrp="1"/>
+          </p:cNvSpPr>
+          <p:nvPr>
+            <p:ph type="sldNum" sz="quarter" idx="10"/>
+          </p:nvPr>
+        </p:nvSpPr>
+        <p:spPr/>
+        <p:txBody>
+          <a:bodyPr/>
+          <a:lstStyle/>
+          <a:p>
+            <a:fld id="{6BD16A6E-B664-4EC5-B3B1-02B15797974C}" type="slidenum">
+              <a:rPr lang="en-US" smtClean="0"/>
+              <a:t>58</a:t>
+            </a:fld>
+            <a:endParaRPr lang="en-US"/>
+          </a:p>
+        </p:txBody>
+      </p:sp>
+    </p:spTree>
+    <p:extLst>
+      <p:ext uri="{BB962C8B-B14F-4D97-AF65-F5344CB8AC3E}">
+        <p14:creationId xmlns:p14="http://schemas.microsoft.com/office/powerpoint/2010/main" val="1887112693"/>
+      </p:ext>
+    </p:extLst>
+  </p:cSld>
+  <p:clrMapOvr>
+    <a:masterClrMapping/>
+  </p:clrMapOvr>
+</p:notes>
+</file>
+
+<file path=ppt/notesSlides/notesSlide59.xml><?xml version="1.0" encoding="utf-8"?>
+<p:notes xmlns:a="http://schemas.openxmlformats.org/drawingml/2006/main" xmlns:r="http://schemas.openxmlformats.org/officeDocument/2006/relationships" xmlns:p="http://schemas.openxmlformats.org/presentationml/2006/main">
+  <p:cSld>
+    <p:spTree>
+      <p:nvGrpSpPr>
+        <p:cNvPr id="1" name=""/>
+        <p:cNvGrpSpPr/>
+        <p:nvPr/>
+      </p:nvGrpSpPr>
+      <p:grpSpPr>
+        <a:xfrm>
+          <a:off x="0" y="0"/>
+          <a:ext cx="0" cy="0"/>
+          <a:chOff x="0" y="0"/>
+          <a:chExt cx="0" cy="0"/>
+        </a:xfrm>
+      </p:grpSpPr>
+      <p:sp>
+        <p:nvSpPr>
+          <p:cNvPr id="2" name="Slide Image Placeholder 1"/>
+          <p:cNvSpPr>
+            <a:spLocks noGrp="1" noRot="1" noChangeAspect="1"/>
+          </p:cNvSpPr>
+          <p:nvPr>
+            <p:ph type="sldImg"/>
+          </p:nvPr>
+        </p:nvSpPr>
+        <p:spPr/>
+      </p:sp>
+      <p:sp>
+        <p:nvSpPr>
+          <p:cNvPr id="3" name="Notes Placeholder 2"/>
+          <p:cNvSpPr>
+            <a:spLocks noGrp="1"/>
+          </p:cNvSpPr>
+          <p:nvPr>
+            <p:ph type="body" idx="1"/>
+          </p:nvPr>
+        </p:nvSpPr>
+        <p:spPr/>
+        <p:txBody>
+          <a:bodyPr/>
+          <a:lstStyle/>
+          <a:p>
+            <a:endParaRPr lang="en-US"/>
+          </a:p>
+        </p:txBody>
+      </p:sp>
+      <p:sp>
+        <p:nvSpPr>
+          <p:cNvPr id="4" name="Slide Number Placeholder 3"/>
+          <p:cNvSpPr>
+            <a:spLocks noGrp="1"/>
+          </p:cNvSpPr>
+          <p:nvPr>
+            <p:ph type="sldNum" sz="quarter" idx="10"/>
+          </p:nvPr>
+        </p:nvSpPr>
+        <p:spPr/>
+        <p:txBody>
+          <a:bodyPr/>
+          <a:lstStyle/>
+          <a:p>
+            <a:fld id="{6BD16A6E-B664-4EC5-B3B1-02B15797974C}" type="slidenum">
+              <a:rPr lang="en-US" smtClean="0"/>
+              <a:t>59</a:t>
+            </a:fld>
+            <a:endParaRPr lang="en-US"/>
+          </a:p>
+        </p:txBody>
+      </p:sp>
+    </p:spTree>
+    <p:extLst>
+      <p:ext uri="{BB962C8B-B14F-4D97-AF65-F5344CB8AC3E}">
+        <p14:creationId xmlns:p14="http://schemas.microsoft.com/office/powerpoint/2010/main" val="1801048186"/>
       </p:ext>
     </p:extLst>
   </p:cSld>
@@ -3220,10 +5833,7 @@
           <a:bodyPr/>
           <a:lstStyle/>
           <a:p>
-            <a:r>
-              <a:rPr lang="en-US" dirty="0"/>
-              <a:t>Not all of the operators listed are directly available in scratch.</a:t>
-            </a:r>
+            <a:endParaRPr lang="en-US"/>
           </a:p>
         </p:txBody>
       </p:sp>
@@ -3242,9 +5852,9 @@
           <a:bodyPr/>
           <a:lstStyle/>
           <a:p>
-            <a:fld id="{24099F10-DAD4-4CE4-B7F1-C20EFD2F831B}" type="slidenum">
+            <a:fld id="{6BD16A6E-B664-4EC5-B3B1-02B15797974C}" type="slidenum">
               <a:rPr lang="en-US" smtClean="0"/>
-              <a:t>25</a:t>
+              <a:t>6</a:t>
             </a:fld>
             <a:endParaRPr lang="en-US"/>
           </a:p>
@@ -3253,7 +5863,763 @@
     </p:spTree>
     <p:extLst>
       <p:ext uri="{BB962C8B-B14F-4D97-AF65-F5344CB8AC3E}">
-        <p14:creationId xmlns:p14="http://schemas.microsoft.com/office/powerpoint/2010/main" val="994363822"/>
+        <p14:creationId xmlns:p14="http://schemas.microsoft.com/office/powerpoint/2010/main" val="3664741535"/>
+      </p:ext>
+    </p:extLst>
+  </p:cSld>
+  <p:clrMapOvr>
+    <a:masterClrMapping/>
+  </p:clrMapOvr>
+</p:notes>
+</file>
+
+<file path=ppt/notesSlides/notesSlide60.xml><?xml version="1.0" encoding="utf-8"?>
+<p:notes xmlns:a="http://schemas.openxmlformats.org/drawingml/2006/main" xmlns:r="http://schemas.openxmlformats.org/officeDocument/2006/relationships" xmlns:p="http://schemas.openxmlformats.org/presentationml/2006/main">
+  <p:cSld>
+    <p:spTree>
+      <p:nvGrpSpPr>
+        <p:cNvPr id="1" name=""/>
+        <p:cNvGrpSpPr/>
+        <p:nvPr/>
+      </p:nvGrpSpPr>
+      <p:grpSpPr>
+        <a:xfrm>
+          <a:off x="0" y="0"/>
+          <a:ext cx="0" cy="0"/>
+          <a:chOff x="0" y="0"/>
+          <a:chExt cx="0" cy="0"/>
+        </a:xfrm>
+      </p:grpSpPr>
+      <p:sp>
+        <p:nvSpPr>
+          <p:cNvPr id="2" name="Slide Image Placeholder 1"/>
+          <p:cNvSpPr>
+            <a:spLocks noGrp="1" noRot="1" noChangeAspect="1"/>
+          </p:cNvSpPr>
+          <p:nvPr>
+            <p:ph type="sldImg"/>
+          </p:nvPr>
+        </p:nvSpPr>
+        <p:spPr/>
+      </p:sp>
+      <p:sp>
+        <p:nvSpPr>
+          <p:cNvPr id="3" name="Notes Placeholder 2"/>
+          <p:cNvSpPr>
+            <a:spLocks noGrp="1"/>
+          </p:cNvSpPr>
+          <p:nvPr>
+            <p:ph type="body" idx="1"/>
+          </p:nvPr>
+        </p:nvSpPr>
+        <p:spPr/>
+        <p:txBody>
+          <a:bodyPr/>
+          <a:lstStyle/>
+          <a:p>
+            <a:endParaRPr lang="en-US"/>
+          </a:p>
+        </p:txBody>
+      </p:sp>
+      <p:sp>
+        <p:nvSpPr>
+          <p:cNvPr id="4" name="Slide Number Placeholder 3"/>
+          <p:cNvSpPr>
+            <a:spLocks noGrp="1"/>
+          </p:cNvSpPr>
+          <p:nvPr>
+            <p:ph type="sldNum" sz="quarter" idx="10"/>
+          </p:nvPr>
+        </p:nvSpPr>
+        <p:spPr/>
+        <p:txBody>
+          <a:bodyPr/>
+          <a:lstStyle/>
+          <a:p>
+            <a:fld id="{6BD16A6E-B664-4EC5-B3B1-02B15797974C}" type="slidenum">
+              <a:rPr lang="en-US" smtClean="0"/>
+              <a:t>60</a:t>
+            </a:fld>
+            <a:endParaRPr lang="en-US"/>
+          </a:p>
+        </p:txBody>
+      </p:sp>
+    </p:spTree>
+    <p:extLst>
+      <p:ext uri="{BB962C8B-B14F-4D97-AF65-F5344CB8AC3E}">
+        <p14:creationId xmlns:p14="http://schemas.microsoft.com/office/powerpoint/2010/main" val="1140248899"/>
+      </p:ext>
+    </p:extLst>
+  </p:cSld>
+  <p:clrMapOvr>
+    <a:masterClrMapping/>
+  </p:clrMapOvr>
+</p:notes>
+</file>
+
+<file path=ppt/notesSlides/notesSlide61.xml><?xml version="1.0" encoding="utf-8"?>
+<p:notes xmlns:a="http://schemas.openxmlformats.org/drawingml/2006/main" xmlns:r="http://schemas.openxmlformats.org/officeDocument/2006/relationships" xmlns:p="http://schemas.openxmlformats.org/presentationml/2006/main">
+  <p:cSld>
+    <p:spTree>
+      <p:nvGrpSpPr>
+        <p:cNvPr id="1" name=""/>
+        <p:cNvGrpSpPr/>
+        <p:nvPr/>
+      </p:nvGrpSpPr>
+      <p:grpSpPr>
+        <a:xfrm>
+          <a:off x="0" y="0"/>
+          <a:ext cx="0" cy="0"/>
+          <a:chOff x="0" y="0"/>
+          <a:chExt cx="0" cy="0"/>
+        </a:xfrm>
+      </p:grpSpPr>
+      <p:sp>
+        <p:nvSpPr>
+          <p:cNvPr id="2" name="Slide Image Placeholder 1"/>
+          <p:cNvSpPr>
+            <a:spLocks noGrp="1" noRot="1" noChangeAspect="1"/>
+          </p:cNvSpPr>
+          <p:nvPr>
+            <p:ph type="sldImg"/>
+          </p:nvPr>
+        </p:nvSpPr>
+        <p:spPr/>
+      </p:sp>
+      <p:sp>
+        <p:nvSpPr>
+          <p:cNvPr id="3" name="Notes Placeholder 2"/>
+          <p:cNvSpPr>
+            <a:spLocks noGrp="1"/>
+          </p:cNvSpPr>
+          <p:nvPr>
+            <p:ph type="body" idx="1"/>
+          </p:nvPr>
+        </p:nvSpPr>
+        <p:spPr/>
+        <p:txBody>
+          <a:bodyPr/>
+          <a:lstStyle/>
+          <a:p>
+            <a:endParaRPr lang="en-US"/>
+          </a:p>
+        </p:txBody>
+      </p:sp>
+      <p:sp>
+        <p:nvSpPr>
+          <p:cNvPr id="4" name="Slide Number Placeholder 3"/>
+          <p:cNvSpPr>
+            <a:spLocks noGrp="1"/>
+          </p:cNvSpPr>
+          <p:nvPr>
+            <p:ph type="sldNum" sz="quarter" idx="10"/>
+          </p:nvPr>
+        </p:nvSpPr>
+        <p:spPr/>
+        <p:txBody>
+          <a:bodyPr/>
+          <a:lstStyle/>
+          <a:p>
+            <a:fld id="{6BD16A6E-B664-4EC5-B3B1-02B15797974C}" type="slidenum">
+              <a:rPr lang="en-US" smtClean="0"/>
+              <a:t>61</a:t>
+            </a:fld>
+            <a:endParaRPr lang="en-US"/>
+          </a:p>
+        </p:txBody>
+      </p:sp>
+    </p:spTree>
+    <p:extLst>
+      <p:ext uri="{BB962C8B-B14F-4D97-AF65-F5344CB8AC3E}">
+        <p14:creationId xmlns:p14="http://schemas.microsoft.com/office/powerpoint/2010/main" val="4207334169"/>
+      </p:ext>
+    </p:extLst>
+  </p:cSld>
+  <p:clrMapOvr>
+    <a:masterClrMapping/>
+  </p:clrMapOvr>
+</p:notes>
+</file>
+
+<file path=ppt/notesSlides/notesSlide62.xml><?xml version="1.0" encoding="utf-8"?>
+<p:notes xmlns:a="http://schemas.openxmlformats.org/drawingml/2006/main" xmlns:r="http://schemas.openxmlformats.org/officeDocument/2006/relationships" xmlns:p="http://schemas.openxmlformats.org/presentationml/2006/main">
+  <p:cSld>
+    <p:spTree>
+      <p:nvGrpSpPr>
+        <p:cNvPr id="1" name=""/>
+        <p:cNvGrpSpPr/>
+        <p:nvPr/>
+      </p:nvGrpSpPr>
+      <p:grpSpPr>
+        <a:xfrm>
+          <a:off x="0" y="0"/>
+          <a:ext cx="0" cy="0"/>
+          <a:chOff x="0" y="0"/>
+          <a:chExt cx="0" cy="0"/>
+        </a:xfrm>
+      </p:grpSpPr>
+      <p:sp>
+        <p:nvSpPr>
+          <p:cNvPr id="2" name="Slide Image Placeholder 1"/>
+          <p:cNvSpPr>
+            <a:spLocks noGrp="1" noRot="1" noChangeAspect="1"/>
+          </p:cNvSpPr>
+          <p:nvPr>
+            <p:ph type="sldImg"/>
+          </p:nvPr>
+        </p:nvSpPr>
+        <p:spPr/>
+      </p:sp>
+      <p:sp>
+        <p:nvSpPr>
+          <p:cNvPr id="3" name="Notes Placeholder 2"/>
+          <p:cNvSpPr>
+            <a:spLocks noGrp="1"/>
+          </p:cNvSpPr>
+          <p:nvPr>
+            <p:ph type="body" idx="1"/>
+          </p:nvPr>
+        </p:nvSpPr>
+        <p:spPr/>
+        <p:txBody>
+          <a:bodyPr/>
+          <a:lstStyle/>
+          <a:p>
+            <a:endParaRPr lang="en-US"/>
+          </a:p>
+        </p:txBody>
+      </p:sp>
+      <p:sp>
+        <p:nvSpPr>
+          <p:cNvPr id="4" name="Slide Number Placeholder 3"/>
+          <p:cNvSpPr>
+            <a:spLocks noGrp="1"/>
+          </p:cNvSpPr>
+          <p:nvPr>
+            <p:ph type="sldNum" sz="quarter" idx="10"/>
+          </p:nvPr>
+        </p:nvSpPr>
+        <p:spPr/>
+        <p:txBody>
+          <a:bodyPr/>
+          <a:lstStyle/>
+          <a:p>
+            <a:fld id="{6BD16A6E-B664-4EC5-B3B1-02B15797974C}" type="slidenum">
+              <a:rPr lang="en-US" smtClean="0"/>
+              <a:t>62</a:t>
+            </a:fld>
+            <a:endParaRPr lang="en-US"/>
+          </a:p>
+        </p:txBody>
+      </p:sp>
+    </p:spTree>
+    <p:extLst>
+      <p:ext uri="{BB962C8B-B14F-4D97-AF65-F5344CB8AC3E}">
+        <p14:creationId xmlns:p14="http://schemas.microsoft.com/office/powerpoint/2010/main" val="2020555818"/>
+      </p:ext>
+    </p:extLst>
+  </p:cSld>
+  <p:clrMapOvr>
+    <a:masterClrMapping/>
+  </p:clrMapOvr>
+</p:notes>
+</file>
+
+<file path=ppt/notesSlides/notesSlide63.xml><?xml version="1.0" encoding="utf-8"?>
+<p:notes xmlns:a="http://schemas.openxmlformats.org/drawingml/2006/main" xmlns:r="http://schemas.openxmlformats.org/officeDocument/2006/relationships" xmlns:p="http://schemas.openxmlformats.org/presentationml/2006/main">
+  <p:cSld>
+    <p:spTree>
+      <p:nvGrpSpPr>
+        <p:cNvPr id="1" name=""/>
+        <p:cNvGrpSpPr/>
+        <p:nvPr/>
+      </p:nvGrpSpPr>
+      <p:grpSpPr>
+        <a:xfrm>
+          <a:off x="0" y="0"/>
+          <a:ext cx="0" cy="0"/>
+          <a:chOff x="0" y="0"/>
+          <a:chExt cx="0" cy="0"/>
+        </a:xfrm>
+      </p:grpSpPr>
+      <p:sp>
+        <p:nvSpPr>
+          <p:cNvPr id="2" name="Slide Image Placeholder 1"/>
+          <p:cNvSpPr>
+            <a:spLocks noGrp="1" noRot="1" noChangeAspect="1"/>
+          </p:cNvSpPr>
+          <p:nvPr>
+            <p:ph type="sldImg"/>
+          </p:nvPr>
+        </p:nvSpPr>
+        <p:spPr/>
+      </p:sp>
+      <p:sp>
+        <p:nvSpPr>
+          <p:cNvPr id="3" name="Notes Placeholder 2"/>
+          <p:cNvSpPr>
+            <a:spLocks noGrp="1"/>
+          </p:cNvSpPr>
+          <p:nvPr>
+            <p:ph type="body" idx="1"/>
+          </p:nvPr>
+        </p:nvSpPr>
+        <p:spPr/>
+        <p:txBody>
+          <a:bodyPr/>
+          <a:lstStyle/>
+          <a:p>
+            <a:endParaRPr lang="en-US"/>
+          </a:p>
+        </p:txBody>
+      </p:sp>
+      <p:sp>
+        <p:nvSpPr>
+          <p:cNvPr id="4" name="Slide Number Placeholder 3"/>
+          <p:cNvSpPr>
+            <a:spLocks noGrp="1"/>
+          </p:cNvSpPr>
+          <p:nvPr>
+            <p:ph type="sldNum" sz="quarter" idx="10"/>
+          </p:nvPr>
+        </p:nvSpPr>
+        <p:spPr/>
+        <p:txBody>
+          <a:bodyPr/>
+          <a:lstStyle/>
+          <a:p>
+            <a:fld id="{6BD16A6E-B664-4EC5-B3B1-02B15797974C}" type="slidenum">
+              <a:rPr lang="en-US" smtClean="0"/>
+              <a:t>63</a:t>
+            </a:fld>
+            <a:endParaRPr lang="en-US"/>
+          </a:p>
+        </p:txBody>
+      </p:sp>
+    </p:spTree>
+    <p:extLst>
+      <p:ext uri="{BB962C8B-B14F-4D97-AF65-F5344CB8AC3E}">
+        <p14:creationId xmlns:p14="http://schemas.microsoft.com/office/powerpoint/2010/main" val="3662752439"/>
+      </p:ext>
+    </p:extLst>
+  </p:cSld>
+  <p:clrMapOvr>
+    <a:masterClrMapping/>
+  </p:clrMapOvr>
+</p:notes>
+</file>
+
+<file path=ppt/notesSlides/notesSlide64.xml><?xml version="1.0" encoding="utf-8"?>
+<p:notes xmlns:a="http://schemas.openxmlformats.org/drawingml/2006/main" xmlns:r="http://schemas.openxmlformats.org/officeDocument/2006/relationships" xmlns:p="http://schemas.openxmlformats.org/presentationml/2006/main">
+  <p:cSld>
+    <p:spTree>
+      <p:nvGrpSpPr>
+        <p:cNvPr id="1" name=""/>
+        <p:cNvGrpSpPr/>
+        <p:nvPr/>
+      </p:nvGrpSpPr>
+      <p:grpSpPr>
+        <a:xfrm>
+          <a:off x="0" y="0"/>
+          <a:ext cx="0" cy="0"/>
+          <a:chOff x="0" y="0"/>
+          <a:chExt cx="0" cy="0"/>
+        </a:xfrm>
+      </p:grpSpPr>
+      <p:sp>
+        <p:nvSpPr>
+          <p:cNvPr id="2" name="Slide Image Placeholder 1"/>
+          <p:cNvSpPr>
+            <a:spLocks noGrp="1" noRot="1" noChangeAspect="1"/>
+          </p:cNvSpPr>
+          <p:nvPr>
+            <p:ph type="sldImg"/>
+          </p:nvPr>
+        </p:nvSpPr>
+        <p:spPr/>
+      </p:sp>
+      <p:sp>
+        <p:nvSpPr>
+          <p:cNvPr id="3" name="Notes Placeholder 2"/>
+          <p:cNvSpPr>
+            <a:spLocks noGrp="1"/>
+          </p:cNvSpPr>
+          <p:nvPr>
+            <p:ph type="body" idx="1"/>
+          </p:nvPr>
+        </p:nvSpPr>
+        <p:spPr/>
+        <p:txBody>
+          <a:bodyPr/>
+          <a:lstStyle/>
+          <a:p>
+            <a:endParaRPr lang="en-US"/>
+          </a:p>
+        </p:txBody>
+      </p:sp>
+      <p:sp>
+        <p:nvSpPr>
+          <p:cNvPr id="4" name="Slide Number Placeholder 3"/>
+          <p:cNvSpPr>
+            <a:spLocks noGrp="1"/>
+          </p:cNvSpPr>
+          <p:nvPr>
+            <p:ph type="sldNum" sz="quarter" idx="10"/>
+          </p:nvPr>
+        </p:nvSpPr>
+        <p:spPr/>
+        <p:txBody>
+          <a:bodyPr/>
+          <a:lstStyle/>
+          <a:p>
+            <a:fld id="{6BD16A6E-B664-4EC5-B3B1-02B15797974C}" type="slidenum">
+              <a:rPr lang="en-US" smtClean="0"/>
+              <a:t>64</a:t>
+            </a:fld>
+            <a:endParaRPr lang="en-US"/>
+          </a:p>
+        </p:txBody>
+      </p:sp>
+    </p:spTree>
+    <p:extLst>
+      <p:ext uri="{BB962C8B-B14F-4D97-AF65-F5344CB8AC3E}">
+        <p14:creationId xmlns:p14="http://schemas.microsoft.com/office/powerpoint/2010/main" val="1884078332"/>
+      </p:ext>
+    </p:extLst>
+  </p:cSld>
+  <p:clrMapOvr>
+    <a:masterClrMapping/>
+  </p:clrMapOvr>
+</p:notes>
+</file>
+
+<file path=ppt/notesSlides/notesSlide65.xml><?xml version="1.0" encoding="utf-8"?>
+<p:notes xmlns:a="http://schemas.openxmlformats.org/drawingml/2006/main" xmlns:r="http://schemas.openxmlformats.org/officeDocument/2006/relationships" xmlns:p="http://schemas.openxmlformats.org/presentationml/2006/main">
+  <p:cSld>
+    <p:spTree>
+      <p:nvGrpSpPr>
+        <p:cNvPr id="1" name=""/>
+        <p:cNvGrpSpPr/>
+        <p:nvPr/>
+      </p:nvGrpSpPr>
+      <p:grpSpPr>
+        <a:xfrm>
+          <a:off x="0" y="0"/>
+          <a:ext cx="0" cy="0"/>
+          <a:chOff x="0" y="0"/>
+          <a:chExt cx="0" cy="0"/>
+        </a:xfrm>
+      </p:grpSpPr>
+      <p:sp>
+        <p:nvSpPr>
+          <p:cNvPr id="2" name="Slide Image Placeholder 1"/>
+          <p:cNvSpPr>
+            <a:spLocks noGrp="1" noRot="1" noChangeAspect="1"/>
+          </p:cNvSpPr>
+          <p:nvPr>
+            <p:ph type="sldImg"/>
+          </p:nvPr>
+        </p:nvSpPr>
+        <p:spPr/>
+      </p:sp>
+      <p:sp>
+        <p:nvSpPr>
+          <p:cNvPr id="3" name="Notes Placeholder 2"/>
+          <p:cNvSpPr>
+            <a:spLocks noGrp="1"/>
+          </p:cNvSpPr>
+          <p:nvPr>
+            <p:ph type="body" idx="1"/>
+          </p:nvPr>
+        </p:nvSpPr>
+        <p:spPr/>
+        <p:txBody>
+          <a:bodyPr/>
+          <a:lstStyle/>
+          <a:p>
+            <a:endParaRPr lang="en-US"/>
+          </a:p>
+        </p:txBody>
+      </p:sp>
+      <p:sp>
+        <p:nvSpPr>
+          <p:cNvPr id="4" name="Slide Number Placeholder 3"/>
+          <p:cNvSpPr>
+            <a:spLocks noGrp="1"/>
+          </p:cNvSpPr>
+          <p:nvPr>
+            <p:ph type="sldNum" sz="quarter" idx="10"/>
+          </p:nvPr>
+        </p:nvSpPr>
+        <p:spPr/>
+        <p:txBody>
+          <a:bodyPr/>
+          <a:lstStyle/>
+          <a:p>
+            <a:fld id="{6BD16A6E-B664-4EC5-B3B1-02B15797974C}" type="slidenum">
+              <a:rPr lang="en-US" smtClean="0"/>
+              <a:t>65</a:t>
+            </a:fld>
+            <a:endParaRPr lang="en-US"/>
+          </a:p>
+        </p:txBody>
+      </p:sp>
+    </p:spTree>
+    <p:extLst>
+      <p:ext uri="{BB962C8B-B14F-4D97-AF65-F5344CB8AC3E}">
+        <p14:creationId xmlns:p14="http://schemas.microsoft.com/office/powerpoint/2010/main" val="342663674"/>
+      </p:ext>
+    </p:extLst>
+  </p:cSld>
+  <p:clrMapOvr>
+    <a:masterClrMapping/>
+  </p:clrMapOvr>
+</p:notes>
+</file>
+
+<file path=ppt/notesSlides/notesSlide66.xml><?xml version="1.0" encoding="utf-8"?>
+<p:notes xmlns:a="http://schemas.openxmlformats.org/drawingml/2006/main" xmlns:r="http://schemas.openxmlformats.org/officeDocument/2006/relationships" xmlns:p="http://schemas.openxmlformats.org/presentationml/2006/main">
+  <p:cSld>
+    <p:spTree>
+      <p:nvGrpSpPr>
+        <p:cNvPr id="1" name=""/>
+        <p:cNvGrpSpPr/>
+        <p:nvPr/>
+      </p:nvGrpSpPr>
+      <p:grpSpPr>
+        <a:xfrm>
+          <a:off x="0" y="0"/>
+          <a:ext cx="0" cy="0"/>
+          <a:chOff x="0" y="0"/>
+          <a:chExt cx="0" cy="0"/>
+        </a:xfrm>
+      </p:grpSpPr>
+      <p:sp>
+        <p:nvSpPr>
+          <p:cNvPr id="2" name="Slide Image Placeholder 1"/>
+          <p:cNvSpPr>
+            <a:spLocks noGrp="1" noRot="1" noChangeAspect="1"/>
+          </p:cNvSpPr>
+          <p:nvPr>
+            <p:ph type="sldImg"/>
+          </p:nvPr>
+        </p:nvSpPr>
+        <p:spPr/>
+      </p:sp>
+      <p:sp>
+        <p:nvSpPr>
+          <p:cNvPr id="3" name="Notes Placeholder 2"/>
+          <p:cNvSpPr>
+            <a:spLocks noGrp="1"/>
+          </p:cNvSpPr>
+          <p:nvPr>
+            <p:ph type="body" idx="1"/>
+          </p:nvPr>
+        </p:nvSpPr>
+        <p:spPr/>
+        <p:txBody>
+          <a:bodyPr/>
+          <a:lstStyle/>
+          <a:p>
+            <a:endParaRPr lang="en-US"/>
+          </a:p>
+        </p:txBody>
+      </p:sp>
+      <p:sp>
+        <p:nvSpPr>
+          <p:cNvPr id="4" name="Slide Number Placeholder 3"/>
+          <p:cNvSpPr>
+            <a:spLocks noGrp="1"/>
+          </p:cNvSpPr>
+          <p:nvPr>
+            <p:ph type="sldNum" sz="quarter" idx="10"/>
+          </p:nvPr>
+        </p:nvSpPr>
+        <p:spPr/>
+        <p:txBody>
+          <a:bodyPr/>
+          <a:lstStyle/>
+          <a:p>
+            <a:fld id="{6BD16A6E-B664-4EC5-B3B1-02B15797974C}" type="slidenum">
+              <a:rPr lang="en-US" smtClean="0"/>
+              <a:t>66</a:t>
+            </a:fld>
+            <a:endParaRPr lang="en-US"/>
+          </a:p>
+        </p:txBody>
+      </p:sp>
+    </p:spTree>
+    <p:extLst>
+      <p:ext uri="{BB962C8B-B14F-4D97-AF65-F5344CB8AC3E}">
+        <p14:creationId xmlns:p14="http://schemas.microsoft.com/office/powerpoint/2010/main" val="124359088"/>
+      </p:ext>
+    </p:extLst>
+  </p:cSld>
+  <p:clrMapOvr>
+    <a:masterClrMapping/>
+  </p:clrMapOvr>
+</p:notes>
+</file>
+
+<file path=ppt/notesSlides/notesSlide67.xml><?xml version="1.0" encoding="utf-8"?>
+<p:notes xmlns:a="http://schemas.openxmlformats.org/drawingml/2006/main" xmlns:r="http://schemas.openxmlformats.org/officeDocument/2006/relationships" xmlns:p="http://schemas.openxmlformats.org/presentationml/2006/main">
+  <p:cSld>
+    <p:spTree>
+      <p:nvGrpSpPr>
+        <p:cNvPr id="1" name=""/>
+        <p:cNvGrpSpPr/>
+        <p:nvPr/>
+      </p:nvGrpSpPr>
+      <p:grpSpPr>
+        <a:xfrm>
+          <a:off x="0" y="0"/>
+          <a:ext cx="0" cy="0"/>
+          <a:chOff x="0" y="0"/>
+          <a:chExt cx="0" cy="0"/>
+        </a:xfrm>
+      </p:grpSpPr>
+      <p:sp>
+        <p:nvSpPr>
+          <p:cNvPr id="2" name="Slide Image Placeholder 1"/>
+          <p:cNvSpPr>
+            <a:spLocks noGrp="1" noRot="1" noChangeAspect="1"/>
+          </p:cNvSpPr>
+          <p:nvPr>
+            <p:ph type="sldImg"/>
+          </p:nvPr>
+        </p:nvSpPr>
+        <p:spPr/>
+      </p:sp>
+      <p:sp>
+        <p:nvSpPr>
+          <p:cNvPr id="3" name="Notes Placeholder 2"/>
+          <p:cNvSpPr>
+            <a:spLocks noGrp="1"/>
+          </p:cNvSpPr>
+          <p:nvPr>
+            <p:ph type="body" idx="1"/>
+          </p:nvPr>
+        </p:nvSpPr>
+        <p:spPr/>
+        <p:txBody>
+          <a:bodyPr/>
+          <a:lstStyle/>
+          <a:p>
+            <a:endParaRPr lang="en-US"/>
+          </a:p>
+        </p:txBody>
+      </p:sp>
+      <p:sp>
+        <p:nvSpPr>
+          <p:cNvPr id="4" name="Slide Number Placeholder 3"/>
+          <p:cNvSpPr>
+            <a:spLocks noGrp="1"/>
+          </p:cNvSpPr>
+          <p:nvPr>
+            <p:ph type="sldNum" sz="quarter" idx="10"/>
+          </p:nvPr>
+        </p:nvSpPr>
+        <p:spPr/>
+        <p:txBody>
+          <a:bodyPr/>
+          <a:lstStyle/>
+          <a:p>
+            <a:fld id="{6BD16A6E-B664-4EC5-B3B1-02B15797974C}" type="slidenum">
+              <a:rPr lang="en-US" smtClean="0"/>
+              <a:t>67</a:t>
+            </a:fld>
+            <a:endParaRPr lang="en-US"/>
+          </a:p>
+        </p:txBody>
+      </p:sp>
+    </p:spTree>
+    <p:extLst>
+      <p:ext uri="{BB962C8B-B14F-4D97-AF65-F5344CB8AC3E}">
+        <p14:creationId xmlns:p14="http://schemas.microsoft.com/office/powerpoint/2010/main" val="1553071934"/>
+      </p:ext>
+    </p:extLst>
+  </p:cSld>
+  <p:clrMapOvr>
+    <a:masterClrMapping/>
+  </p:clrMapOvr>
+</p:notes>
+</file>
+
+<file path=ppt/notesSlides/notesSlide68.xml><?xml version="1.0" encoding="utf-8"?>
+<p:notes xmlns:a="http://schemas.openxmlformats.org/drawingml/2006/main" xmlns:r="http://schemas.openxmlformats.org/officeDocument/2006/relationships" xmlns:p="http://schemas.openxmlformats.org/presentationml/2006/main">
+  <p:cSld>
+    <p:spTree>
+      <p:nvGrpSpPr>
+        <p:cNvPr id="1" name=""/>
+        <p:cNvGrpSpPr/>
+        <p:nvPr/>
+      </p:nvGrpSpPr>
+      <p:grpSpPr>
+        <a:xfrm>
+          <a:off x="0" y="0"/>
+          <a:ext cx="0" cy="0"/>
+          <a:chOff x="0" y="0"/>
+          <a:chExt cx="0" cy="0"/>
+        </a:xfrm>
+      </p:grpSpPr>
+      <p:sp>
+        <p:nvSpPr>
+          <p:cNvPr id="2" name="Slide Image Placeholder 1"/>
+          <p:cNvSpPr>
+            <a:spLocks noGrp="1" noRot="1" noChangeAspect="1"/>
+          </p:cNvSpPr>
+          <p:nvPr>
+            <p:ph type="sldImg"/>
+          </p:nvPr>
+        </p:nvSpPr>
+        <p:spPr/>
+      </p:sp>
+      <p:sp>
+        <p:nvSpPr>
+          <p:cNvPr id="3" name="Notes Placeholder 2"/>
+          <p:cNvSpPr>
+            <a:spLocks noGrp="1"/>
+          </p:cNvSpPr>
+          <p:nvPr>
+            <p:ph type="body" idx="1"/>
+          </p:nvPr>
+        </p:nvSpPr>
+        <p:spPr/>
+        <p:txBody>
+          <a:bodyPr/>
+          <a:lstStyle/>
+          <a:p>
+            <a:endParaRPr lang="en-US"/>
+          </a:p>
+        </p:txBody>
+      </p:sp>
+      <p:sp>
+        <p:nvSpPr>
+          <p:cNvPr id="4" name="Slide Number Placeholder 3"/>
+          <p:cNvSpPr>
+            <a:spLocks noGrp="1"/>
+          </p:cNvSpPr>
+          <p:nvPr>
+            <p:ph type="sldNum" sz="quarter" idx="10"/>
+          </p:nvPr>
+        </p:nvSpPr>
+        <p:spPr/>
+        <p:txBody>
+          <a:bodyPr/>
+          <a:lstStyle/>
+          <a:p>
+            <a:fld id="{6BD16A6E-B664-4EC5-B3B1-02B15797974C}" type="slidenum">
+              <a:rPr lang="en-US" smtClean="0"/>
+              <a:t>68</a:t>
+            </a:fld>
+            <a:endParaRPr lang="en-US"/>
+          </a:p>
+        </p:txBody>
+      </p:sp>
+    </p:spTree>
+    <p:extLst>
+      <p:ext uri="{BB962C8B-B14F-4D97-AF65-F5344CB8AC3E}">
+        <p14:creationId xmlns:p14="http://schemas.microsoft.com/office/powerpoint/2010/main" val="269911422"/>
       </p:ext>
     </p:extLst>
   </p:cSld>
@@ -3307,10 +6673,7 @@
           <a:bodyPr/>
           <a:lstStyle/>
           <a:p>
-            <a:r>
-              <a:rPr lang="en-US" dirty="0"/>
-              <a:t>Image from: http://www.clipartbest.com/clipart-RcAKk57cL</a:t>
-            </a:r>
+            <a:endParaRPr lang="en-US"/>
           </a:p>
         </p:txBody>
       </p:sp>
@@ -3329,9 +6692,9 @@
           <a:bodyPr/>
           <a:lstStyle/>
           <a:p>
-            <a:fld id="{24099F10-DAD4-4CE4-B7F1-C20EFD2F831B}" type="slidenum">
-              <a:rPr lang="en-US" smtClean="0"/>
-              <a:t>28</a:t>
+            <a:fld id="{6BD16A6E-B664-4EC5-B3B1-02B15797974C}" type="slidenum">
+              <a:rPr lang="en-US"/>
+              <a:t>7</a:t>
             </a:fld>
             <a:endParaRPr lang="en-US"/>
           </a:p>
@@ -3340,7 +6703,7 @@
     </p:spTree>
     <p:extLst>
       <p:ext uri="{BB962C8B-B14F-4D97-AF65-F5344CB8AC3E}">
-        <p14:creationId xmlns:p14="http://schemas.microsoft.com/office/powerpoint/2010/main" val="2152791924"/>
+        <p14:creationId xmlns:p14="http://schemas.microsoft.com/office/powerpoint/2010/main" val="3437107532"/>
       </p:ext>
     </p:extLst>
   </p:cSld>
@@ -3394,10 +6757,7 @@
           <a:bodyPr/>
           <a:lstStyle/>
           <a:p>
-            <a:r>
-              <a:rPr lang="en-US" dirty="0"/>
-              <a:t>Image from: http://www.clipartbest.com/clipart-4T9LKEBXc</a:t>
-            </a:r>
+            <a:endParaRPr lang="en-US"/>
           </a:p>
         </p:txBody>
       </p:sp>
@@ -3416,9 +6776,9 @@
           <a:bodyPr/>
           <a:lstStyle/>
           <a:p>
-            <a:fld id="{24099F10-DAD4-4CE4-B7F1-C20EFD2F831B}" type="slidenum">
+            <a:fld id="{6BD16A6E-B664-4EC5-B3B1-02B15797974C}" type="slidenum">
               <a:rPr lang="en-US" smtClean="0"/>
-              <a:t>29</a:t>
+              <a:t>8</a:t>
             </a:fld>
             <a:endParaRPr lang="en-US"/>
           </a:p>
@@ -3427,7 +6787,7 @@
     </p:spTree>
     <p:extLst>
       <p:ext uri="{BB962C8B-B14F-4D97-AF65-F5344CB8AC3E}">
-        <p14:creationId xmlns:p14="http://schemas.microsoft.com/office/powerpoint/2010/main" val="3980776865"/>
+        <p14:creationId xmlns:p14="http://schemas.microsoft.com/office/powerpoint/2010/main" val="506372550"/>
       </p:ext>
     </p:extLst>
   </p:cSld>
@@ -3481,7 +6841,7 @@
           <a:bodyPr/>
           <a:lstStyle/>
           <a:p>
-            <a:endParaRPr lang="en-US" dirty="0"/>
+            <a:endParaRPr lang="en-US"/>
           </a:p>
         </p:txBody>
       </p:sp>
@@ -3500,9 +6860,9 @@
           <a:bodyPr/>
           <a:lstStyle/>
           <a:p>
-            <a:fld id="{24099F10-DAD4-4CE4-B7F1-C20EFD2F831B}" type="slidenum">
+            <a:fld id="{6BD16A6E-B664-4EC5-B3B1-02B15797974C}" type="slidenum">
               <a:rPr lang="en-US" smtClean="0"/>
-              <a:t>30</a:t>
+              <a:t>9</a:t>
             </a:fld>
             <a:endParaRPr lang="en-US"/>
           </a:p>
@@ -3511,7 +6871,7 @@
     </p:spTree>
     <p:extLst>
       <p:ext uri="{BB962C8B-B14F-4D97-AF65-F5344CB8AC3E}">
-        <p14:creationId xmlns:p14="http://schemas.microsoft.com/office/powerpoint/2010/main" val="2854202740"/>
+        <p14:creationId xmlns:p14="http://schemas.microsoft.com/office/powerpoint/2010/main" val="867739608"/>
       </p:ext>
     </p:extLst>
   </p:cSld>
@@ -3905,7 +7265,7 @@
           <a:p>
             <a:fld id="{8986A55C-383D-4E58-8B83-3E04AAA5FB99}" type="datetimeFigureOut">
               <a:rPr lang="en-US" smtClean="0"/>
-              <a:t>7/20/2018</a:t>
+              <a:t>7/22/2018</a:t>
             </a:fld>
             <a:endParaRPr lang="en-US"/>
           </a:p>
@@ -4104,7 +7464,7 @@
           <a:p>
             <a:fld id="{8986A55C-383D-4E58-8B83-3E04AAA5FB99}" type="datetimeFigureOut">
               <a:rPr lang="en-US" smtClean="0"/>
-              <a:t>7/20/2018</a:t>
+              <a:t>7/22/2018</a:t>
             </a:fld>
             <a:endParaRPr lang="en-US"/>
           </a:p>
@@ -4297,7 +7657,7 @@
           <a:p>
             <a:fld id="{8986A55C-383D-4E58-8B83-3E04AAA5FB99}" type="datetimeFigureOut">
               <a:rPr lang="en-US" smtClean="0"/>
-              <a:t>7/20/2018</a:t>
+              <a:t>7/22/2018</a:t>
             </a:fld>
             <a:endParaRPr lang="en-US"/>
           </a:p>
@@ -4770,7 +8130,7 @@
           <a:p>
             <a:fld id="{8986A55C-383D-4E58-8B83-3E04AAA5FB99}" type="datetimeFigureOut">
               <a:rPr lang="en-US" smtClean="0"/>
-              <a:t>7/20/2018</a:t>
+              <a:t>7/22/2018</a:t>
             </a:fld>
             <a:endParaRPr lang="en-US"/>
           </a:p>
@@ -5229,7 +8589,7 @@
           <a:p>
             <a:fld id="{8986A55C-383D-4E58-8B83-3E04AAA5FB99}" type="datetimeFigureOut">
               <a:rPr lang="en-US" smtClean="0"/>
-              <a:t>7/20/2018</a:t>
+              <a:t>7/22/2018</a:t>
             </a:fld>
             <a:endParaRPr lang="en-US"/>
           </a:p>
@@ -5366,7 +8726,7 @@
           <a:p>
             <a:fld id="{8986A55C-383D-4E58-8B83-3E04AAA5FB99}" type="datetimeFigureOut">
               <a:rPr lang="en-US" smtClean="0"/>
-              <a:t>7/20/2018</a:t>
+              <a:t>7/22/2018</a:t>
             </a:fld>
             <a:endParaRPr lang="en-US"/>
           </a:p>
@@ -5480,7 +8840,7 @@
           <a:p>
             <a:fld id="{8986A55C-383D-4E58-8B83-3E04AAA5FB99}" type="datetimeFigureOut">
               <a:rPr lang="en-US" smtClean="0"/>
-              <a:t>7/20/2018</a:t>
+              <a:t>7/22/2018</a:t>
             </a:fld>
             <a:endParaRPr lang="en-US"/>
           </a:p>
@@ -5783,7 +9143,7 @@
           <a:p>
             <a:fld id="{8986A55C-383D-4E58-8B83-3E04AAA5FB99}" type="datetimeFigureOut">
               <a:rPr lang="en-US" smtClean="0"/>
-              <a:t>7/20/2018</a:t>
+              <a:t>7/22/2018</a:t>
             </a:fld>
             <a:endParaRPr lang="en-US"/>
           </a:p>
@@ -6115,7 +9475,7 @@
           <a:p>
             <a:fld id="{8986A55C-383D-4E58-8B83-3E04AAA5FB99}" type="datetimeFigureOut">
               <a:rPr lang="en-US" smtClean="0"/>
-              <a:t>7/20/2018</a:t>
+              <a:t>7/22/2018</a:t>
             </a:fld>
             <a:endParaRPr lang="en-US"/>
           </a:p>
@@ -6347,7 +9707,7 @@
           <a:p>
             <a:fld id="{8986A55C-383D-4E58-8B83-3E04AAA5FB99}" type="datetimeFigureOut">
               <a:rPr lang="en-US" smtClean="0"/>
-              <a:t>7/20/2018</a:t>
+              <a:t>7/22/2018</a:t>
             </a:fld>
             <a:endParaRPr lang="en-US"/>
           </a:p>
@@ -6790,7 +10150,7 @@
   </p:txStyles>
   <p:extLst mod="1">
     <p:ext uri="{27BBF7A9-308A-43DC-89C8-2F10F3537804}">
-      <p15:sldGuideLst xmlns="" xmlns:p15="http://schemas.microsoft.com/office/powerpoint/2012/main">
+      <p15:sldGuideLst xmlns:p15="http://schemas.microsoft.com/office/powerpoint/2012/main" xmlns="">
         <p15:guide id="1" orient="horz" pos="2160">
           <p15:clr>
             <a:srgbClr val="F26B43"/>
@@ -6884,7 +10244,7 @@
         </p:spPr>
         <p:txBody>
           <a:bodyPr>
-            <a:normAutofit lnSpcReduction="10000"/>
+            <a:normAutofit fontScale="92500" lnSpcReduction="10000"/>
           </a:bodyPr>
           <a:lstStyle/>
           <a:p>
@@ -6911,29 +10271,66 @@
             </a:r>
             <a:r>
               <a:rPr lang="en-US" dirty="0" smtClean="0"/>
-              <a:t>H. Paul Haiduk</a:t>
+              <a:t>H. Paul </a:t>
+            </a:r>
+            <a:r>
+              <a:rPr lang="en-US" dirty="0" smtClean="0"/>
+              <a:t>Haiduk			David </a:t>
+            </a:r>
+            <a:r>
+              <a:rPr lang="en-US" dirty="0" err="1" smtClean="0"/>
+              <a:t>Kossey</a:t>
+            </a:r>
+            <a:r>
+              <a:rPr lang="en-US" dirty="0" smtClean="0"/>
+              <a:t/>
             </a:r>
             <a:br>
               <a:rPr lang="en-US" dirty="0" smtClean="0"/>
             </a:br>
             <a:r>
               <a:rPr lang="en-US" dirty="0" smtClean="0"/>
-              <a:t>	Computer Science Coordinator</a:t>
-            </a:r>
-            <a:br>
+              <a:t>	Computer Science </a:t>
+            </a:r>
+            <a:r>
               <a:rPr lang="en-US" dirty="0" smtClean="0"/>
-            </a:br>
+              <a:t>Coordinator	Computer Science/Robotics/Math</a:t>
+            </a:r>
             <a:r>
               <a:rPr lang="en-US" dirty="0" smtClean="0"/>
-              <a:t>	West Texas A&amp;M University</a:t>
-            </a:r>
-            <a:br>
+              <a:t>	West Texas A&amp;M </a:t>
+            </a:r>
+            <a:r>
               <a:rPr lang="en-US" dirty="0" smtClean="0"/>
-            </a:br>
+              <a:t>University		West Texas </a:t>
+            </a:r>
+            <a:r>
+              <a:rPr lang="en-US" smtClean="0"/>
+              <a:t>High School</a:t>
+            </a:r>
             <a:r>
               <a:rPr lang="en-US" dirty="0" smtClean="0"/>
-              <a:t>	hhaiduk@wtamu.edu</a:t>
-            </a:r>
+              <a:t>	</a:t>
+            </a:r>
+            <a:r>
+              <a:rPr lang="en-US" dirty="0" smtClean="0">
+                <a:hlinkClick r:id="rId3"/>
+              </a:rPr>
+              <a:t>hhaiduk@wtamu.edu</a:t>
+            </a:r>
+            <a:r>
+              <a:rPr lang="en-US" dirty="0"/>
+              <a:t>			</a:t>
+            </a:r>
+            <a:r>
+              <a:rPr lang="en-US" dirty="0" smtClean="0">
+                <a:hlinkClick r:id="rId4"/>
+              </a:rPr>
+              <a:t>david.kossey@pspcisd.net</a:t>
+            </a:r>
+            <a:endParaRPr lang="en-US" dirty="0" smtClean="0"/>
+          </a:p>
+          <a:p>
             <a:endParaRPr lang="en-US" dirty="0"/>
           </a:p>
         </p:txBody>
@@ -7046,7 +10443,7 @@
             </a:r>
             <a:r>
               <a:rPr lang="en-US" sz="2000" dirty="0">
-                <a:hlinkClick r:id="rId2"/>
+                <a:hlinkClick r:id="rId3"/>
               </a:rPr>
               <a:t>http://scratch.mit.edu/</a:t>
             </a:r>
@@ -7251,7 +10648,7 @@
             </a:r>
             <a:r>
               <a:rPr lang="en-US" sz="2000" dirty="0">
-                <a:hlinkClick r:id="rId2"/>
+                <a:hlinkClick r:id="rId3"/>
               </a:rPr>
               <a:t>http://scratch.mit.edu/</a:t>
             </a:r>
@@ -7377,6 +10774,13 @@
       </p:transition>
     </mc:Fallback>
   </mc:AlternateContent>
+  <p:timing>
+    <p:tnLst>
+      <p:par>
+        <p:cTn id="1" dur="indefinite" restart="never" nodeType="tmRoot"/>
+      </p:par>
+    </p:tnLst>
+  </p:timing>
 </p:sld>
 </file>
 
@@ -7466,7 +10870,7 @@
             </a:r>
             <a:r>
               <a:rPr lang="en-US" dirty="0" err="1">
-                <a:hlinkClick r:id="rId2"/>
+                <a:hlinkClick r:id="rId3"/>
               </a:rPr>
               <a:t>ScratchEd</a:t>
             </a:r>
@@ -7478,7 +10882,7 @@
           <a:p>
             <a:r>
               <a:rPr lang="en-US" dirty="0">
-                <a:hlinkClick r:id="rId3"/>
+                <a:hlinkClick r:id="rId4"/>
               </a:rPr>
               <a:t>Creative Computing Workshop</a:t>
             </a:r>
@@ -7490,7 +10894,7 @@
           <a:p>
             <a:r>
               <a:rPr lang="en-US" dirty="0">
-                <a:hlinkClick r:id="rId4"/>
+                <a:hlinkClick r:id="rId5"/>
               </a:rPr>
               <a:t>Scratch Day</a:t>
             </a:r>
@@ -7667,7 +11071,7 @@
           <p:nvPr/>
         </p:nvPicPr>
         <p:blipFill>
-          <a:blip r:embed="rId2">
+          <a:blip r:embed="rId3">
             <a:extLst>
               <a:ext uri="{28A0092B-C50C-407E-A947-70E740481C1C}">
                 <a14:useLocalDpi xmlns:a14="http://schemas.microsoft.com/office/drawing/2010/main" val="0"/>
@@ -8146,6 +11550,13 @@
       </p:transition>
     </mc:Fallback>
   </mc:AlternateContent>
+  <p:timing>
+    <p:tnLst>
+      <p:par>
+        <p:cTn id="1" dur="indefinite" restart="never" nodeType="tmRoot"/>
+      </p:par>
+    </p:tnLst>
+  </p:timing>
 </p:sld>
 </file>
 
@@ -9856,7 +13267,7 @@
           <p:nvPr/>
         </p:nvPicPr>
         <p:blipFill>
-          <a:blip r:embed="rId2">
+          <a:blip r:embed="rId3">
             <a:extLst>
               <a:ext uri="{28A0092B-C50C-407E-A947-70E740481C1C}">
                 <a14:useLocalDpi xmlns:a14="http://schemas.microsoft.com/office/drawing/2010/main" val="0"/>
@@ -9952,7 +13363,7 @@
           <p:nvPr/>
         </p:nvPicPr>
         <p:blipFill>
-          <a:blip r:embed="rId2"/>
+          <a:blip r:embed="rId3"/>
           <a:stretch>
             <a:fillRect/>
           </a:stretch>
@@ -10292,7 +13703,7 @@
           <p:nvPr/>
         </p:nvPicPr>
         <p:blipFill>
-          <a:blip r:embed="rId2"/>
+          <a:blip r:embed="rId3"/>
           <a:stretch>
             <a:fillRect/>
           </a:stretch>
@@ -10316,7 +13727,7 @@
           <p:nvPr/>
         </p:nvPicPr>
         <p:blipFill>
-          <a:blip r:embed="rId3"/>
+          <a:blip r:embed="rId4"/>
           <a:stretch>
             <a:fillRect/>
           </a:stretch>
@@ -10409,7 +13820,7 @@
           <p:nvPr/>
         </p:nvPicPr>
         <p:blipFill>
-          <a:blip r:embed="rId2">
+          <a:blip r:embed="rId3">
             <a:extLst>
               <a:ext uri="{28A0092B-C50C-407E-A947-70E740481C1C}">
                 <a14:useLocalDpi xmlns:a14="http://schemas.microsoft.com/office/drawing/2010/main" val="0"/>
@@ -10872,7 +14283,7 @@
           <p:nvPr/>
         </p:nvPicPr>
         <p:blipFill>
-          <a:blip r:embed="rId2"/>
+          <a:blip r:embed="rId3"/>
           <a:stretch>
             <a:fillRect/>
           </a:stretch>
@@ -11062,7 +14473,7 @@
           <p:nvPr/>
         </p:nvPicPr>
         <p:blipFill>
-          <a:blip r:embed="rId2"/>
+          <a:blip r:embed="rId3"/>
           <a:stretch>
             <a:fillRect/>
           </a:stretch>
@@ -11667,7 +15078,7 @@
           </p:nvPr>
         </p:nvPicPr>
         <p:blipFill>
-          <a:blip r:embed="rId2">
+          <a:blip r:embed="rId3">
             <a:extLst>
               <a:ext uri="{28A0092B-C50C-407E-A947-70E740481C1C}">
                 <a14:useLocalDpi xmlns:a14="http://schemas.microsoft.com/office/drawing/2010/main" val="0"/>
@@ -13426,7 +16837,7 @@
           <p:nvPr/>
         </p:nvPicPr>
         <p:blipFill>
-          <a:blip r:embed="rId2"/>
+          <a:blip r:embed="rId3"/>
           <a:stretch>
             <a:fillRect/>
           </a:stretch>
@@ -13810,7 +17221,7 @@
           <p:nvPr/>
         </p:nvPicPr>
         <p:blipFill>
-          <a:blip r:embed="rId2"/>
+          <a:blip r:embed="rId3"/>
           <a:stretch>
             <a:fillRect/>
           </a:stretch>
@@ -13985,7 +17396,7 @@
           <p:nvPr/>
         </p:nvPicPr>
         <p:blipFill>
-          <a:blip r:embed="rId2"/>
+          <a:blip r:embed="rId3"/>
           <a:stretch>
             <a:fillRect/>
           </a:stretch>
@@ -16659,7 +20070,7 @@
           <p:nvPr/>
         </p:nvPicPr>
         <p:blipFill>
-          <a:blip r:embed="rId2">
+          <a:blip r:embed="rId3">
             <a:extLst>
               <a:ext uri="{28A0092B-C50C-407E-A947-70E740481C1C}">
                 <a14:useLocalDpi xmlns:a14="http://schemas.microsoft.com/office/drawing/2010/main" val="0"/>
@@ -18873,6 +22284,13 @@
       </p:transition>
     </mc:Fallback>
   </mc:AlternateContent>
+  <p:timing>
+    <p:tnLst>
+      <p:par>
+        <p:cTn id="1" dur="indefinite" restart="never" nodeType="tmRoot"/>
+      </p:par>
+    </p:tnLst>
+  </p:timing>
 </p:sld>
 </file>
 
@@ -20146,14 +23564,14 @@
                 <a:gridCol w="1266825">
                   <a:extLst>
                     <a:ext uri="{9D8B030D-6E8A-4147-A177-3AD203B41FA5}">
-                      <a16:colId xmlns="" xmlns:a16="http://schemas.microsoft.com/office/drawing/2014/main" val="20000"/>
+                      <a16:colId xmlns:a16="http://schemas.microsoft.com/office/drawing/2014/main" xmlns="" val="20000"/>
                     </a:ext>
                   </a:extLst>
                 </a:gridCol>
                 <a:gridCol w="5408295">
                   <a:extLst>
                     <a:ext uri="{9D8B030D-6E8A-4147-A177-3AD203B41FA5}">
-                      <a16:colId xmlns="" xmlns:a16="http://schemas.microsoft.com/office/drawing/2014/main" val="20001"/>
+                      <a16:colId xmlns:a16="http://schemas.microsoft.com/office/drawing/2014/main" xmlns="" val="20001"/>
                     </a:ext>
                   </a:extLst>
                 </a:gridCol>
@@ -20193,7 +23611,7 @@
                 </a:tc>
                 <a:extLst>
                   <a:ext uri="{0D108BD9-81ED-4DB2-BD59-A6C34878D82A}">
-                    <a16:rowId xmlns="" xmlns:a16="http://schemas.microsoft.com/office/drawing/2014/main" val="10000"/>
+                    <a16:rowId xmlns:a16="http://schemas.microsoft.com/office/drawing/2014/main" xmlns="" val="10000"/>
                   </a:ext>
                 </a:extLst>
               </a:tr>
@@ -20244,7 +23662,7 @@
                 </a:tc>
                 <a:extLst>
                   <a:ext uri="{0D108BD9-81ED-4DB2-BD59-A6C34878D82A}">
-                    <a16:rowId xmlns="" xmlns:a16="http://schemas.microsoft.com/office/drawing/2014/main" val="10001"/>
+                    <a16:rowId xmlns:a16="http://schemas.microsoft.com/office/drawing/2014/main" xmlns="" val="10001"/>
                   </a:ext>
                 </a:extLst>
               </a:tr>
@@ -20306,7 +23724,7 @@
                 </a:tc>
                 <a:extLst>
                   <a:ext uri="{0D108BD9-81ED-4DB2-BD59-A6C34878D82A}">
-                    <a16:rowId xmlns="" xmlns:a16="http://schemas.microsoft.com/office/drawing/2014/main" val="10002"/>
+                    <a16:rowId xmlns:a16="http://schemas.microsoft.com/office/drawing/2014/main" xmlns="" val="10002"/>
                   </a:ext>
                 </a:extLst>
               </a:tr>
@@ -24937,7 +28355,7 @@
           <p:nvPr/>
         </p:nvPicPr>
         <p:blipFill>
-          <a:blip r:embed="rId2">
+          <a:blip r:embed="rId3">
             <a:extLst>
               <a:ext uri="{28A0092B-C50C-407E-A947-70E740481C1C}">
                 <a14:useLocalDpi xmlns:a14="http://schemas.microsoft.com/office/drawing/2010/main" val="0"/>
@@ -25063,7 +28481,7 @@
           </p:nvPr>
         </p:nvPicPr>
         <p:blipFill>
-          <a:blip r:embed="rId2">
+          <a:blip r:embed="rId3">
             <a:extLst>
               <a:ext uri="{28A0092B-C50C-407E-A947-70E740481C1C}">
                 <a14:useLocalDpi xmlns:a14="http://schemas.microsoft.com/office/drawing/2010/main" val="0"/>
@@ -25903,7 +29321,7 @@
           </p:nvPr>
         </p:nvPicPr>
         <p:blipFill>
-          <a:blip r:embed="rId2">
+          <a:blip r:embed="rId3">
             <a:extLst>
               <a:ext uri="{28A0092B-C50C-407E-A947-70E740481C1C}">
                 <a14:useLocalDpi xmlns:a14="http://schemas.microsoft.com/office/drawing/2010/main" val="0"/>
@@ -26152,58 +29570,86 @@
             </a:r>
           </a:p>
           <a:p>
+            <a:r>
+              <a:rPr lang="en-US" dirty="0"/>
+              <a:t>Presented by:</a:t>
+            </a:r>
+          </a:p>
+          <a:p>
+            <a:r>
+              <a:rPr lang="en-US" dirty="0"/>
+              <a:t>	H. Paul Haiduk			David </a:t>
+            </a:r>
+            <a:r>
+              <a:rPr lang="en-US" dirty="0" err="1"/>
+              <a:t>Kossey</a:t>
+            </a:r>
+            <a:r>
+              <a:rPr lang="en-US" dirty="0"/>
+              <a:t/>
+            </a:r>
+            <a:br>
+              <a:rPr lang="en-US" dirty="0"/>
+            </a:br>
+            <a:r>
+              <a:rPr lang="en-US" dirty="0"/>
+              <a:t>	Computer Science Coordinator	</a:t>
+            </a:r>
+            <a:r>
+              <a:rPr lang="en-US" dirty="0" smtClean="0"/>
+              <a:t>Computer </a:t>
+            </a:r>
+            <a:r>
+              <a:rPr lang="en-US" dirty="0"/>
+              <a:t>Science/Robotics/Math</a:t>
+            </a:r>
+            <a:br>
+              <a:rPr lang="en-US" dirty="0"/>
+            </a:br>
+            <a:r>
+              <a:rPr lang="en-US" dirty="0"/>
+              <a:t>	West Texas A&amp;M </a:t>
+            </a:r>
+            <a:r>
+              <a:rPr lang="en-US" dirty="0" smtClean="0"/>
+              <a:t>University	West Texas High School</a:t>
+            </a:r>
+            <a:br>
+              <a:rPr lang="en-US" dirty="0" smtClean="0"/>
+            </a:br>
+            <a:r>
+              <a:rPr lang="en-US" dirty="0"/>
+              <a:t>	</a:t>
+            </a:r>
+            <a:r>
+              <a:rPr lang="en-US" dirty="0">
+                <a:hlinkClick r:id="rId3"/>
+              </a:rPr>
+              <a:t>hhaiduk@wtamu.edu</a:t>
+            </a:r>
+            <a:r>
+              <a:rPr lang="en-US" dirty="0"/>
+              <a:t>		</a:t>
+            </a:r>
+            <a:r>
+              <a:rPr lang="en-US" dirty="0" smtClean="0">
+                <a:hlinkClick r:id="rId4"/>
+              </a:rPr>
+              <a:t>david.kossey@pspcisd.net</a:t>
+            </a:r>
+            <a:endParaRPr lang="en-US" dirty="0"/>
+          </a:p>
+          <a:p>
             <a:pPr marL="0" indent="0">
               <a:buNone/>
             </a:pPr>
             <a:r>
-              <a:rPr lang="en-US" dirty="0"/>
-              <a:t>Presented by:</a:t>
-            </a:r>
-          </a:p>
-          <a:p>
-            <a:pPr marL="0" indent="0">
-              <a:buNone/>
-            </a:pPr>
-            <a:r>
-              <a:rPr lang="en-US" dirty="0"/>
-              <a:t>	H. Paul Haiduk</a:t>
-            </a:r>
-            <a:br>
-              <a:rPr lang="en-US" dirty="0"/>
-            </a:br>
-            <a:r>
-              <a:rPr lang="en-US" dirty="0"/>
-              <a:t>	Computer Science Coordinator</a:t>
-            </a:r>
-            <a:br>
-              <a:rPr lang="en-US" dirty="0"/>
-            </a:br>
-            <a:r>
-              <a:rPr lang="en-US" dirty="0"/>
-              <a:t>	West Texas A&amp;M University</a:t>
-            </a:r>
-            <a:br>
-              <a:rPr lang="en-US" dirty="0"/>
-            </a:br>
-            <a:r>
-              <a:rPr lang="en-US" dirty="0"/>
-              <a:t>	</a:t>
-            </a:r>
-            <a:r>
-              <a:rPr lang="en-US" dirty="0" smtClean="0">
-                <a:hlinkClick r:id="rId2"/>
-              </a:rPr>
-              <a:t>hhaiduk@wtamu.edu</a:t>
-            </a:r>
-            <a:endParaRPr lang="en-US" dirty="0" smtClean="0"/>
-          </a:p>
-          <a:p>
-            <a:pPr marL="0" indent="0">
-              <a:buNone/>
-            </a:pPr>
-            <a:r>
               <a:rPr lang="en-US" dirty="0" smtClean="0"/>
-              <a:t>Presentation available on </a:t>
+              <a:t>Presentation </a:t>
+            </a:r>
+            <a:r>
+              <a:rPr lang="en-US" dirty="0" smtClean="0"/>
+              <a:t>available on </a:t>
             </a:r>
             <a:r>
               <a:rPr lang="en-US" dirty="0" err="1" smtClean="0"/>
@@ -26213,7 +29659,6 @@
               <a:rPr lang="en-US" dirty="0"/>
               <a:t> @ https://github.com/HHaiduk/thunder</a:t>
             </a:r>
-            <a:endParaRPr lang="en-US" dirty="0"/>
           </a:p>
           <a:p>
             <a:pPr marL="0" indent="0">
@@ -26245,6 +29690,13 @@
       </p:transition>
     </mc:Fallback>
   </mc:AlternateContent>
+  <p:timing>
+    <p:tnLst>
+      <p:par>
+        <p:cTn id="1" dur="indefinite" restart="never" nodeType="tmRoot"/>
+      </p:par>
+    </p:tnLst>
+  </p:timing>
 </p:sld>
 </file>
 
@@ -26524,7 +29976,7 @@
           <p:nvPr/>
         </p:nvPicPr>
         <p:blipFill>
-          <a:blip r:embed="rId2">
+          <a:blip r:embed="rId3">
             <a:extLst>
               <a:ext uri="{28A0092B-C50C-407E-A947-70E740481C1C}">
                 <a14:useLocalDpi xmlns:a14="http://schemas.microsoft.com/office/drawing/2010/main" val="0"/>
@@ -26702,7 +30154,7 @@
           <p:nvPr/>
         </p:nvPicPr>
         <p:blipFill>
-          <a:blip r:embed="rId2">
+          <a:blip r:embed="rId3">
             <a:extLst>
               <a:ext uri="{28A0092B-C50C-407E-A947-70E740481C1C}">
                 <a14:useLocalDpi xmlns:a14="http://schemas.microsoft.com/office/drawing/2010/main" val="0"/>
@@ -27027,7 +30479,7 @@
   <a:extraClrSchemeLst/>
   <a:extLst>
     <a:ext uri="{05A4C25C-085E-4340-85A3-A5531E510DB2}">
-      <thm15:themeFamily xmlns="" xmlns:thm15="http://schemas.microsoft.com/office/thememl/2012/main" name="O15_4109default" id="{E728D685-11FC-4812-BA85-57AC6F9C9F40}" vid="{BC4E008B-95FF-4815-904E-143A8EDFC1D4}"/>
+      <thm15:themeFamily xmlns:thm15="http://schemas.microsoft.com/office/thememl/2012/main" xmlns="" name="O15_4109default" id="{E728D685-11FC-4812-BA85-57AC6F9C9F40}" vid="{BC4E008B-95FF-4815-904E-143A8EDFC1D4}"/>
     </a:ext>
   </a:extLst>
 </a:theme>
@@ -27322,7 +30774,7 @@
   <a:extraClrSchemeLst/>
   <a:extLst>
     <a:ext uri="{05A4C25C-085E-4340-85A3-A5531E510DB2}">
-      <thm15:themeFamily xmlns="" xmlns:thm15="http://schemas.microsoft.com/office/thememl/2012/main" name="Office Theme" id="{62F939B6-93AF-4DB8-9C6B-D6C7DFDC589F}" vid="{4A3C46E8-61CC-4603-A589-7422A47A8E4A}"/>
+      <thm15:themeFamily xmlns:thm15="http://schemas.microsoft.com/office/thememl/2012/main" xmlns="" name="Office Theme" id="{62F939B6-93AF-4DB8-9C6B-D6C7DFDC589F}" vid="{4A3C46E8-61CC-4603-A589-7422A47A8E4A}"/>
     </a:ext>
   </a:extLst>
 </a:theme>

--- a/STEM-Conference-Scratch.pptx
+++ b/STEM-Conference-Scratch.pptx
@@ -276,7 +276,7 @@
       </p14:sectionLst>
     </p:ext>
     <p:ext uri="{EFAFB233-063F-42B5-8137-9DF3F51BA10A}">
-      <p15:sldGuideLst xmlns:p15="http://schemas.microsoft.com/office/powerpoint/2012/main" xmlns=""/>
+      <p15:sldGuideLst xmlns="" xmlns:p15="http://schemas.microsoft.com/office/powerpoint/2012/main"/>
     </p:ext>
   </p:extLst>
 </p:presentation>
@@ -364,7 +364,7 @@
           <a:p>
             <a:fld id="{5E67A317-6785-4E6D-9F9E-5534567B346A}" type="datetimeFigureOut">
               <a:rPr lang="en-US"/>
-              <a:t>7/22/2018</a:t>
+              <a:t>7/23/2018</a:t>
             </a:fld>
             <a:endParaRPr lang="en-US"/>
           </a:p>
@@ -7265,7 +7265,7 @@
           <a:p>
             <a:fld id="{8986A55C-383D-4E58-8B83-3E04AAA5FB99}" type="datetimeFigureOut">
               <a:rPr lang="en-US" smtClean="0"/>
-              <a:t>7/22/2018</a:t>
+              <a:t>7/23/2018</a:t>
             </a:fld>
             <a:endParaRPr lang="en-US"/>
           </a:p>
@@ -7464,7 +7464,7 @@
           <a:p>
             <a:fld id="{8986A55C-383D-4E58-8B83-3E04AAA5FB99}" type="datetimeFigureOut">
               <a:rPr lang="en-US" smtClean="0"/>
-              <a:t>7/22/2018</a:t>
+              <a:t>7/23/2018</a:t>
             </a:fld>
             <a:endParaRPr lang="en-US"/>
           </a:p>
@@ -7657,7 +7657,7 @@
           <a:p>
             <a:fld id="{8986A55C-383D-4E58-8B83-3E04AAA5FB99}" type="datetimeFigureOut">
               <a:rPr lang="en-US" smtClean="0"/>
-              <a:t>7/22/2018</a:t>
+              <a:t>7/23/2018</a:t>
             </a:fld>
             <a:endParaRPr lang="en-US"/>
           </a:p>
@@ -8130,7 +8130,7 @@
           <a:p>
             <a:fld id="{8986A55C-383D-4E58-8B83-3E04AAA5FB99}" type="datetimeFigureOut">
               <a:rPr lang="en-US" smtClean="0"/>
-              <a:t>7/22/2018</a:t>
+              <a:t>7/23/2018</a:t>
             </a:fld>
             <a:endParaRPr lang="en-US"/>
           </a:p>
@@ -8589,7 +8589,7 @@
           <a:p>
             <a:fld id="{8986A55C-383D-4E58-8B83-3E04AAA5FB99}" type="datetimeFigureOut">
               <a:rPr lang="en-US" smtClean="0"/>
-              <a:t>7/22/2018</a:t>
+              <a:t>7/23/2018</a:t>
             </a:fld>
             <a:endParaRPr lang="en-US"/>
           </a:p>
@@ -8726,7 +8726,7 @@
           <a:p>
             <a:fld id="{8986A55C-383D-4E58-8B83-3E04AAA5FB99}" type="datetimeFigureOut">
               <a:rPr lang="en-US" smtClean="0"/>
-              <a:t>7/22/2018</a:t>
+              <a:t>7/23/2018</a:t>
             </a:fld>
             <a:endParaRPr lang="en-US"/>
           </a:p>
@@ -8840,7 +8840,7 @@
           <a:p>
             <a:fld id="{8986A55C-383D-4E58-8B83-3E04AAA5FB99}" type="datetimeFigureOut">
               <a:rPr lang="en-US" smtClean="0"/>
-              <a:t>7/22/2018</a:t>
+              <a:t>7/23/2018</a:t>
             </a:fld>
             <a:endParaRPr lang="en-US"/>
           </a:p>
@@ -9143,7 +9143,7 @@
           <a:p>
             <a:fld id="{8986A55C-383D-4E58-8B83-3E04AAA5FB99}" type="datetimeFigureOut">
               <a:rPr lang="en-US" smtClean="0"/>
-              <a:t>7/22/2018</a:t>
+              <a:t>7/23/2018</a:t>
             </a:fld>
             <a:endParaRPr lang="en-US"/>
           </a:p>
@@ -9475,7 +9475,7 @@
           <a:p>
             <a:fld id="{8986A55C-383D-4E58-8B83-3E04AAA5FB99}" type="datetimeFigureOut">
               <a:rPr lang="en-US" smtClean="0"/>
-              <a:t>7/22/2018</a:t>
+              <a:t>7/23/2018</a:t>
             </a:fld>
             <a:endParaRPr lang="en-US"/>
           </a:p>
@@ -9707,7 +9707,7 @@
           <a:p>
             <a:fld id="{8986A55C-383D-4E58-8B83-3E04AAA5FB99}" type="datetimeFigureOut">
               <a:rPr lang="en-US" smtClean="0"/>
-              <a:t>7/22/2018</a:t>
+              <a:t>7/23/2018</a:t>
             </a:fld>
             <a:endParaRPr lang="en-US"/>
           </a:p>
@@ -10150,7 +10150,7 @@
   </p:txStyles>
   <p:extLst mod="1">
     <p:ext uri="{27BBF7A9-308A-43DC-89C8-2F10F3537804}">
-      <p15:sldGuideLst xmlns:p15="http://schemas.microsoft.com/office/powerpoint/2012/main" xmlns="">
+      <p15:sldGuideLst xmlns="" xmlns:p15="http://schemas.microsoft.com/office/powerpoint/2012/main">
         <p15:guide id="1" orient="horz" pos="2160">
           <p15:clr>
             <a:srgbClr val="F26B43"/>
@@ -10271,11 +10271,7 @@
             </a:r>
             <a:r>
               <a:rPr lang="en-US" dirty="0" smtClean="0"/>
-              <a:t>H. Paul </a:t>
-            </a:r>
-            <a:r>
-              <a:rPr lang="en-US" dirty="0" smtClean="0"/>
-              <a:t>Haiduk			David </a:t>
+              <a:t>H. Paul Haiduk			David </a:t>
             </a:r>
             <a:r>
               <a:rPr lang="en-US" dirty="0" err="1" smtClean="0"/>
@@ -10290,19 +10286,7 @@
             </a:br>
             <a:r>
               <a:rPr lang="en-US" dirty="0" smtClean="0"/>
-              <a:t>	Computer Science </a:t>
-            </a:r>
-            <a:r>
-              <a:rPr lang="en-US" dirty="0" smtClean="0"/>
-              <a:t>Coordinator	Computer Science/Robotics/Math</a:t>
-            </a:r>
-            <a:r>
-              <a:rPr lang="en-US" dirty="0" smtClean="0"/>
-              <a:t>	West Texas A&amp;M </a:t>
-            </a:r>
-            <a:r>
-              <a:rPr lang="en-US" dirty="0" smtClean="0"/>
-              <a:t>University		West Texas </a:t>
+              <a:t>	Computer Science Coordinator	Computer Science/Robotics/Math	West Texas A&amp;M University		West Texas </a:t>
             </a:r>
             <a:r>
               <a:rPr lang="en-US" smtClean="0"/>
@@ -12737,8 +12721,33 @@
           <a:p>
             <a:r>
               <a:rPr lang="en-US" dirty="0"/>
-              <a:t>Participants will be able to apply Computer Science Principals to write simple/complex programs</a:t>
-            </a:r>
+              <a:t>Participants will be able to apply Computer Science Principals to write simple/complex </a:t>
+            </a:r>
+            <a:r>
+              <a:rPr lang="en-US" dirty="0" smtClean="0"/>
+              <a:t>programs</a:t>
+            </a:r>
+          </a:p>
+          <a:p>
+            <a:r>
+              <a:rPr lang="en-US" dirty="0" smtClean="0"/>
+              <a:t>But . . . First things first.  Navigate your browser to </a:t>
+            </a:r>
+            <a:r>
+              <a:rPr lang="en-US" dirty="0" smtClean="0">
+                <a:hlinkClick r:id="rId3"/>
+              </a:rPr>
+              <a:t>https://scratch.mit.edu</a:t>
+            </a:r>
+            <a:r>
+              <a:rPr lang="en-US" dirty="0" smtClean="0"/>
+              <a:t>  and join if you have not already done so.  Otherwise, login so that we can begin our </a:t>
+            </a:r>
+            <a:r>
+              <a:rPr lang="en-US" smtClean="0"/>
+              <a:t>work together.</a:t>
+            </a:r>
+            <a:endParaRPr lang="en-US" dirty="0"/>
           </a:p>
         </p:txBody>
       </p:sp>
@@ -12764,6 +12773,13 @@
       </p:transition>
     </mc:Fallback>
   </mc:AlternateContent>
+  <p:timing>
+    <p:tnLst>
+      <p:par>
+        <p:cTn id="1" dur="indefinite" restart="never" nodeType="tmRoot"/>
+      </p:par>
+    </p:tnLst>
+  </p:timing>
 </p:sld>
 </file>
 
@@ -23564,14 +23580,14 @@
                 <a:gridCol w="1266825">
                   <a:extLst>
                     <a:ext uri="{9D8B030D-6E8A-4147-A177-3AD203B41FA5}">
-                      <a16:colId xmlns:a16="http://schemas.microsoft.com/office/drawing/2014/main" xmlns="" val="20000"/>
+                      <a16:colId xmlns="" xmlns:a16="http://schemas.microsoft.com/office/drawing/2014/main" val="20000"/>
                     </a:ext>
                   </a:extLst>
                 </a:gridCol>
                 <a:gridCol w="5408295">
                   <a:extLst>
                     <a:ext uri="{9D8B030D-6E8A-4147-A177-3AD203B41FA5}">
-                      <a16:colId xmlns:a16="http://schemas.microsoft.com/office/drawing/2014/main" xmlns="" val="20001"/>
+                      <a16:colId xmlns="" xmlns:a16="http://schemas.microsoft.com/office/drawing/2014/main" val="20001"/>
                     </a:ext>
                   </a:extLst>
                 </a:gridCol>
@@ -23611,7 +23627,7 @@
                 </a:tc>
                 <a:extLst>
                   <a:ext uri="{0D108BD9-81ED-4DB2-BD59-A6C34878D82A}">
-                    <a16:rowId xmlns:a16="http://schemas.microsoft.com/office/drawing/2014/main" xmlns="" val="10000"/>
+                    <a16:rowId xmlns="" xmlns:a16="http://schemas.microsoft.com/office/drawing/2014/main" val="10000"/>
                   </a:ext>
                 </a:extLst>
               </a:tr>
@@ -23662,7 +23678,7 @@
                 </a:tc>
                 <a:extLst>
                   <a:ext uri="{0D108BD9-81ED-4DB2-BD59-A6C34878D82A}">
-                    <a16:rowId xmlns:a16="http://schemas.microsoft.com/office/drawing/2014/main" xmlns="" val="10001"/>
+                    <a16:rowId xmlns="" xmlns:a16="http://schemas.microsoft.com/office/drawing/2014/main" val="10001"/>
                   </a:ext>
                 </a:extLst>
               </a:tr>
@@ -23724,7 +23740,7 @@
                 </a:tc>
                 <a:extLst>
                   <a:ext uri="{0D108BD9-81ED-4DB2-BD59-A6C34878D82A}">
-                    <a16:rowId xmlns:a16="http://schemas.microsoft.com/office/drawing/2014/main" xmlns="" val="10002"/>
+                    <a16:rowId xmlns="" xmlns:a16="http://schemas.microsoft.com/office/drawing/2014/main" val="10002"/>
                   </a:ext>
                 </a:extLst>
               </a:tr>
@@ -29645,11 +29661,7 @@
             </a:pPr>
             <a:r>
               <a:rPr lang="en-US" dirty="0" smtClean="0"/>
-              <a:t>Presentation </a:t>
-            </a:r>
-            <a:r>
-              <a:rPr lang="en-US" dirty="0" smtClean="0"/>
-              <a:t>available on </a:t>
+              <a:t>Presentation available on </a:t>
             </a:r>
             <a:r>
               <a:rPr lang="en-US" dirty="0" err="1" smtClean="0"/>
@@ -30479,7 +30491,7 @@
   <a:extraClrSchemeLst/>
   <a:extLst>
     <a:ext uri="{05A4C25C-085E-4340-85A3-A5531E510DB2}">
-      <thm15:themeFamily xmlns:thm15="http://schemas.microsoft.com/office/thememl/2012/main" xmlns="" name="O15_4109default" id="{E728D685-11FC-4812-BA85-57AC6F9C9F40}" vid="{BC4E008B-95FF-4815-904E-143A8EDFC1D4}"/>
+      <thm15:themeFamily xmlns="" xmlns:thm15="http://schemas.microsoft.com/office/thememl/2012/main" name="O15_4109default" id="{E728D685-11FC-4812-BA85-57AC6F9C9F40}" vid="{BC4E008B-95FF-4815-904E-143A8EDFC1D4}"/>
     </a:ext>
   </a:extLst>
 </a:theme>
@@ -30774,7 +30786,7 @@
   <a:extraClrSchemeLst/>
   <a:extLst>
     <a:ext uri="{05A4C25C-085E-4340-85A3-A5531E510DB2}">
-      <thm15:themeFamily xmlns:thm15="http://schemas.microsoft.com/office/thememl/2012/main" xmlns="" name="Office Theme" id="{62F939B6-93AF-4DB8-9C6B-D6C7DFDC589F}" vid="{4A3C46E8-61CC-4603-A589-7422A47A8E4A}"/>
+      <thm15:themeFamily xmlns="" xmlns:thm15="http://schemas.microsoft.com/office/thememl/2012/main" name="Office Theme" id="{62F939B6-93AF-4DB8-9C6B-D6C7DFDC589F}" vid="{4A3C46E8-61CC-4603-A589-7422A47A8E4A}"/>
     </a:ext>
   </a:extLst>
 </a:theme>

--- a/STEM-Conference-Scratch.pptx
+++ b/STEM-Conference-Scratch.pptx
@@ -276,7 +276,7 @@
       </p14:sectionLst>
     </p:ext>
     <p:ext uri="{EFAFB233-063F-42B5-8137-9DF3F51BA10A}">
-      <p15:sldGuideLst xmlns="" xmlns:p15="http://schemas.microsoft.com/office/powerpoint/2012/main"/>
+      <p15:sldGuideLst xmlns:p15="http://schemas.microsoft.com/office/powerpoint/2012/main" xmlns=""/>
     </p:ext>
   </p:extLst>
 </p:presentation>
@@ -364,7 +364,7 @@
           <a:p>
             <a:fld id="{5E67A317-6785-4E6D-9F9E-5534567B346A}" type="datetimeFigureOut">
               <a:rPr lang="en-US"/>
-              <a:t>7/23/2018</a:t>
+              <a:t>7/24/2018</a:t>
             </a:fld>
             <a:endParaRPr lang="en-US"/>
           </a:p>
@@ -7265,7 +7265,7 @@
           <a:p>
             <a:fld id="{8986A55C-383D-4E58-8B83-3E04AAA5FB99}" type="datetimeFigureOut">
               <a:rPr lang="en-US" smtClean="0"/>
-              <a:t>7/23/2018</a:t>
+              <a:t>7/24/2018</a:t>
             </a:fld>
             <a:endParaRPr lang="en-US"/>
           </a:p>
@@ -7464,7 +7464,7 @@
           <a:p>
             <a:fld id="{8986A55C-383D-4E58-8B83-3E04AAA5FB99}" type="datetimeFigureOut">
               <a:rPr lang="en-US" smtClean="0"/>
-              <a:t>7/23/2018</a:t>
+              <a:t>7/24/2018</a:t>
             </a:fld>
             <a:endParaRPr lang="en-US"/>
           </a:p>
@@ -7657,7 +7657,7 @@
           <a:p>
             <a:fld id="{8986A55C-383D-4E58-8B83-3E04AAA5FB99}" type="datetimeFigureOut">
               <a:rPr lang="en-US" smtClean="0"/>
-              <a:t>7/23/2018</a:t>
+              <a:t>7/24/2018</a:t>
             </a:fld>
             <a:endParaRPr lang="en-US"/>
           </a:p>
@@ -8130,7 +8130,7 @@
           <a:p>
             <a:fld id="{8986A55C-383D-4E58-8B83-3E04AAA5FB99}" type="datetimeFigureOut">
               <a:rPr lang="en-US" smtClean="0"/>
-              <a:t>7/23/2018</a:t>
+              <a:t>7/24/2018</a:t>
             </a:fld>
             <a:endParaRPr lang="en-US"/>
           </a:p>
@@ -8589,7 +8589,7 @@
           <a:p>
             <a:fld id="{8986A55C-383D-4E58-8B83-3E04AAA5FB99}" type="datetimeFigureOut">
               <a:rPr lang="en-US" smtClean="0"/>
-              <a:t>7/23/2018</a:t>
+              <a:t>7/24/2018</a:t>
             </a:fld>
             <a:endParaRPr lang="en-US"/>
           </a:p>
@@ -8726,7 +8726,7 @@
           <a:p>
             <a:fld id="{8986A55C-383D-4E58-8B83-3E04AAA5FB99}" type="datetimeFigureOut">
               <a:rPr lang="en-US" smtClean="0"/>
-              <a:t>7/23/2018</a:t>
+              <a:t>7/24/2018</a:t>
             </a:fld>
             <a:endParaRPr lang="en-US"/>
           </a:p>
@@ -8840,7 +8840,7 @@
           <a:p>
             <a:fld id="{8986A55C-383D-4E58-8B83-3E04AAA5FB99}" type="datetimeFigureOut">
               <a:rPr lang="en-US" smtClean="0"/>
-              <a:t>7/23/2018</a:t>
+              <a:t>7/24/2018</a:t>
             </a:fld>
             <a:endParaRPr lang="en-US"/>
           </a:p>
@@ -9143,7 +9143,7 @@
           <a:p>
             <a:fld id="{8986A55C-383D-4E58-8B83-3E04AAA5FB99}" type="datetimeFigureOut">
               <a:rPr lang="en-US" smtClean="0"/>
-              <a:t>7/23/2018</a:t>
+              <a:t>7/24/2018</a:t>
             </a:fld>
             <a:endParaRPr lang="en-US"/>
           </a:p>
@@ -9475,7 +9475,7 @@
           <a:p>
             <a:fld id="{8986A55C-383D-4E58-8B83-3E04AAA5FB99}" type="datetimeFigureOut">
               <a:rPr lang="en-US" smtClean="0"/>
-              <a:t>7/23/2018</a:t>
+              <a:t>7/24/2018</a:t>
             </a:fld>
             <a:endParaRPr lang="en-US"/>
           </a:p>
@@ -9707,7 +9707,7 @@
           <a:p>
             <a:fld id="{8986A55C-383D-4E58-8B83-3E04AAA5FB99}" type="datetimeFigureOut">
               <a:rPr lang="en-US" smtClean="0"/>
-              <a:t>7/23/2018</a:t>
+              <a:t>7/24/2018</a:t>
             </a:fld>
             <a:endParaRPr lang="en-US"/>
           </a:p>
@@ -10150,7 +10150,7 @@
   </p:txStyles>
   <p:extLst mod="1">
     <p:ext uri="{27BBF7A9-308A-43DC-89C8-2F10F3537804}">
-      <p15:sldGuideLst xmlns="" xmlns:p15="http://schemas.microsoft.com/office/powerpoint/2012/main">
+      <p15:sldGuideLst xmlns:p15="http://schemas.microsoft.com/office/powerpoint/2012/main" xmlns="">
         <p15:guide id="1" orient="horz" pos="2160">
           <p15:clr>
             <a:srgbClr val="F26B43"/>
@@ -10553,6 +10553,13 @@
       </p:transition>
     </mc:Fallback>
   </mc:AlternateContent>
+  <p:timing>
+    <p:tnLst>
+      <p:par>
+        <p:cTn id="1" dur="indefinite" restart="never" nodeType="tmRoot"/>
+      </p:par>
+    </p:tnLst>
+  </p:timing>
 </p:sld>
 </file>
 
@@ -15154,6 +15161,13 @@
       </p:transition>
     </mc:Fallback>
   </mc:AlternateContent>
+  <p:timing>
+    <p:tnLst>
+      <p:par>
+        <p:cTn id="1" dur="indefinite" restart="never" nodeType="tmRoot"/>
+      </p:par>
+    </p:tnLst>
+  </p:timing>
 </p:sld>
 </file>
 
@@ -18904,6 +18918,13 @@
       </p:transition>
     </mc:Fallback>
   </mc:AlternateContent>
+  <p:timing>
+    <p:tnLst>
+      <p:par>
+        <p:cTn id="1" dur="indefinite" restart="never" nodeType="tmRoot"/>
+      </p:par>
+    </p:tnLst>
+  </p:timing>
 </p:sld>
 </file>
 
@@ -21963,6 +21984,13 @@
       </p:transition>
     </mc:Fallback>
   </mc:AlternateContent>
+  <p:timing>
+    <p:tnLst>
+      <p:par>
+        <p:cTn id="1" dur="indefinite" restart="never" nodeType="tmRoot"/>
+      </p:par>
+    </p:tnLst>
+  </p:timing>
 </p:sld>
 </file>
 
@@ -23580,14 +23608,14 @@
                 <a:gridCol w="1266825">
                   <a:extLst>
                     <a:ext uri="{9D8B030D-6E8A-4147-A177-3AD203B41FA5}">
-                      <a16:colId xmlns="" xmlns:a16="http://schemas.microsoft.com/office/drawing/2014/main" val="20000"/>
+                      <a16:colId xmlns:a16="http://schemas.microsoft.com/office/drawing/2014/main" xmlns="" val="20000"/>
                     </a:ext>
                   </a:extLst>
                 </a:gridCol>
                 <a:gridCol w="5408295">
                   <a:extLst>
                     <a:ext uri="{9D8B030D-6E8A-4147-A177-3AD203B41FA5}">
-                      <a16:colId xmlns="" xmlns:a16="http://schemas.microsoft.com/office/drawing/2014/main" val="20001"/>
+                      <a16:colId xmlns:a16="http://schemas.microsoft.com/office/drawing/2014/main" xmlns="" val="20001"/>
                     </a:ext>
                   </a:extLst>
                 </a:gridCol>
@@ -23627,7 +23655,7 @@
                 </a:tc>
                 <a:extLst>
                   <a:ext uri="{0D108BD9-81ED-4DB2-BD59-A6C34878D82A}">
-                    <a16:rowId xmlns="" xmlns:a16="http://schemas.microsoft.com/office/drawing/2014/main" val="10000"/>
+                    <a16:rowId xmlns:a16="http://schemas.microsoft.com/office/drawing/2014/main" xmlns="" val="10000"/>
                   </a:ext>
                 </a:extLst>
               </a:tr>
@@ -23678,7 +23706,7 @@
                 </a:tc>
                 <a:extLst>
                   <a:ext uri="{0D108BD9-81ED-4DB2-BD59-A6C34878D82A}">
-                    <a16:rowId xmlns="" xmlns:a16="http://schemas.microsoft.com/office/drawing/2014/main" val="10001"/>
+                    <a16:rowId xmlns:a16="http://schemas.microsoft.com/office/drawing/2014/main" xmlns="" val="10001"/>
                   </a:ext>
                 </a:extLst>
               </a:tr>
@@ -23740,7 +23768,7 @@
                 </a:tc>
                 <a:extLst>
                   <a:ext uri="{0D108BD9-81ED-4DB2-BD59-A6C34878D82A}">
-                    <a16:rowId xmlns="" xmlns:a16="http://schemas.microsoft.com/office/drawing/2014/main" val="10002"/>
+                    <a16:rowId xmlns:a16="http://schemas.microsoft.com/office/drawing/2014/main" xmlns="" val="10002"/>
                   </a:ext>
                 </a:extLst>
               </a:tr>
@@ -29874,6 +29902,13 @@
       </p:transition>
     </mc:Fallback>
   </mc:AlternateContent>
+  <p:timing>
+    <p:tnLst>
+      <p:par>
+        <p:cTn id="1" dur="indefinite" restart="never" nodeType="tmRoot"/>
+      </p:par>
+    </p:tnLst>
+  </p:timing>
 </p:sld>
 </file>
 
@@ -29959,15 +29994,19 @@
           <a:p>
             <a:r>
               <a:rPr lang="en-US" altLang="en-US" dirty="0"/>
-              <a:t>Scratch is a visual programming environment where you design/create your interactive stories, games &amp; animations. While </a:t>
-            </a:r>
-            <a:r>
-              <a:rPr lang="en-US" altLang="en-US" dirty="0" err="1"/>
-              <a:t>Scrtach</a:t>
+              <a:t>Scratch is a visual programming environment where you design/create your interactive stories, games &amp; animations. </a:t>
+            </a:r>
+            <a:r>
+              <a:rPr lang="en-US" altLang="en-US"/>
+              <a:t>While </a:t>
+            </a:r>
+            <a:r>
+              <a:rPr lang="en-US" altLang="en-US" smtClean="0"/>
+              <a:t>Scratch </a:t>
             </a:r>
             <a:r>
               <a:rPr lang="en-US" altLang="en-US" dirty="0"/>
-              <a:t> has been designed with a typical 3rd or 4th grader in mind, people of all ages can use it to learn the basics of programming in an enjoyable way! </a:t>
+              <a:t>has been designed with a typical 3rd or 4th grader in mind, people of all ages can use it to learn the basics of programming in an enjoyable way! </a:t>
             </a:r>
             <a:endParaRPr lang="en-US" altLang="en-US" dirty="0" smtClean="0"/>
           </a:p>
@@ -30055,6 +30094,13 @@
       </p:transition>
     </mc:Fallback>
   </mc:AlternateContent>
+  <p:timing>
+    <p:tnLst>
+      <p:par>
+        <p:cTn id="1" dur="indefinite" restart="never" nodeType="tmRoot"/>
+      </p:par>
+    </p:tnLst>
+  </p:timing>
 </p:sld>
 </file>
 
@@ -30233,6 +30279,13 @@
       </p:transition>
     </mc:Fallback>
   </mc:AlternateContent>
+  <p:timing>
+    <p:tnLst>
+      <p:par>
+        <p:cTn id="1" dur="indefinite" restart="never" nodeType="tmRoot"/>
+      </p:par>
+    </p:tnLst>
+  </p:timing>
 </p:sld>
 </file>
 
@@ -30491,7 +30544,7 @@
   <a:extraClrSchemeLst/>
   <a:extLst>
     <a:ext uri="{05A4C25C-085E-4340-85A3-A5531E510DB2}">
-      <thm15:themeFamily xmlns="" xmlns:thm15="http://schemas.microsoft.com/office/thememl/2012/main" name="O15_4109default" id="{E728D685-11FC-4812-BA85-57AC6F9C9F40}" vid="{BC4E008B-95FF-4815-904E-143A8EDFC1D4}"/>
+      <thm15:themeFamily xmlns:thm15="http://schemas.microsoft.com/office/thememl/2012/main" xmlns="" name="O15_4109default" id="{E728D685-11FC-4812-BA85-57AC6F9C9F40}" vid="{BC4E008B-95FF-4815-904E-143A8EDFC1D4}"/>
     </a:ext>
   </a:extLst>
 </a:theme>
@@ -30786,7 +30839,7 @@
   <a:extraClrSchemeLst/>
   <a:extLst>
     <a:ext uri="{05A4C25C-085E-4340-85A3-A5531E510DB2}">
-      <thm15:themeFamily xmlns="" xmlns:thm15="http://schemas.microsoft.com/office/thememl/2012/main" name="Office Theme" id="{62F939B6-93AF-4DB8-9C6B-D6C7DFDC589F}" vid="{4A3C46E8-61CC-4603-A589-7422A47A8E4A}"/>
+      <thm15:themeFamily xmlns:thm15="http://schemas.microsoft.com/office/thememl/2012/main" xmlns="" name="Office Theme" id="{62F939B6-93AF-4DB8-9C6B-D6C7DFDC589F}" vid="{4A3C46E8-61CC-4603-A589-7422A47A8E4A}"/>
     </a:ext>
   </a:extLst>
 </a:theme>
